--- a/Sprint6/6thSprint.pptx
+++ b/Sprint6/6thSprint.pptx
@@ -8,12 +8,14 @@
     <p:sldId id="256" r:id="rId2"/>
     <p:sldId id="258" r:id="rId3"/>
     <p:sldId id="257" r:id="rId4"/>
-    <p:sldId id="262" r:id="rId5"/>
-    <p:sldId id="259" r:id="rId6"/>
-    <p:sldId id="260" r:id="rId7"/>
-    <p:sldId id="261" r:id="rId8"/>
-    <p:sldId id="264" r:id="rId9"/>
-    <p:sldId id="263" r:id="rId10"/>
+    <p:sldId id="265" r:id="rId5"/>
+    <p:sldId id="262" r:id="rId6"/>
+    <p:sldId id="266" r:id="rId7"/>
+    <p:sldId id="259" r:id="rId8"/>
+    <p:sldId id="260" r:id="rId9"/>
+    <p:sldId id="261" r:id="rId10"/>
+    <p:sldId id="264" r:id="rId11"/>
+    <p:sldId id="263" r:id="rId12"/>
   </p:sldIdLst>
   <p:sldSz cx="12192000" cy="6858000"/>
   <p:notesSz cx="6858000" cy="9144000"/>
@@ -120,6 +122,5204 @@
 </p:presentation>
 </file>
 
+<file path=ppt/diagrams/colors1.xml><?xml version="1.0" encoding="utf-8"?>
+<dgm:colorsDef xmlns:dgm="http://schemas.openxmlformats.org/drawingml/2006/diagram" xmlns:a="http://schemas.openxmlformats.org/drawingml/2006/main" uniqueId="urn:microsoft.com/office/officeart/2005/8/colors/accent0_3">
+  <dgm:title val=""/>
+  <dgm:desc val=""/>
+  <dgm:catLst>
+    <dgm:cat type="mainScheme" pri="10300"/>
+  </dgm:catLst>
+  <dgm:styleLbl name="node0">
+    <dgm:fillClrLst meth="repeat">
+      <a:schemeClr val="dk2"/>
+    </dgm:fillClrLst>
+    <dgm:linClrLst meth="repeat">
+      <a:schemeClr val="lt2"/>
+    </dgm:linClrLst>
+    <dgm:effectClrLst/>
+    <dgm:txLinClrLst/>
+    <dgm:txFillClrLst/>
+    <dgm:txEffectClrLst/>
+  </dgm:styleLbl>
+  <dgm:styleLbl name="alignNode1">
+    <dgm:fillClrLst meth="repeat">
+      <a:schemeClr val="dk2"/>
+    </dgm:fillClrLst>
+    <dgm:linClrLst meth="repeat">
+      <a:schemeClr val="dk2"/>
+    </dgm:linClrLst>
+    <dgm:effectClrLst/>
+    <dgm:txLinClrLst/>
+    <dgm:txFillClrLst/>
+    <dgm:txEffectClrLst/>
+  </dgm:styleLbl>
+  <dgm:styleLbl name="node1">
+    <dgm:fillClrLst meth="repeat">
+      <a:schemeClr val="dk2"/>
+    </dgm:fillClrLst>
+    <dgm:linClrLst meth="repeat">
+      <a:schemeClr val="lt2"/>
+    </dgm:linClrLst>
+    <dgm:effectClrLst/>
+    <dgm:txLinClrLst/>
+    <dgm:txFillClrLst/>
+    <dgm:txEffectClrLst/>
+  </dgm:styleLbl>
+  <dgm:styleLbl name="lnNode1">
+    <dgm:fillClrLst meth="repeat">
+      <a:schemeClr val="dk2"/>
+    </dgm:fillClrLst>
+    <dgm:linClrLst meth="repeat">
+      <a:schemeClr val="lt2"/>
+    </dgm:linClrLst>
+    <dgm:effectClrLst/>
+    <dgm:txLinClrLst/>
+    <dgm:txFillClrLst/>
+    <dgm:txEffectClrLst/>
+  </dgm:styleLbl>
+  <dgm:styleLbl name="vennNode1">
+    <dgm:fillClrLst meth="repeat">
+      <a:schemeClr val="dk2">
+        <a:alpha val="50000"/>
+      </a:schemeClr>
+    </dgm:fillClrLst>
+    <dgm:linClrLst meth="repeat">
+      <a:schemeClr val="lt2"/>
+    </dgm:linClrLst>
+    <dgm:effectClrLst/>
+    <dgm:txLinClrLst/>
+    <dgm:txFillClrLst/>
+    <dgm:txEffectClrLst/>
+  </dgm:styleLbl>
+  <dgm:styleLbl name="node2">
+    <dgm:fillClrLst meth="repeat">
+      <a:schemeClr val="dk2"/>
+    </dgm:fillClrLst>
+    <dgm:linClrLst meth="repeat">
+      <a:schemeClr val="lt2"/>
+    </dgm:linClrLst>
+    <dgm:effectClrLst/>
+    <dgm:txLinClrLst/>
+    <dgm:txFillClrLst/>
+    <dgm:txEffectClrLst/>
+  </dgm:styleLbl>
+  <dgm:styleLbl name="node3">
+    <dgm:fillClrLst meth="repeat">
+      <a:schemeClr val="dk2"/>
+    </dgm:fillClrLst>
+    <dgm:linClrLst meth="repeat">
+      <a:schemeClr val="lt2"/>
+    </dgm:linClrLst>
+    <dgm:effectClrLst/>
+    <dgm:txLinClrLst/>
+    <dgm:txFillClrLst/>
+    <dgm:txEffectClrLst/>
+  </dgm:styleLbl>
+  <dgm:styleLbl name="node4">
+    <dgm:fillClrLst meth="repeat">
+      <a:schemeClr val="dk2"/>
+    </dgm:fillClrLst>
+    <dgm:linClrLst meth="repeat">
+      <a:schemeClr val="lt2"/>
+    </dgm:linClrLst>
+    <dgm:effectClrLst/>
+    <dgm:txLinClrLst/>
+    <dgm:txFillClrLst/>
+    <dgm:txEffectClrLst/>
+  </dgm:styleLbl>
+  <dgm:styleLbl name="fgImgPlace1">
+    <dgm:fillClrLst meth="repeat">
+      <a:schemeClr val="dk2">
+        <a:tint val="50000"/>
+      </a:schemeClr>
+    </dgm:fillClrLst>
+    <dgm:linClrLst meth="repeat">
+      <a:schemeClr val="lt2"/>
+    </dgm:linClrLst>
+    <dgm:effectClrLst/>
+    <dgm:txLinClrLst/>
+    <dgm:txFillClrLst meth="repeat">
+      <a:schemeClr val="lt2"/>
+    </dgm:txFillClrLst>
+    <dgm:txEffectClrLst/>
+  </dgm:styleLbl>
+  <dgm:styleLbl name="alignImgPlace1">
+    <dgm:fillClrLst meth="repeat">
+      <a:schemeClr val="dk2">
+        <a:tint val="50000"/>
+      </a:schemeClr>
+    </dgm:fillClrLst>
+    <dgm:linClrLst meth="repeat">
+      <a:schemeClr val="dk2">
+        <a:shade val="80000"/>
+      </a:schemeClr>
+    </dgm:linClrLst>
+    <dgm:effectClrLst/>
+    <dgm:txLinClrLst/>
+    <dgm:txFillClrLst meth="repeat">
+      <a:schemeClr val="lt2"/>
+    </dgm:txFillClrLst>
+    <dgm:txEffectClrLst/>
+  </dgm:styleLbl>
+  <dgm:styleLbl name="bgImgPlace1">
+    <dgm:fillClrLst meth="repeat">
+      <a:schemeClr val="dk2">
+        <a:tint val="50000"/>
+      </a:schemeClr>
+    </dgm:fillClrLst>
+    <dgm:linClrLst meth="repeat">
+      <a:schemeClr val="dk2">
+        <a:shade val="80000"/>
+      </a:schemeClr>
+    </dgm:linClrLst>
+    <dgm:effectClrLst/>
+    <dgm:txLinClrLst/>
+    <dgm:txFillClrLst meth="repeat">
+      <a:schemeClr val="lt2"/>
+    </dgm:txFillClrLst>
+    <dgm:txEffectClrLst/>
+  </dgm:styleLbl>
+  <dgm:styleLbl name="sibTrans2D1">
+    <dgm:fillClrLst meth="repeat">
+      <a:schemeClr val="dk2">
+        <a:tint val="60000"/>
+      </a:schemeClr>
+    </dgm:fillClrLst>
+    <dgm:linClrLst meth="repeat">
+      <a:schemeClr val="dk2">
+        <a:tint val="60000"/>
+      </a:schemeClr>
+    </dgm:linClrLst>
+    <dgm:effectClrLst/>
+    <dgm:txLinClrLst/>
+    <dgm:txFillClrLst/>
+    <dgm:txEffectClrLst/>
+  </dgm:styleLbl>
+  <dgm:styleLbl name="fgSibTrans2D1">
+    <dgm:fillClrLst meth="repeat">
+      <a:schemeClr val="dk2">
+        <a:tint val="60000"/>
+      </a:schemeClr>
+    </dgm:fillClrLst>
+    <dgm:linClrLst meth="repeat">
+      <a:schemeClr val="dk2">
+        <a:tint val="60000"/>
+      </a:schemeClr>
+    </dgm:linClrLst>
+    <dgm:effectClrLst/>
+    <dgm:txLinClrLst/>
+    <dgm:txFillClrLst/>
+    <dgm:txEffectClrLst/>
+  </dgm:styleLbl>
+  <dgm:styleLbl name="bgSibTrans2D1">
+    <dgm:fillClrLst meth="repeat">
+      <a:schemeClr val="dk2">
+        <a:tint val="60000"/>
+      </a:schemeClr>
+    </dgm:fillClrLst>
+    <dgm:linClrLst meth="repeat">
+      <a:schemeClr val="dk2">
+        <a:tint val="60000"/>
+      </a:schemeClr>
+    </dgm:linClrLst>
+    <dgm:effectClrLst/>
+    <dgm:txLinClrLst/>
+    <dgm:txFillClrLst/>
+    <dgm:txEffectClrLst/>
+  </dgm:styleLbl>
+  <dgm:styleLbl name="sibTrans1D1">
+    <dgm:fillClrLst meth="repeat">
+      <a:schemeClr val="dk2"/>
+    </dgm:fillClrLst>
+    <dgm:linClrLst meth="repeat">
+      <a:schemeClr val="dk2"/>
+    </dgm:linClrLst>
+    <dgm:effectClrLst/>
+    <dgm:txLinClrLst/>
+    <dgm:txFillClrLst meth="repeat">
+      <a:schemeClr val="lt2"/>
+    </dgm:txFillClrLst>
+    <dgm:txEffectClrLst/>
+  </dgm:styleLbl>
+  <dgm:styleLbl name="callout">
+    <dgm:fillClrLst meth="repeat">
+      <a:schemeClr val="dk2"/>
+    </dgm:fillClrLst>
+    <dgm:linClrLst meth="repeat">
+      <a:schemeClr val="dk2">
+        <a:tint val="50000"/>
+      </a:schemeClr>
+    </dgm:linClrLst>
+    <dgm:effectClrLst/>
+    <dgm:txLinClrLst/>
+    <dgm:txFillClrLst meth="repeat">
+      <a:schemeClr val="lt2"/>
+    </dgm:txFillClrLst>
+    <dgm:txEffectClrLst/>
+  </dgm:styleLbl>
+  <dgm:styleLbl name="asst0">
+    <dgm:fillClrLst meth="repeat">
+      <a:schemeClr val="dk2"/>
+    </dgm:fillClrLst>
+    <dgm:linClrLst meth="repeat">
+      <a:schemeClr val="lt2"/>
+    </dgm:linClrLst>
+    <dgm:effectClrLst/>
+    <dgm:txLinClrLst/>
+    <dgm:txFillClrLst/>
+    <dgm:txEffectClrLst/>
+  </dgm:styleLbl>
+  <dgm:styleLbl name="asst1">
+    <dgm:fillClrLst meth="repeat">
+      <a:schemeClr val="dk2"/>
+    </dgm:fillClrLst>
+    <dgm:linClrLst meth="repeat">
+      <a:schemeClr val="lt2"/>
+    </dgm:linClrLst>
+    <dgm:effectClrLst/>
+    <dgm:txLinClrLst/>
+    <dgm:txFillClrLst/>
+    <dgm:txEffectClrLst/>
+  </dgm:styleLbl>
+  <dgm:styleLbl name="asst2">
+    <dgm:fillClrLst meth="repeat">
+      <a:schemeClr val="dk2"/>
+    </dgm:fillClrLst>
+    <dgm:linClrLst meth="repeat">
+      <a:schemeClr val="lt2"/>
+    </dgm:linClrLst>
+    <dgm:effectClrLst/>
+    <dgm:txLinClrLst/>
+    <dgm:txFillClrLst/>
+    <dgm:txEffectClrLst/>
+  </dgm:styleLbl>
+  <dgm:styleLbl name="asst3">
+    <dgm:fillClrLst meth="repeat">
+      <a:schemeClr val="dk2"/>
+    </dgm:fillClrLst>
+    <dgm:linClrLst meth="repeat">
+      <a:schemeClr val="lt2"/>
+    </dgm:linClrLst>
+    <dgm:effectClrLst/>
+    <dgm:txLinClrLst/>
+    <dgm:txFillClrLst/>
+    <dgm:txEffectClrLst/>
+  </dgm:styleLbl>
+  <dgm:styleLbl name="asst4">
+    <dgm:fillClrLst meth="repeat">
+      <a:schemeClr val="dk2"/>
+    </dgm:fillClrLst>
+    <dgm:linClrLst meth="repeat">
+      <a:schemeClr val="lt2"/>
+    </dgm:linClrLst>
+    <dgm:effectClrLst/>
+    <dgm:txLinClrLst/>
+    <dgm:txFillClrLst/>
+    <dgm:txEffectClrLst/>
+  </dgm:styleLbl>
+  <dgm:styleLbl name="parChTrans2D1">
+    <dgm:fillClrLst meth="repeat">
+      <a:schemeClr val="dk2">
+        <a:tint val="60000"/>
+      </a:schemeClr>
+    </dgm:fillClrLst>
+    <dgm:linClrLst meth="repeat">
+      <a:schemeClr val="dk2">
+        <a:tint val="60000"/>
+      </a:schemeClr>
+    </dgm:linClrLst>
+    <dgm:effectClrLst/>
+    <dgm:txLinClrLst/>
+    <dgm:txFillClrLst meth="repeat">
+      <a:schemeClr val="lt2"/>
+    </dgm:txFillClrLst>
+    <dgm:txEffectClrLst/>
+  </dgm:styleLbl>
+  <dgm:styleLbl name="parChTrans2D2">
+    <dgm:fillClrLst meth="repeat">
+      <a:schemeClr val="dk2"/>
+    </dgm:fillClrLst>
+    <dgm:linClrLst meth="repeat">
+      <a:schemeClr val="dk2"/>
+    </dgm:linClrLst>
+    <dgm:effectClrLst/>
+    <dgm:txLinClrLst/>
+    <dgm:txFillClrLst meth="repeat">
+      <a:schemeClr val="lt2"/>
+    </dgm:txFillClrLst>
+    <dgm:txEffectClrLst/>
+  </dgm:styleLbl>
+  <dgm:styleLbl name="parChTrans2D3">
+    <dgm:fillClrLst meth="repeat">
+      <a:schemeClr val="dk2"/>
+    </dgm:fillClrLst>
+    <dgm:linClrLst meth="repeat">
+      <a:schemeClr val="dk2"/>
+    </dgm:linClrLst>
+    <dgm:effectClrLst/>
+    <dgm:txLinClrLst/>
+    <dgm:txFillClrLst meth="repeat">
+      <a:schemeClr val="lt2"/>
+    </dgm:txFillClrLst>
+    <dgm:txEffectClrLst/>
+  </dgm:styleLbl>
+  <dgm:styleLbl name="parChTrans2D4">
+    <dgm:fillClrLst meth="repeat">
+      <a:schemeClr val="dk2"/>
+    </dgm:fillClrLst>
+    <dgm:linClrLst meth="repeat">
+      <a:schemeClr val="dk2"/>
+    </dgm:linClrLst>
+    <dgm:effectClrLst/>
+    <dgm:txLinClrLst/>
+    <dgm:txFillClrLst meth="repeat">
+      <a:schemeClr val="lt2"/>
+    </dgm:txFillClrLst>
+    <dgm:txEffectClrLst/>
+  </dgm:styleLbl>
+  <dgm:styleLbl name="parChTrans1D1">
+    <dgm:fillClrLst meth="repeat">
+      <a:schemeClr val="dk2"/>
+    </dgm:fillClrLst>
+    <dgm:linClrLst meth="repeat">
+      <a:schemeClr val="dk2">
+        <a:shade val="60000"/>
+      </a:schemeClr>
+    </dgm:linClrLst>
+    <dgm:effectClrLst/>
+    <dgm:txLinClrLst/>
+    <dgm:txFillClrLst meth="repeat">
+      <a:schemeClr val="tx1"/>
+    </dgm:txFillClrLst>
+    <dgm:txEffectClrLst/>
+  </dgm:styleLbl>
+  <dgm:styleLbl name="parChTrans1D2">
+    <dgm:fillClrLst meth="repeat">
+      <a:schemeClr val="dk2"/>
+    </dgm:fillClrLst>
+    <dgm:linClrLst meth="repeat">
+      <a:schemeClr val="dk2">
+        <a:shade val="60000"/>
+      </a:schemeClr>
+    </dgm:linClrLst>
+    <dgm:effectClrLst/>
+    <dgm:txLinClrLst/>
+    <dgm:txFillClrLst meth="repeat">
+      <a:schemeClr val="tx1"/>
+    </dgm:txFillClrLst>
+    <dgm:txEffectClrLst/>
+  </dgm:styleLbl>
+  <dgm:styleLbl name="parChTrans1D3">
+    <dgm:fillClrLst meth="repeat">
+      <a:schemeClr val="dk2"/>
+    </dgm:fillClrLst>
+    <dgm:linClrLst meth="repeat">
+      <a:schemeClr val="dk2">
+        <a:shade val="80000"/>
+      </a:schemeClr>
+    </dgm:linClrLst>
+    <dgm:effectClrLst/>
+    <dgm:txLinClrLst/>
+    <dgm:txFillClrLst meth="repeat">
+      <a:schemeClr val="tx1"/>
+    </dgm:txFillClrLst>
+    <dgm:txEffectClrLst/>
+  </dgm:styleLbl>
+  <dgm:styleLbl name="parChTrans1D4">
+    <dgm:fillClrLst meth="repeat">
+      <a:schemeClr val="dk2"/>
+    </dgm:fillClrLst>
+    <dgm:linClrLst meth="repeat">
+      <a:schemeClr val="dk2">
+        <a:shade val="80000"/>
+      </a:schemeClr>
+    </dgm:linClrLst>
+    <dgm:effectClrLst/>
+    <dgm:txLinClrLst/>
+    <dgm:txFillClrLst meth="repeat">
+      <a:schemeClr val="tx1"/>
+    </dgm:txFillClrLst>
+    <dgm:txEffectClrLst/>
+  </dgm:styleLbl>
+  <dgm:styleLbl name="fgAcc1">
+    <dgm:fillClrLst meth="repeat">
+      <a:schemeClr val="lt2">
+        <a:alpha val="90000"/>
+      </a:schemeClr>
+    </dgm:fillClrLst>
+    <dgm:linClrLst meth="repeat">
+      <a:schemeClr val="dk2"/>
+    </dgm:linClrLst>
+    <dgm:effectClrLst/>
+    <dgm:txLinClrLst/>
+    <dgm:txFillClrLst meth="repeat">
+      <a:schemeClr val="dk1"/>
+    </dgm:txFillClrLst>
+    <dgm:txEffectClrLst/>
+  </dgm:styleLbl>
+  <dgm:styleLbl name="conFgAcc1">
+    <dgm:fillClrLst meth="repeat">
+      <a:schemeClr val="lt2">
+        <a:alpha val="90000"/>
+      </a:schemeClr>
+    </dgm:fillClrLst>
+    <dgm:linClrLst meth="repeat">
+      <a:schemeClr val="dk2"/>
+    </dgm:linClrLst>
+    <dgm:effectClrLst/>
+    <dgm:txLinClrLst/>
+    <dgm:txFillClrLst meth="repeat">
+      <a:schemeClr val="dk1"/>
+    </dgm:txFillClrLst>
+    <dgm:txEffectClrLst/>
+  </dgm:styleLbl>
+  <dgm:styleLbl name="alignAcc1">
+    <dgm:fillClrLst meth="repeat">
+      <a:schemeClr val="lt2">
+        <a:alpha val="90000"/>
+      </a:schemeClr>
+    </dgm:fillClrLst>
+    <dgm:linClrLst meth="repeat">
+      <a:schemeClr val="dk2"/>
+    </dgm:linClrLst>
+    <dgm:effectClrLst/>
+    <dgm:txLinClrLst/>
+    <dgm:txFillClrLst meth="repeat">
+      <a:schemeClr val="dk1"/>
+    </dgm:txFillClrLst>
+    <dgm:txEffectClrLst/>
+  </dgm:styleLbl>
+  <dgm:styleLbl name="trAlignAcc1">
+    <dgm:fillClrLst meth="repeat">
+      <a:schemeClr val="lt2">
+        <a:alpha val="40000"/>
+      </a:schemeClr>
+    </dgm:fillClrLst>
+    <dgm:linClrLst meth="repeat">
+      <a:schemeClr val="dk2"/>
+    </dgm:linClrLst>
+    <dgm:effectClrLst/>
+    <dgm:txLinClrLst/>
+    <dgm:txFillClrLst meth="repeat">
+      <a:schemeClr val="dk1"/>
+    </dgm:txFillClrLst>
+    <dgm:txEffectClrLst/>
+  </dgm:styleLbl>
+  <dgm:styleLbl name="bgAcc1">
+    <dgm:fillClrLst meth="repeat">
+      <a:schemeClr val="lt2">
+        <a:alpha val="90000"/>
+      </a:schemeClr>
+    </dgm:fillClrLst>
+    <dgm:linClrLst meth="repeat">
+      <a:schemeClr val="dk2"/>
+    </dgm:linClrLst>
+    <dgm:effectClrLst/>
+    <dgm:txLinClrLst/>
+    <dgm:txFillClrLst meth="repeat">
+      <a:schemeClr val="dk1"/>
+    </dgm:txFillClrLst>
+    <dgm:txEffectClrLst/>
+  </dgm:styleLbl>
+  <dgm:styleLbl name="solidFgAcc1">
+    <dgm:fillClrLst meth="repeat">
+      <a:schemeClr val="lt2"/>
+    </dgm:fillClrLst>
+    <dgm:linClrLst meth="repeat">
+      <a:schemeClr val="dk2"/>
+    </dgm:linClrLst>
+    <dgm:effectClrLst/>
+    <dgm:txLinClrLst/>
+    <dgm:txFillClrLst meth="repeat">
+      <a:schemeClr val="dk1"/>
+    </dgm:txFillClrLst>
+    <dgm:txEffectClrLst/>
+  </dgm:styleLbl>
+  <dgm:styleLbl name="solidAlignAcc1">
+    <dgm:fillClrLst meth="repeat">
+      <a:schemeClr val="lt2"/>
+    </dgm:fillClrLst>
+    <dgm:linClrLst meth="repeat">
+      <a:schemeClr val="dk2"/>
+    </dgm:linClrLst>
+    <dgm:effectClrLst/>
+    <dgm:txLinClrLst/>
+    <dgm:txFillClrLst meth="repeat">
+      <a:schemeClr val="dk1"/>
+    </dgm:txFillClrLst>
+    <dgm:txEffectClrLst/>
+  </dgm:styleLbl>
+  <dgm:styleLbl name="solidBgAcc1">
+    <dgm:fillClrLst meth="repeat">
+      <a:schemeClr val="lt2"/>
+    </dgm:fillClrLst>
+    <dgm:linClrLst meth="repeat">
+      <a:schemeClr val="dk2"/>
+    </dgm:linClrLst>
+    <dgm:effectClrLst/>
+    <dgm:txLinClrLst/>
+    <dgm:txFillClrLst meth="repeat">
+      <a:schemeClr val="dk1"/>
+    </dgm:txFillClrLst>
+    <dgm:txEffectClrLst/>
+  </dgm:styleLbl>
+  <dgm:styleLbl name="fgAccFollowNode1">
+    <dgm:fillClrLst meth="repeat">
+      <a:schemeClr val="dk2">
+        <a:alpha val="90000"/>
+        <a:tint val="40000"/>
+      </a:schemeClr>
+    </dgm:fillClrLst>
+    <dgm:linClrLst meth="repeat">
+      <a:schemeClr val="dk2">
+        <a:alpha val="90000"/>
+        <a:tint val="40000"/>
+      </a:schemeClr>
+    </dgm:linClrLst>
+    <dgm:effectClrLst/>
+    <dgm:txLinClrLst/>
+    <dgm:txFillClrLst meth="repeat">
+      <a:schemeClr val="dk1"/>
+    </dgm:txFillClrLst>
+    <dgm:txEffectClrLst/>
+  </dgm:styleLbl>
+  <dgm:styleLbl name="alignAccFollowNode1">
+    <dgm:fillClrLst meth="repeat">
+      <a:schemeClr val="dk2">
+        <a:alpha val="90000"/>
+        <a:tint val="40000"/>
+      </a:schemeClr>
+    </dgm:fillClrLst>
+    <dgm:linClrLst meth="repeat">
+      <a:schemeClr val="dk2">
+        <a:alpha val="90000"/>
+        <a:tint val="40000"/>
+      </a:schemeClr>
+    </dgm:linClrLst>
+    <dgm:effectClrLst/>
+    <dgm:txLinClrLst/>
+    <dgm:txFillClrLst meth="repeat">
+      <a:schemeClr val="dk1"/>
+    </dgm:txFillClrLst>
+    <dgm:txEffectClrLst/>
+  </dgm:styleLbl>
+  <dgm:styleLbl name="bgAccFollowNode1">
+    <dgm:fillClrLst meth="repeat">
+      <a:schemeClr val="dk2">
+        <a:alpha val="90000"/>
+        <a:tint val="40000"/>
+      </a:schemeClr>
+    </dgm:fillClrLst>
+    <dgm:linClrLst meth="repeat">
+      <a:schemeClr val="dk2">
+        <a:alpha val="90000"/>
+        <a:tint val="40000"/>
+      </a:schemeClr>
+    </dgm:linClrLst>
+    <dgm:effectClrLst/>
+    <dgm:txLinClrLst/>
+    <dgm:txFillClrLst meth="repeat">
+      <a:schemeClr val="dk1"/>
+    </dgm:txFillClrLst>
+    <dgm:txEffectClrLst/>
+  </dgm:styleLbl>
+  <dgm:styleLbl name="fgAcc0">
+    <dgm:fillClrLst meth="repeat">
+      <a:schemeClr val="lt2">
+        <a:alpha val="90000"/>
+      </a:schemeClr>
+    </dgm:fillClrLst>
+    <dgm:linClrLst meth="repeat">
+      <a:schemeClr val="dk2"/>
+    </dgm:linClrLst>
+    <dgm:effectClrLst/>
+    <dgm:txLinClrLst/>
+    <dgm:txFillClrLst meth="repeat">
+      <a:schemeClr val="dk1"/>
+    </dgm:txFillClrLst>
+    <dgm:txEffectClrLst/>
+  </dgm:styleLbl>
+  <dgm:styleLbl name="fgAcc2">
+    <dgm:fillClrLst meth="repeat">
+      <a:schemeClr val="lt2">
+        <a:alpha val="90000"/>
+      </a:schemeClr>
+    </dgm:fillClrLst>
+    <dgm:linClrLst meth="repeat">
+      <a:schemeClr val="dk2"/>
+    </dgm:linClrLst>
+    <dgm:effectClrLst/>
+    <dgm:txLinClrLst/>
+    <dgm:txFillClrLst meth="repeat">
+      <a:schemeClr val="dk1"/>
+    </dgm:txFillClrLst>
+    <dgm:txEffectClrLst/>
+  </dgm:styleLbl>
+  <dgm:styleLbl name="fgAcc3">
+    <dgm:fillClrLst meth="repeat">
+      <a:schemeClr val="lt2">
+        <a:alpha val="90000"/>
+      </a:schemeClr>
+    </dgm:fillClrLst>
+    <dgm:linClrLst meth="repeat">
+      <a:schemeClr val="dk2"/>
+    </dgm:linClrLst>
+    <dgm:effectClrLst/>
+    <dgm:txLinClrLst/>
+    <dgm:txFillClrLst meth="repeat">
+      <a:schemeClr val="dk1"/>
+    </dgm:txFillClrLst>
+    <dgm:txEffectClrLst/>
+  </dgm:styleLbl>
+  <dgm:styleLbl name="fgAcc4">
+    <dgm:fillClrLst meth="repeat">
+      <a:schemeClr val="lt2">
+        <a:alpha val="90000"/>
+      </a:schemeClr>
+    </dgm:fillClrLst>
+    <dgm:linClrLst meth="repeat">
+      <a:schemeClr val="dk2"/>
+    </dgm:linClrLst>
+    <dgm:effectClrLst/>
+    <dgm:txLinClrLst/>
+    <dgm:txFillClrLst meth="repeat">
+      <a:schemeClr val="dk1"/>
+    </dgm:txFillClrLst>
+    <dgm:txEffectClrLst/>
+  </dgm:styleLbl>
+  <dgm:styleLbl name="bgShp">
+    <dgm:fillClrLst meth="repeat">
+      <a:schemeClr val="dk2">
+        <a:tint val="40000"/>
+      </a:schemeClr>
+    </dgm:fillClrLst>
+    <dgm:linClrLst meth="repeat">
+      <a:schemeClr val="dk2"/>
+    </dgm:linClrLst>
+    <dgm:effectClrLst/>
+    <dgm:txLinClrLst/>
+    <dgm:txFillClrLst meth="repeat">
+      <a:schemeClr val="dk1"/>
+    </dgm:txFillClrLst>
+    <dgm:txEffectClrLst/>
+  </dgm:styleLbl>
+  <dgm:styleLbl name="dkBgShp">
+    <dgm:fillClrLst meth="repeat">
+      <a:schemeClr val="dk2">
+        <a:shade val="80000"/>
+      </a:schemeClr>
+    </dgm:fillClrLst>
+    <dgm:linClrLst meth="repeat">
+      <a:schemeClr val="dk2"/>
+    </dgm:linClrLst>
+    <dgm:effectClrLst/>
+    <dgm:txLinClrLst/>
+    <dgm:txFillClrLst meth="repeat">
+      <a:schemeClr val="lt1"/>
+    </dgm:txFillClrLst>
+    <dgm:txEffectClrLst/>
+  </dgm:styleLbl>
+  <dgm:styleLbl name="trBgShp">
+    <dgm:fillClrLst meth="repeat">
+      <a:schemeClr val="dk2">
+        <a:tint val="50000"/>
+        <a:alpha val="40000"/>
+      </a:schemeClr>
+    </dgm:fillClrLst>
+    <dgm:linClrLst meth="repeat">
+      <a:schemeClr val="dk2"/>
+    </dgm:linClrLst>
+    <dgm:effectClrLst/>
+    <dgm:txLinClrLst/>
+    <dgm:txFillClrLst meth="repeat">
+      <a:schemeClr val="lt1"/>
+    </dgm:txFillClrLst>
+    <dgm:txEffectClrLst/>
+  </dgm:styleLbl>
+  <dgm:styleLbl name="fgShp">
+    <dgm:fillClrLst meth="repeat">
+      <a:schemeClr val="dk2">
+        <a:tint val="60000"/>
+      </a:schemeClr>
+    </dgm:fillClrLst>
+    <dgm:linClrLst meth="repeat">
+      <a:schemeClr val="lt2"/>
+    </dgm:linClrLst>
+    <dgm:effectClrLst/>
+    <dgm:txLinClrLst/>
+    <dgm:txFillClrLst meth="repeat">
+      <a:schemeClr val="dk1"/>
+    </dgm:txFillClrLst>
+    <dgm:txEffectClrLst/>
+  </dgm:styleLbl>
+  <dgm:styleLbl name="revTx">
+    <dgm:fillClrLst meth="repeat">
+      <a:schemeClr val="lt2">
+        <a:alpha val="0"/>
+      </a:schemeClr>
+    </dgm:fillClrLst>
+    <dgm:linClrLst meth="repeat">
+      <a:schemeClr val="dk1">
+        <a:alpha val="0"/>
+      </a:schemeClr>
+    </dgm:linClrLst>
+    <dgm:effectClrLst/>
+    <dgm:txLinClrLst/>
+    <dgm:txFillClrLst meth="repeat">
+      <a:schemeClr val="tx1"/>
+    </dgm:txFillClrLst>
+    <dgm:txEffectClrLst/>
+  </dgm:styleLbl>
+</dgm:colorsDef>
+</file>
+
+<file path=ppt/diagrams/colors2.xml><?xml version="1.0" encoding="utf-8"?>
+<dgm:colorsDef xmlns:dgm="http://schemas.openxmlformats.org/drawingml/2006/diagram" xmlns:a="http://schemas.openxmlformats.org/drawingml/2006/main" uniqueId="urn:microsoft.com/office/officeart/2005/8/colors/accent0_3">
+  <dgm:title val=""/>
+  <dgm:desc val=""/>
+  <dgm:catLst>
+    <dgm:cat type="mainScheme" pri="10300"/>
+  </dgm:catLst>
+  <dgm:styleLbl name="node0">
+    <dgm:fillClrLst meth="repeat">
+      <a:schemeClr val="dk2"/>
+    </dgm:fillClrLst>
+    <dgm:linClrLst meth="repeat">
+      <a:schemeClr val="lt2"/>
+    </dgm:linClrLst>
+    <dgm:effectClrLst/>
+    <dgm:txLinClrLst/>
+    <dgm:txFillClrLst/>
+    <dgm:txEffectClrLst/>
+  </dgm:styleLbl>
+  <dgm:styleLbl name="alignNode1">
+    <dgm:fillClrLst meth="repeat">
+      <a:schemeClr val="dk2"/>
+    </dgm:fillClrLst>
+    <dgm:linClrLst meth="repeat">
+      <a:schemeClr val="dk2"/>
+    </dgm:linClrLst>
+    <dgm:effectClrLst/>
+    <dgm:txLinClrLst/>
+    <dgm:txFillClrLst/>
+    <dgm:txEffectClrLst/>
+  </dgm:styleLbl>
+  <dgm:styleLbl name="node1">
+    <dgm:fillClrLst meth="repeat">
+      <a:schemeClr val="dk2"/>
+    </dgm:fillClrLst>
+    <dgm:linClrLst meth="repeat">
+      <a:schemeClr val="lt2"/>
+    </dgm:linClrLst>
+    <dgm:effectClrLst/>
+    <dgm:txLinClrLst/>
+    <dgm:txFillClrLst/>
+    <dgm:txEffectClrLst/>
+  </dgm:styleLbl>
+  <dgm:styleLbl name="lnNode1">
+    <dgm:fillClrLst meth="repeat">
+      <a:schemeClr val="dk2"/>
+    </dgm:fillClrLst>
+    <dgm:linClrLst meth="repeat">
+      <a:schemeClr val="lt2"/>
+    </dgm:linClrLst>
+    <dgm:effectClrLst/>
+    <dgm:txLinClrLst/>
+    <dgm:txFillClrLst/>
+    <dgm:txEffectClrLst/>
+  </dgm:styleLbl>
+  <dgm:styleLbl name="vennNode1">
+    <dgm:fillClrLst meth="repeat">
+      <a:schemeClr val="dk2">
+        <a:alpha val="50000"/>
+      </a:schemeClr>
+    </dgm:fillClrLst>
+    <dgm:linClrLst meth="repeat">
+      <a:schemeClr val="lt2"/>
+    </dgm:linClrLst>
+    <dgm:effectClrLst/>
+    <dgm:txLinClrLst/>
+    <dgm:txFillClrLst/>
+    <dgm:txEffectClrLst/>
+  </dgm:styleLbl>
+  <dgm:styleLbl name="node2">
+    <dgm:fillClrLst meth="repeat">
+      <a:schemeClr val="dk2"/>
+    </dgm:fillClrLst>
+    <dgm:linClrLst meth="repeat">
+      <a:schemeClr val="lt2"/>
+    </dgm:linClrLst>
+    <dgm:effectClrLst/>
+    <dgm:txLinClrLst/>
+    <dgm:txFillClrLst/>
+    <dgm:txEffectClrLst/>
+  </dgm:styleLbl>
+  <dgm:styleLbl name="node3">
+    <dgm:fillClrLst meth="repeat">
+      <a:schemeClr val="dk2"/>
+    </dgm:fillClrLst>
+    <dgm:linClrLst meth="repeat">
+      <a:schemeClr val="lt2"/>
+    </dgm:linClrLst>
+    <dgm:effectClrLst/>
+    <dgm:txLinClrLst/>
+    <dgm:txFillClrLst/>
+    <dgm:txEffectClrLst/>
+  </dgm:styleLbl>
+  <dgm:styleLbl name="node4">
+    <dgm:fillClrLst meth="repeat">
+      <a:schemeClr val="dk2"/>
+    </dgm:fillClrLst>
+    <dgm:linClrLst meth="repeat">
+      <a:schemeClr val="lt2"/>
+    </dgm:linClrLst>
+    <dgm:effectClrLst/>
+    <dgm:txLinClrLst/>
+    <dgm:txFillClrLst/>
+    <dgm:txEffectClrLst/>
+  </dgm:styleLbl>
+  <dgm:styleLbl name="fgImgPlace1">
+    <dgm:fillClrLst meth="repeat">
+      <a:schemeClr val="dk2">
+        <a:tint val="50000"/>
+      </a:schemeClr>
+    </dgm:fillClrLst>
+    <dgm:linClrLst meth="repeat">
+      <a:schemeClr val="lt2"/>
+    </dgm:linClrLst>
+    <dgm:effectClrLst/>
+    <dgm:txLinClrLst/>
+    <dgm:txFillClrLst meth="repeat">
+      <a:schemeClr val="lt2"/>
+    </dgm:txFillClrLst>
+    <dgm:txEffectClrLst/>
+  </dgm:styleLbl>
+  <dgm:styleLbl name="alignImgPlace1">
+    <dgm:fillClrLst meth="repeat">
+      <a:schemeClr val="dk2">
+        <a:tint val="50000"/>
+      </a:schemeClr>
+    </dgm:fillClrLst>
+    <dgm:linClrLst meth="repeat">
+      <a:schemeClr val="dk2">
+        <a:shade val="80000"/>
+      </a:schemeClr>
+    </dgm:linClrLst>
+    <dgm:effectClrLst/>
+    <dgm:txLinClrLst/>
+    <dgm:txFillClrLst meth="repeat">
+      <a:schemeClr val="lt2"/>
+    </dgm:txFillClrLst>
+    <dgm:txEffectClrLst/>
+  </dgm:styleLbl>
+  <dgm:styleLbl name="bgImgPlace1">
+    <dgm:fillClrLst meth="repeat">
+      <a:schemeClr val="dk2">
+        <a:tint val="50000"/>
+      </a:schemeClr>
+    </dgm:fillClrLst>
+    <dgm:linClrLst meth="repeat">
+      <a:schemeClr val="dk2">
+        <a:shade val="80000"/>
+      </a:schemeClr>
+    </dgm:linClrLst>
+    <dgm:effectClrLst/>
+    <dgm:txLinClrLst/>
+    <dgm:txFillClrLst meth="repeat">
+      <a:schemeClr val="lt2"/>
+    </dgm:txFillClrLst>
+    <dgm:txEffectClrLst/>
+  </dgm:styleLbl>
+  <dgm:styleLbl name="sibTrans2D1">
+    <dgm:fillClrLst meth="repeat">
+      <a:schemeClr val="dk2">
+        <a:tint val="60000"/>
+      </a:schemeClr>
+    </dgm:fillClrLst>
+    <dgm:linClrLst meth="repeat">
+      <a:schemeClr val="dk2">
+        <a:tint val="60000"/>
+      </a:schemeClr>
+    </dgm:linClrLst>
+    <dgm:effectClrLst/>
+    <dgm:txLinClrLst/>
+    <dgm:txFillClrLst/>
+    <dgm:txEffectClrLst/>
+  </dgm:styleLbl>
+  <dgm:styleLbl name="fgSibTrans2D1">
+    <dgm:fillClrLst meth="repeat">
+      <a:schemeClr val="dk2">
+        <a:tint val="60000"/>
+      </a:schemeClr>
+    </dgm:fillClrLst>
+    <dgm:linClrLst meth="repeat">
+      <a:schemeClr val="dk2">
+        <a:tint val="60000"/>
+      </a:schemeClr>
+    </dgm:linClrLst>
+    <dgm:effectClrLst/>
+    <dgm:txLinClrLst/>
+    <dgm:txFillClrLst/>
+    <dgm:txEffectClrLst/>
+  </dgm:styleLbl>
+  <dgm:styleLbl name="bgSibTrans2D1">
+    <dgm:fillClrLst meth="repeat">
+      <a:schemeClr val="dk2">
+        <a:tint val="60000"/>
+      </a:schemeClr>
+    </dgm:fillClrLst>
+    <dgm:linClrLst meth="repeat">
+      <a:schemeClr val="dk2">
+        <a:tint val="60000"/>
+      </a:schemeClr>
+    </dgm:linClrLst>
+    <dgm:effectClrLst/>
+    <dgm:txLinClrLst/>
+    <dgm:txFillClrLst/>
+    <dgm:txEffectClrLst/>
+  </dgm:styleLbl>
+  <dgm:styleLbl name="sibTrans1D1">
+    <dgm:fillClrLst meth="repeat">
+      <a:schemeClr val="dk2"/>
+    </dgm:fillClrLst>
+    <dgm:linClrLst meth="repeat">
+      <a:schemeClr val="dk2"/>
+    </dgm:linClrLst>
+    <dgm:effectClrLst/>
+    <dgm:txLinClrLst/>
+    <dgm:txFillClrLst meth="repeat">
+      <a:schemeClr val="lt2"/>
+    </dgm:txFillClrLst>
+    <dgm:txEffectClrLst/>
+  </dgm:styleLbl>
+  <dgm:styleLbl name="callout">
+    <dgm:fillClrLst meth="repeat">
+      <a:schemeClr val="dk2"/>
+    </dgm:fillClrLst>
+    <dgm:linClrLst meth="repeat">
+      <a:schemeClr val="dk2">
+        <a:tint val="50000"/>
+      </a:schemeClr>
+    </dgm:linClrLst>
+    <dgm:effectClrLst/>
+    <dgm:txLinClrLst/>
+    <dgm:txFillClrLst meth="repeat">
+      <a:schemeClr val="lt2"/>
+    </dgm:txFillClrLst>
+    <dgm:txEffectClrLst/>
+  </dgm:styleLbl>
+  <dgm:styleLbl name="asst0">
+    <dgm:fillClrLst meth="repeat">
+      <a:schemeClr val="dk2"/>
+    </dgm:fillClrLst>
+    <dgm:linClrLst meth="repeat">
+      <a:schemeClr val="lt2"/>
+    </dgm:linClrLst>
+    <dgm:effectClrLst/>
+    <dgm:txLinClrLst/>
+    <dgm:txFillClrLst/>
+    <dgm:txEffectClrLst/>
+  </dgm:styleLbl>
+  <dgm:styleLbl name="asst1">
+    <dgm:fillClrLst meth="repeat">
+      <a:schemeClr val="dk2"/>
+    </dgm:fillClrLst>
+    <dgm:linClrLst meth="repeat">
+      <a:schemeClr val="lt2"/>
+    </dgm:linClrLst>
+    <dgm:effectClrLst/>
+    <dgm:txLinClrLst/>
+    <dgm:txFillClrLst/>
+    <dgm:txEffectClrLst/>
+  </dgm:styleLbl>
+  <dgm:styleLbl name="asst2">
+    <dgm:fillClrLst meth="repeat">
+      <a:schemeClr val="dk2"/>
+    </dgm:fillClrLst>
+    <dgm:linClrLst meth="repeat">
+      <a:schemeClr val="lt2"/>
+    </dgm:linClrLst>
+    <dgm:effectClrLst/>
+    <dgm:txLinClrLst/>
+    <dgm:txFillClrLst/>
+    <dgm:txEffectClrLst/>
+  </dgm:styleLbl>
+  <dgm:styleLbl name="asst3">
+    <dgm:fillClrLst meth="repeat">
+      <a:schemeClr val="dk2"/>
+    </dgm:fillClrLst>
+    <dgm:linClrLst meth="repeat">
+      <a:schemeClr val="lt2"/>
+    </dgm:linClrLst>
+    <dgm:effectClrLst/>
+    <dgm:txLinClrLst/>
+    <dgm:txFillClrLst/>
+    <dgm:txEffectClrLst/>
+  </dgm:styleLbl>
+  <dgm:styleLbl name="asst4">
+    <dgm:fillClrLst meth="repeat">
+      <a:schemeClr val="dk2"/>
+    </dgm:fillClrLst>
+    <dgm:linClrLst meth="repeat">
+      <a:schemeClr val="lt2"/>
+    </dgm:linClrLst>
+    <dgm:effectClrLst/>
+    <dgm:txLinClrLst/>
+    <dgm:txFillClrLst/>
+    <dgm:txEffectClrLst/>
+  </dgm:styleLbl>
+  <dgm:styleLbl name="parChTrans2D1">
+    <dgm:fillClrLst meth="repeat">
+      <a:schemeClr val="dk2">
+        <a:tint val="60000"/>
+      </a:schemeClr>
+    </dgm:fillClrLst>
+    <dgm:linClrLst meth="repeat">
+      <a:schemeClr val="dk2">
+        <a:tint val="60000"/>
+      </a:schemeClr>
+    </dgm:linClrLst>
+    <dgm:effectClrLst/>
+    <dgm:txLinClrLst/>
+    <dgm:txFillClrLst meth="repeat">
+      <a:schemeClr val="lt2"/>
+    </dgm:txFillClrLst>
+    <dgm:txEffectClrLst/>
+  </dgm:styleLbl>
+  <dgm:styleLbl name="parChTrans2D2">
+    <dgm:fillClrLst meth="repeat">
+      <a:schemeClr val="dk2"/>
+    </dgm:fillClrLst>
+    <dgm:linClrLst meth="repeat">
+      <a:schemeClr val="dk2"/>
+    </dgm:linClrLst>
+    <dgm:effectClrLst/>
+    <dgm:txLinClrLst/>
+    <dgm:txFillClrLst meth="repeat">
+      <a:schemeClr val="lt2"/>
+    </dgm:txFillClrLst>
+    <dgm:txEffectClrLst/>
+  </dgm:styleLbl>
+  <dgm:styleLbl name="parChTrans2D3">
+    <dgm:fillClrLst meth="repeat">
+      <a:schemeClr val="dk2"/>
+    </dgm:fillClrLst>
+    <dgm:linClrLst meth="repeat">
+      <a:schemeClr val="dk2"/>
+    </dgm:linClrLst>
+    <dgm:effectClrLst/>
+    <dgm:txLinClrLst/>
+    <dgm:txFillClrLst meth="repeat">
+      <a:schemeClr val="lt2"/>
+    </dgm:txFillClrLst>
+    <dgm:txEffectClrLst/>
+  </dgm:styleLbl>
+  <dgm:styleLbl name="parChTrans2D4">
+    <dgm:fillClrLst meth="repeat">
+      <a:schemeClr val="dk2"/>
+    </dgm:fillClrLst>
+    <dgm:linClrLst meth="repeat">
+      <a:schemeClr val="dk2"/>
+    </dgm:linClrLst>
+    <dgm:effectClrLst/>
+    <dgm:txLinClrLst/>
+    <dgm:txFillClrLst meth="repeat">
+      <a:schemeClr val="lt2"/>
+    </dgm:txFillClrLst>
+    <dgm:txEffectClrLst/>
+  </dgm:styleLbl>
+  <dgm:styleLbl name="parChTrans1D1">
+    <dgm:fillClrLst meth="repeat">
+      <a:schemeClr val="dk2"/>
+    </dgm:fillClrLst>
+    <dgm:linClrLst meth="repeat">
+      <a:schemeClr val="dk2">
+        <a:shade val="60000"/>
+      </a:schemeClr>
+    </dgm:linClrLst>
+    <dgm:effectClrLst/>
+    <dgm:txLinClrLst/>
+    <dgm:txFillClrLst meth="repeat">
+      <a:schemeClr val="tx1"/>
+    </dgm:txFillClrLst>
+    <dgm:txEffectClrLst/>
+  </dgm:styleLbl>
+  <dgm:styleLbl name="parChTrans1D2">
+    <dgm:fillClrLst meth="repeat">
+      <a:schemeClr val="dk2"/>
+    </dgm:fillClrLst>
+    <dgm:linClrLst meth="repeat">
+      <a:schemeClr val="dk2">
+        <a:shade val="60000"/>
+      </a:schemeClr>
+    </dgm:linClrLst>
+    <dgm:effectClrLst/>
+    <dgm:txLinClrLst/>
+    <dgm:txFillClrLst meth="repeat">
+      <a:schemeClr val="tx1"/>
+    </dgm:txFillClrLst>
+    <dgm:txEffectClrLst/>
+  </dgm:styleLbl>
+  <dgm:styleLbl name="parChTrans1D3">
+    <dgm:fillClrLst meth="repeat">
+      <a:schemeClr val="dk2"/>
+    </dgm:fillClrLst>
+    <dgm:linClrLst meth="repeat">
+      <a:schemeClr val="dk2">
+        <a:shade val="80000"/>
+      </a:schemeClr>
+    </dgm:linClrLst>
+    <dgm:effectClrLst/>
+    <dgm:txLinClrLst/>
+    <dgm:txFillClrLst meth="repeat">
+      <a:schemeClr val="tx1"/>
+    </dgm:txFillClrLst>
+    <dgm:txEffectClrLst/>
+  </dgm:styleLbl>
+  <dgm:styleLbl name="parChTrans1D4">
+    <dgm:fillClrLst meth="repeat">
+      <a:schemeClr val="dk2"/>
+    </dgm:fillClrLst>
+    <dgm:linClrLst meth="repeat">
+      <a:schemeClr val="dk2">
+        <a:shade val="80000"/>
+      </a:schemeClr>
+    </dgm:linClrLst>
+    <dgm:effectClrLst/>
+    <dgm:txLinClrLst/>
+    <dgm:txFillClrLst meth="repeat">
+      <a:schemeClr val="tx1"/>
+    </dgm:txFillClrLst>
+    <dgm:txEffectClrLst/>
+  </dgm:styleLbl>
+  <dgm:styleLbl name="fgAcc1">
+    <dgm:fillClrLst meth="repeat">
+      <a:schemeClr val="lt2">
+        <a:alpha val="90000"/>
+      </a:schemeClr>
+    </dgm:fillClrLst>
+    <dgm:linClrLst meth="repeat">
+      <a:schemeClr val="dk2"/>
+    </dgm:linClrLst>
+    <dgm:effectClrLst/>
+    <dgm:txLinClrLst/>
+    <dgm:txFillClrLst meth="repeat">
+      <a:schemeClr val="dk1"/>
+    </dgm:txFillClrLst>
+    <dgm:txEffectClrLst/>
+  </dgm:styleLbl>
+  <dgm:styleLbl name="conFgAcc1">
+    <dgm:fillClrLst meth="repeat">
+      <a:schemeClr val="lt2">
+        <a:alpha val="90000"/>
+      </a:schemeClr>
+    </dgm:fillClrLst>
+    <dgm:linClrLst meth="repeat">
+      <a:schemeClr val="dk2"/>
+    </dgm:linClrLst>
+    <dgm:effectClrLst/>
+    <dgm:txLinClrLst/>
+    <dgm:txFillClrLst meth="repeat">
+      <a:schemeClr val="dk1"/>
+    </dgm:txFillClrLst>
+    <dgm:txEffectClrLst/>
+  </dgm:styleLbl>
+  <dgm:styleLbl name="alignAcc1">
+    <dgm:fillClrLst meth="repeat">
+      <a:schemeClr val="lt2">
+        <a:alpha val="90000"/>
+      </a:schemeClr>
+    </dgm:fillClrLst>
+    <dgm:linClrLst meth="repeat">
+      <a:schemeClr val="dk2"/>
+    </dgm:linClrLst>
+    <dgm:effectClrLst/>
+    <dgm:txLinClrLst/>
+    <dgm:txFillClrLst meth="repeat">
+      <a:schemeClr val="dk1"/>
+    </dgm:txFillClrLst>
+    <dgm:txEffectClrLst/>
+  </dgm:styleLbl>
+  <dgm:styleLbl name="trAlignAcc1">
+    <dgm:fillClrLst meth="repeat">
+      <a:schemeClr val="lt2">
+        <a:alpha val="40000"/>
+      </a:schemeClr>
+    </dgm:fillClrLst>
+    <dgm:linClrLst meth="repeat">
+      <a:schemeClr val="dk2"/>
+    </dgm:linClrLst>
+    <dgm:effectClrLst/>
+    <dgm:txLinClrLst/>
+    <dgm:txFillClrLst meth="repeat">
+      <a:schemeClr val="dk1"/>
+    </dgm:txFillClrLst>
+    <dgm:txEffectClrLst/>
+  </dgm:styleLbl>
+  <dgm:styleLbl name="bgAcc1">
+    <dgm:fillClrLst meth="repeat">
+      <a:schemeClr val="lt2">
+        <a:alpha val="90000"/>
+      </a:schemeClr>
+    </dgm:fillClrLst>
+    <dgm:linClrLst meth="repeat">
+      <a:schemeClr val="dk2"/>
+    </dgm:linClrLst>
+    <dgm:effectClrLst/>
+    <dgm:txLinClrLst/>
+    <dgm:txFillClrLst meth="repeat">
+      <a:schemeClr val="dk1"/>
+    </dgm:txFillClrLst>
+    <dgm:txEffectClrLst/>
+  </dgm:styleLbl>
+  <dgm:styleLbl name="solidFgAcc1">
+    <dgm:fillClrLst meth="repeat">
+      <a:schemeClr val="lt2"/>
+    </dgm:fillClrLst>
+    <dgm:linClrLst meth="repeat">
+      <a:schemeClr val="dk2"/>
+    </dgm:linClrLst>
+    <dgm:effectClrLst/>
+    <dgm:txLinClrLst/>
+    <dgm:txFillClrLst meth="repeat">
+      <a:schemeClr val="dk1"/>
+    </dgm:txFillClrLst>
+    <dgm:txEffectClrLst/>
+  </dgm:styleLbl>
+  <dgm:styleLbl name="solidAlignAcc1">
+    <dgm:fillClrLst meth="repeat">
+      <a:schemeClr val="lt2"/>
+    </dgm:fillClrLst>
+    <dgm:linClrLst meth="repeat">
+      <a:schemeClr val="dk2"/>
+    </dgm:linClrLst>
+    <dgm:effectClrLst/>
+    <dgm:txLinClrLst/>
+    <dgm:txFillClrLst meth="repeat">
+      <a:schemeClr val="dk1"/>
+    </dgm:txFillClrLst>
+    <dgm:txEffectClrLst/>
+  </dgm:styleLbl>
+  <dgm:styleLbl name="solidBgAcc1">
+    <dgm:fillClrLst meth="repeat">
+      <a:schemeClr val="lt2"/>
+    </dgm:fillClrLst>
+    <dgm:linClrLst meth="repeat">
+      <a:schemeClr val="dk2"/>
+    </dgm:linClrLst>
+    <dgm:effectClrLst/>
+    <dgm:txLinClrLst/>
+    <dgm:txFillClrLst meth="repeat">
+      <a:schemeClr val="dk1"/>
+    </dgm:txFillClrLst>
+    <dgm:txEffectClrLst/>
+  </dgm:styleLbl>
+  <dgm:styleLbl name="fgAccFollowNode1">
+    <dgm:fillClrLst meth="repeat">
+      <a:schemeClr val="dk2">
+        <a:alpha val="90000"/>
+        <a:tint val="40000"/>
+      </a:schemeClr>
+    </dgm:fillClrLst>
+    <dgm:linClrLst meth="repeat">
+      <a:schemeClr val="dk2">
+        <a:alpha val="90000"/>
+        <a:tint val="40000"/>
+      </a:schemeClr>
+    </dgm:linClrLst>
+    <dgm:effectClrLst/>
+    <dgm:txLinClrLst/>
+    <dgm:txFillClrLst meth="repeat">
+      <a:schemeClr val="dk1"/>
+    </dgm:txFillClrLst>
+    <dgm:txEffectClrLst/>
+  </dgm:styleLbl>
+  <dgm:styleLbl name="alignAccFollowNode1">
+    <dgm:fillClrLst meth="repeat">
+      <a:schemeClr val="dk2">
+        <a:alpha val="90000"/>
+        <a:tint val="40000"/>
+      </a:schemeClr>
+    </dgm:fillClrLst>
+    <dgm:linClrLst meth="repeat">
+      <a:schemeClr val="dk2">
+        <a:alpha val="90000"/>
+        <a:tint val="40000"/>
+      </a:schemeClr>
+    </dgm:linClrLst>
+    <dgm:effectClrLst/>
+    <dgm:txLinClrLst/>
+    <dgm:txFillClrLst meth="repeat">
+      <a:schemeClr val="dk1"/>
+    </dgm:txFillClrLst>
+    <dgm:txEffectClrLst/>
+  </dgm:styleLbl>
+  <dgm:styleLbl name="bgAccFollowNode1">
+    <dgm:fillClrLst meth="repeat">
+      <a:schemeClr val="dk2">
+        <a:alpha val="90000"/>
+        <a:tint val="40000"/>
+      </a:schemeClr>
+    </dgm:fillClrLst>
+    <dgm:linClrLst meth="repeat">
+      <a:schemeClr val="dk2">
+        <a:alpha val="90000"/>
+        <a:tint val="40000"/>
+      </a:schemeClr>
+    </dgm:linClrLst>
+    <dgm:effectClrLst/>
+    <dgm:txLinClrLst/>
+    <dgm:txFillClrLst meth="repeat">
+      <a:schemeClr val="dk1"/>
+    </dgm:txFillClrLst>
+    <dgm:txEffectClrLst/>
+  </dgm:styleLbl>
+  <dgm:styleLbl name="fgAcc0">
+    <dgm:fillClrLst meth="repeat">
+      <a:schemeClr val="lt2">
+        <a:alpha val="90000"/>
+      </a:schemeClr>
+    </dgm:fillClrLst>
+    <dgm:linClrLst meth="repeat">
+      <a:schemeClr val="dk2"/>
+    </dgm:linClrLst>
+    <dgm:effectClrLst/>
+    <dgm:txLinClrLst/>
+    <dgm:txFillClrLst meth="repeat">
+      <a:schemeClr val="dk1"/>
+    </dgm:txFillClrLst>
+    <dgm:txEffectClrLst/>
+  </dgm:styleLbl>
+  <dgm:styleLbl name="fgAcc2">
+    <dgm:fillClrLst meth="repeat">
+      <a:schemeClr val="lt2">
+        <a:alpha val="90000"/>
+      </a:schemeClr>
+    </dgm:fillClrLst>
+    <dgm:linClrLst meth="repeat">
+      <a:schemeClr val="dk2"/>
+    </dgm:linClrLst>
+    <dgm:effectClrLst/>
+    <dgm:txLinClrLst/>
+    <dgm:txFillClrLst meth="repeat">
+      <a:schemeClr val="dk1"/>
+    </dgm:txFillClrLst>
+    <dgm:txEffectClrLst/>
+  </dgm:styleLbl>
+  <dgm:styleLbl name="fgAcc3">
+    <dgm:fillClrLst meth="repeat">
+      <a:schemeClr val="lt2">
+        <a:alpha val="90000"/>
+      </a:schemeClr>
+    </dgm:fillClrLst>
+    <dgm:linClrLst meth="repeat">
+      <a:schemeClr val="dk2"/>
+    </dgm:linClrLst>
+    <dgm:effectClrLst/>
+    <dgm:txLinClrLst/>
+    <dgm:txFillClrLst meth="repeat">
+      <a:schemeClr val="dk1"/>
+    </dgm:txFillClrLst>
+    <dgm:txEffectClrLst/>
+  </dgm:styleLbl>
+  <dgm:styleLbl name="fgAcc4">
+    <dgm:fillClrLst meth="repeat">
+      <a:schemeClr val="lt2">
+        <a:alpha val="90000"/>
+      </a:schemeClr>
+    </dgm:fillClrLst>
+    <dgm:linClrLst meth="repeat">
+      <a:schemeClr val="dk2"/>
+    </dgm:linClrLst>
+    <dgm:effectClrLst/>
+    <dgm:txLinClrLst/>
+    <dgm:txFillClrLst meth="repeat">
+      <a:schemeClr val="dk1"/>
+    </dgm:txFillClrLst>
+    <dgm:txEffectClrLst/>
+  </dgm:styleLbl>
+  <dgm:styleLbl name="bgShp">
+    <dgm:fillClrLst meth="repeat">
+      <a:schemeClr val="dk2">
+        <a:tint val="40000"/>
+      </a:schemeClr>
+    </dgm:fillClrLst>
+    <dgm:linClrLst meth="repeat">
+      <a:schemeClr val="dk2"/>
+    </dgm:linClrLst>
+    <dgm:effectClrLst/>
+    <dgm:txLinClrLst/>
+    <dgm:txFillClrLst meth="repeat">
+      <a:schemeClr val="dk1"/>
+    </dgm:txFillClrLst>
+    <dgm:txEffectClrLst/>
+  </dgm:styleLbl>
+  <dgm:styleLbl name="dkBgShp">
+    <dgm:fillClrLst meth="repeat">
+      <a:schemeClr val="dk2">
+        <a:shade val="80000"/>
+      </a:schemeClr>
+    </dgm:fillClrLst>
+    <dgm:linClrLst meth="repeat">
+      <a:schemeClr val="dk2"/>
+    </dgm:linClrLst>
+    <dgm:effectClrLst/>
+    <dgm:txLinClrLst/>
+    <dgm:txFillClrLst meth="repeat">
+      <a:schemeClr val="lt1"/>
+    </dgm:txFillClrLst>
+    <dgm:txEffectClrLst/>
+  </dgm:styleLbl>
+  <dgm:styleLbl name="trBgShp">
+    <dgm:fillClrLst meth="repeat">
+      <a:schemeClr val="dk2">
+        <a:tint val="50000"/>
+        <a:alpha val="40000"/>
+      </a:schemeClr>
+    </dgm:fillClrLst>
+    <dgm:linClrLst meth="repeat">
+      <a:schemeClr val="dk2"/>
+    </dgm:linClrLst>
+    <dgm:effectClrLst/>
+    <dgm:txLinClrLst/>
+    <dgm:txFillClrLst meth="repeat">
+      <a:schemeClr val="lt1"/>
+    </dgm:txFillClrLst>
+    <dgm:txEffectClrLst/>
+  </dgm:styleLbl>
+  <dgm:styleLbl name="fgShp">
+    <dgm:fillClrLst meth="repeat">
+      <a:schemeClr val="dk2">
+        <a:tint val="60000"/>
+      </a:schemeClr>
+    </dgm:fillClrLst>
+    <dgm:linClrLst meth="repeat">
+      <a:schemeClr val="lt2"/>
+    </dgm:linClrLst>
+    <dgm:effectClrLst/>
+    <dgm:txLinClrLst/>
+    <dgm:txFillClrLst meth="repeat">
+      <a:schemeClr val="dk1"/>
+    </dgm:txFillClrLst>
+    <dgm:txEffectClrLst/>
+  </dgm:styleLbl>
+  <dgm:styleLbl name="revTx">
+    <dgm:fillClrLst meth="repeat">
+      <a:schemeClr val="lt2">
+        <a:alpha val="0"/>
+      </a:schemeClr>
+    </dgm:fillClrLst>
+    <dgm:linClrLst meth="repeat">
+      <a:schemeClr val="dk1">
+        <a:alpha val="0"/>
+      </a:schemeClr>
+    </dgm:linClrLst>
+    <dgm:effectClrLst/>
+    <dgm:txLinClrLst/>
+    <dgm:txFillClrLst meth="repeat">
+      <a:schemeClr val="tx1"/>
+    </dgm:txFillClrLst>
+    <dgm:txEffectClrLst/>
+  </dgm:styleLbl>
+</dgm:colorsDef>
+</file>
+
+<file path=ppt/diagrams/data1.xml><?xml version="1.0" encoding="utf-8"?>
+<dgm:dataModel xmlns:dgm="http://schemas.openxmlformats.org/drawingml/2006/diagram" xmlns:a="http://schemas.openxmlformats.org/drawingml/2006/main">
+  <dgm:ptLst>
+    <dgm:pt modelId="{3F22BC45-6D9B-461A-B250-A01A3CD2DB9B}" type="doc">
+      <dgm:prSet loTypeId="urn:microsoft.com/office/officeart/2005/8/layout/hierarchy3" loCatId="hierarchy" qsTypeId="urn:microsoft.com/office/officeart/2005/8/quickstyle/simple1" qsCatId="simple" csTypeId="urn:microsoft.com/office/officeart/2005/8/colors/accent0_3" csCatId="mainScheme" phldr="1"/>
+      <dgm:spPr/>
+      <dgm:t>
+        <a:bodyPr/>
+        <a:lstStyle/>
+        <a:p>
+          <a:endParaRPr lang="en-IN"/>
+        </a:p>
+      </dgm:t>
+    </dgm:pt>
+    <dgm:pt modelId="{D854AAD0-71EF-4FE8-A97C-742482095D47}">
+      <dgm:prSet phldrT="[Text]"/>
+      <dgm:spPr/>
+      <dgm:t>
+        <a:bodyPr/>
+        <a:lstStyle/>
+        <a:p>
+          <a:r>
+            <a:rPr lang="en-US" dirty="0" smtClean="0"/>
+            <a:t>Employees</a:t>
+          </a:r>
+          <a:endParaRPr lang="en-IN" dirty="0"/>
+        </a:p>
+      </dgm:t>
+    </dgm:pt>
+    <dgm:pt modelId="{8A3240DF-3F69-42FC-9EAF-E134E9834698}" type="parTrans" cxnId="{70CE9CF4-2C02-48A2-A9A6-CA398C6D0F80}">
+      <dgm:prSet/>
+      <dgm:spPr/>
+      <dgm:t>
+        <a:bodyPr/>
+        <a:lstStyle/>
+        <a:p>
+          <a:endParaRPr lang="en-IN"/>
+        </a:p>
+      </dgm:t>
+    </dgm:pt>
+    <dgm:pt modelId="{0DD807B9-2FF3-40CC-B920-AF4087087C39}" type="sibTrans" cxnId="{70CE9CF4-2C02-48A2-A9A6-CA398C6D0F80}">
+      <dgm:prSet/>
+      <dgm:spPr/>
+      <dgm:t>
+        <a:bodyPr/>
+        <a:lstStyle/>
+        <a:p>
+          <a:endParaRPr lang="en-IN"/>
+        </a:p>
+      </dgm:t>
+    </dgm:pt>
+    <dgm:pt modelId="{A67AB1F5-B482-492A-B740-8B06A2F6C4C3}">
+      <dgm:prSet phldrT="[Text]"/>
+      <dgm:spPr/>
+      <dgm:t>
+        <a:bodyPr/>
+        <a:lstStyle/>
+        <a:p>
+          <a:r>
+            <a:rPr lang="en-US" dirty="0" smtClean="0"/>
+            <a:t>Admin</a:t>
+          </a:r>
+          <a:endParaRPr lang="en-IN" dirty="0"/>
+        </a:p>
+      </dgm:t>
+    </dgm:pt>
+    <dgm:pt modelId="{5017EB4E-ED19-40CA-BB9D-07F67AC4DA57}" type="parTrans" cxnId="{5CB44EB4-FA0B-4CCF-A5CF-9BF594DD1590}">
+      <dgm:prSet/>
+      <dgm:spPr/>
+      <dgm:t>
+        <a:bodyPr/>
+        <a:lstStyle/>
+        <a:p>
+          <a:endParaRPr lang="en-IN"/>
+        </a:p>
+      </dgm:t>
+    </dgm:pt>
+    <dgm:pt modelId="{BC43B6DD-0852-4D20-8710-F810B67DF535}" type="sibTrans" cxnId="{5CB44EB4-FA0B-4CCF-A5CF-9BF594DD1590}">
+      <dgm:prSet/>
+      <dgm:spPr/>
+      <dgm:t>
+        <a:bodyPr/>
+        <a:lstStyle/>
+        <a:p>
+          <a:endParaRPr lang="en-IN"/>
+        </a:p>
+      </dgm:t>
+    </dgm:pt>
+    <dgm:pt modelId="{BCDE6314-AEB3-4C25-9D3B-9E3C250E612B}">
+      <dgm:prSet phldrT="[Text]"/>
+      <dgm:spPr/>
+      <dgm:t>
+        <a:bodyPr/>
+        <a:lstStyle/>
+        <a:p>
+          <a:r>
+            <a:rPr lang="en-US" dirty="0" smtClean="0"/>
+            <a:t>Sales Person</a:t>
+          </a:r>
+        </a:p>
+      </dgm:t>
+    </dgm:pt>
+    <dgm:pt modelId="{95228EDD-3B35-4C8F-AB33-C72D7BBEED8E}" type="parTrans" cxnId="{B210DF54-5B14-4420-991F-3370D67B0CC0}">
+      <dgm:prSet/>
+      <dgm:spPr/>
+      <dgm:t>
+        <a:bodyPr/>
+        <a:lstStyle/>
+        <a:p>
+          <a:endParaRPr lang="en-IN"/>
+        </a:p>
+      </dgm:t>
+    </dgm:pt>
+    <dgm:pt modelId="{74E847AE-CCCA-4830-9861-52C54A5D6DB7}" type="sibTrans" cxnId="{B210DF54-5B14-4420-991F-3370D67B0CC0}">
+      <dgm:prSet/>
+      <dgm:spPr/>
+      <dgm:t>
+        <a:bodyPr/>
+        <a:lstStyle/>
+        <a:p>
+          <a:endParaRPr lang="en-IN"/>
+        </a:p>
+      </dgm:t>
+    </dgm:pt>
+    <dgm:pt modelId="{33CB659D-EA63-4CA7-AD21-BBDEFEE4F103}" type="pres">
+      <dgm:prSet presAssocID="{3F22BC45-6D9B-461A-B250-A01A3CD2DB9B}" presName="diagram" presStyleCnt="0">
+        <dgm:presLayoutVars>
+          <dgm:chPref val="1"/>
+          <dgm:dir/>
+          <dgm:animOne val="branch"/>
+          <dgm:animLvl val="lvl"/>
+          <dgm:resizeHandles/>
+        </dgm:presLayoutVars>
+      </dgm:prSet>
+      <dgm:spPr/>
+      <dgm:t>
+        <a:bodyPr/>
+        <a:lstStyle/>
+        <a:p>
+          <a:endParaRPr lang="en-IN"/>
+        </a:p>
+      </dgm:t>
+    </dgm:pt>
+    <dgm:pt modelId="{7320DEF4-91CC-4E17-BC55-D0ACB7E6D710}" type="pres">
+      <dgm:prSet presAssocID="{D854AAD0-71EF-4FE8-A97C-742482095D47}" presName="root" presStyleCnt="0"/>
+      <dgm:spPr/>
+    </dgm:pt>
+    <dgm:pt modelId="{6F9F5BE0-93B2-4F55-9F99-AD7F4A8784E8}" type="pres">
+      <dgm:prSet presAssocID="{D854AAD0-71EF-4FE8-A97C-742482095D47}" presName="rootComposite" presStyleCnt="0"/>
+      <dgm:spPr/>
+    </dgm:pt>
+    <dgm:pt modelId="{994EFAA7-CE84-4490-BE94-8791A88AF008}" type="pres">
+      <dgm:prSet presAssocID="{D854AAD0-71EF-4FE8-A97C-742482095D47}" presName="rootText" presStyleLbl="node1" presStyleIdx="0" presStyleCnt="1"/>
+      <dgm:spPr/>
+      <dgm:t>
+        <a:bodyPr/>
+        <a:lstStyle/>
+        <a:p>
+          <a:endParaRPr lang="en-IN"/>
+        </a:p>
+      </dgm:t>
+    </dgm:pt>
+    <dgm:pt modelId="{F8C77822-88E2-4070-93FA-2D8E363051A6}" type="pres">
+      <dgm:prSet presAssocID="{D854AAD0-71EF-4FE8-A97C-742482095D47}" presName="rootConnector" presStyleLbl="node1" presStyleIdx="0" presStyleCnt="1"/>
+      <dgm:spPr/>
+      <dgm:t>
+        <a:bodyPr/>
+        <a:lstStyle/>
+        <a:p>
+          <a:endParaRPr lang="en-IN"/>
+        </a:p>
+      </dgm:t>
+    </dgm:pt>
+    <dgm:pt modelId="{DFA58D3E-4E87-4EAF-9A5E-0EDAE12E1563}" type="pres">
+      <dgm:prSet presAssocID="{D854AAD0-71EF-4FE8-A97C-742482095D47}" presName="childShape" presStyleCnt="0"/>
+      <dgm:spPr/>
+    </dgm:pt>
+    <dgm:pt modelId="{76477159-9CB5-4F8A-A25C-EA15EC1F11C4}" type="pres">
+      <dgm:prSet presAssocID="{5017EB4E-ED19-40CA-BB9D-07F67AC4DA57}" presName="Name13" presStyleLbl="parChTrans1D2" presStyleIdx="0" presStyleCnt="2"/>
+      <dgm:spPr/>
+      <dgm:t>
+        <a:bodyPr/>
+        <a:lstStyle/>
+        <a:p>
+          <a:endParaRPr lang="en-IN"/>
+        </a:p>
+      </dgm:t>
+    </dgm:pt>
+    <dgm:pt modelId="{D8066C33-06E5-466F-B55B-2F92FFE058AC}" type="pres">
+      <dgm:prSet presAssocID="{A67AB1F5-B482-492A-B740-8B06A2F6C4C3}" presName="childText" presStyleLbl="bgAcc1" presStyleIdx="0" presStyleCnt="2">
+        <dgm:presLayoutVars>
+          <dgm:bulletEnabled val="1"/>
+        </dgm:presLayoutVars>
+      </dgm:prSet>
+      <dgm:spPr/>
+      <dgm:t>
+        <a:bodyPr/>
+        <a:lstStyle/>
+        <a:p>
+          <a:endParaRPr lang="en-IN"/>
+        </a:p>
+      </dgm:t>
+    </dgm:pt>
+    <dgm:pt modelId="{C343E61E-00EA-42D5-B159-4A19E0997CDD}" type="pres">
+      <dgm:prSet presAssocID="{95228EDD-3B35-4C8F-AB33-C72D7BBEED8E}" presName="Name13" presStyleLbl="parChTrans1D2" presStyleIdx="1" presStyleCnt="2"/>
+      <dgm:spPr/>
+      <dgm:t>
+        <a:bodyPr/>
+        <a:lstStyle/>
+        <a:p>
+          <a:endParaRPr lang="en-IN"/>
+        </a:p>
+      </dgm:t>
+    </dgm:pt>
+    <dgm:pt modelId="{22B2C07C-BB88-45B7-A605-3C253DEB1BDC}" type="pres">
+      <dgm:prSet presAssocID="{BCDE6314-AEB3-4C25-9D3B-9E3C250E612B}" presName="childText" presStyleLbl="bgAcc1" presStyleIdx="1" presStyleCnt="2">
+        <dgm:presLayoutVars>
+          <dgm:bulletEnabled val="1"/>
+        </dgm:presLayoutVars>
+      </dgm:prSet>
+      <dgm:spPr/>
+      <dgm:t>
+        <a:bodyPr/>
+        <a:lstStyle/>
+        <a:p>
+          <a:endParaRPr lang="en-IN"/>
+        </a:p>
+      </dgm:t>
+    </dgm:pt>
+  </dgm:ptLst>
+  <dgm:cxnLst>
+    <dgm:cxn modelId="{7707E690-8D47-453A-9025-98A776E54776}" type="presOf" srcId="{BCDE6314-AEB3-4C25-9D3B-9E3C250E612B}" destId="{22B2C07C-BB88-45B7-A605-3C253DEB1BDC}" srcOrd="0" destOrd="0" presId="urn:microsoft.com/office/officeart/2005/8/layout/hierarchy3"/>
+    <dgm:cxn modelId="{5CB44EB4-FA0B-4CCF-A5CF-9BF594DD1590}" srcId="{D854AAD0-71EF-4FE8-A97C-742482095D47}" destId="{A67AB1F5-B482-492A-B740-8B06A2F6C4C3}" srcOrd="0" destOrd="0" parTransId="{5017EB4E-ED19-40CA-BB9D-07F67AC4DA57}" sibTransId="{BC43B6DD-0852-4D20-8710-F810B67DF535}"/>
+    <dgm:cxn modelId="{799B4DAD-C295-4888-8CB8-3B1F01E4CE14}" type="presOf" srcId="{95228EDD-3B35-4C8F-AB33-C72D7BBEED8E}" destId="{C343E61E-00EA-42D5-B159-4A19E0997CDD}" srcOrd="0" destOrd="0" presId="urn:microsoft.com/office/officeart/2005/8/layout/hierarchy3"/>
+    <dgm:cxn modelId="{757ABC19-732A-4F02-96C2-08488E4FDAC2}" type="presOf" srcId="{D854AAD0-71EF-4FE8-A97C-742482095D47}" destId="{F8C77822-88E2-4070-93FA-2D8E363051A6}" srcOrd="1" destOrd="0" presId="urn:microsoft.com/office/officeart/2005/8/layout/hierarchy3"/>
+    <dgm:cxn modelId="{94CB59B6-138E-437D-A498-EF8AAFB52533}" type="presOf" srcId="{5017EB4E-ED19-40CA-BB9D-07F67AC4DA57}" destId="{76477159-9CB5-4F8A-A25C-EA15EC1F11C4}" srcOrd="0" destOrd="0" presId="urn:microsoft.com/office/officeart/2005/8/layout/hierarchy3"/>
+    <dgm:cxn modelId="{48A056AB-D98A-4BB6-A429-4722AC4A6EA1}" type="presOf" srcId="{D854AAD0-71EF-4FE8-A97C-742482095D47}" destId="{994EFAA7-CE84-4490-BE94-8791A88AF008}" srcOrd="0" destOrd="0" presId="urn:microsoft.com/office/officeart/2005/8/layout/hierarchy3"/>
+    <dgm:cxn modelId="{70CE9CF4-2C02-48A2-A9A6-CA398C6D0F80}" srcId="{3F22BC45-6D9B-461A-B250-A01A3CD2DB9B}" destId="{D854AAD0-71EF-4FE8-A97C-742482095D47}" srcOrd="0" destOrd="0" parTransId="{8A3240DF-3F69-42FC-9EAF-E134E9834698}" sibTransId="{0DD807B9-2FF3-40CC-B920-AF4087087C39}"/>
+    <dgm:cxn modelId="{F6356A18-4C2C-4603-BB86-EBF254BABE9F}" type="presOf" srcId="{A67AB1F5-B482-492A-B740-8B06A2F6C4C3}" destId="{D8066C33-06E5-466F-B55B-2F92FFE058AC}" srcOrd="0" destOrd="0" presId="urn:microsoft.com/office/officeart/2005/8/layout/hierarchy3"/>
+    <dgm:cxn modelId="{EEF7A883-401E-4ADC-B072-2F15A2C8A896}" type="presOf" srcId="{3F22BC45-6D9B-461A-B250-A01A3CD2DB9B}" destId="{33CB659D-EA63-4CA7-AD21-BBDEFEE4F103}" srcOrd="0" destOrd="0" presId="urn:microsoft.com/office/officeart/2005/8/layout/hierarchy3"/>
+    <dgm:cxn modelId="{B210DF54-5B14-4420-991F-3370D67B0CC0}" srcId="{D854AAD0-71EF-4FE8-A97C-742482095D47}" destId="{BCDE6314-AEB3-4C25-9D3B-9E3C250E612B}" srcOrd="1" destOrd="0" parTransId="{95228EDD-3B35-4C8F-AB33-C72D7BBEED8E}" sibTransId="{74E847AE-CCCA-4830-9861-52C54A5D6DB7}"/>
+    <dgm:cxn modelId="{7014A889-3B7C-4207-A4B3-932887DED20D}" type="presParOf" srcId="{33CB659D-EA63-4CA7-AD21-BBDEFEE4F103}" destId="{7320DEF4-91CC-4E17-BC55-D0ACB7E6D710}" srcOrd="0" destOrd="0" presId="urn:microsoft.com/office/officeart/2005/8/layout/hierarchy3"/>
+    <dgm:cxn modelId="{E5516250-2EE4-4194-8AE6-40749DABAD99}" type="presParOf" srcId="{7320DEF4-91CC-4E17-BC55-D0ACB7E6D710}" destId="{6F9F5BE0-93B2-4F55-9F99-AD7F4A8784E8}" srcOrd="0" destOrd="0" presId="urn:microsoft.com/office/officeart/2005/8/layout/hierarchy3"/>
+    <dgm:cxn modelId="{485EE786-811D-431A-BF58-325720A65140}" type="presParOf" srcId="{6F9F5BE0-93B2-4F55-9F99-AD7F4A8784E8}" destId="{994EFAA7-CE84-4490-BE94-8791A88AF008}" srcOrd="0" destOrd="0" presId="urn:microsoft.com/office/officeart/2005/8/layout/hierarchy3"/>
+    <dgm:cxn modelId="{3B95737F-F8CD-4C51-A1C2-230696BB6C3E}" type="presParOf" srcId="{6F9F5BE0-93B2-4F55-9F99-AD7F4A8784E8}" destId="{F8C77822-88E2-4070-93FA-2D8E363051A6}" srcOrd="1" destOrd="0" presId="urn:microsoft.com/office/officeart/2005/8/layout/hierarchy3"/>
+    <dgm:cxn modelId="{C2054F1D-D318-48FD-B83D-3E59B1F856A1}" type="presParOf" srcId="{7320DEF4-91CC-4E17-BC55-D0ACB7E6D710}" destId="{DFA58D3E-4E87-4EAF-9A5E-0EDAE12E1563}" srcOrd="1" destOrd="0" presId="urn:microsoft.com/office/officeart/2005/8/layout/hierarchy3"/>
+    <dgm:cxn modelId="{470F28D4-70C8-4AB1-AE4F-DC6B3A632546}" type="presParOf" srcId="{DFA58D3E-4E87-4EAF-9A5E-0EDAE12E1563}" destId="{76477159-9CB5-4F8A-A25C-EA15EC1F11C4}" srcOrd="0" destOrd="0" presId="urn:microsoft.com/office/officeart/2005/8/layout/hierarchy3"/>
+    <dgm:cxn modelId="{EA18AE23-0076-47C5-A3BB-ACCDE901F1E4}" type="presParOf" srcId="{DFA58D3E-4E87-4EAF-9A5E-0EDAE12E1563}" destId="{D8066C33-06E5-466F-B55B-2F92FFE058AC}" srcOrd="1" destOrd="0" presId="urn:microsoft.com/office/officeart/2005/8/layout/hierarchy3"/>
+    <dgm:cxn modelId="{D9E1814A-319C-4628-8F0D-6C9E3869C4B8}" type="presParOf" srcId="{DFA58D3E-4E87-4EAF-9A5E-0EDAE12E1563}" destId="{C343E61E-00EA-42D5-B159-4A19E0997CDD}" srcOrd="2" destOrd="0" presId="urn:microsoft.com/office/officeart/2005/8/layout/hierarchy3"/>
+    <dgm:cxn modelId="{A62A3393-8E8A-4FB4-8105-7D515210B71C}" type="presParOf" srcId="{DFA58D3E-4E87-4EAF-9A5E-0EDAE12E1563}" destId="{22B2C07C-BB88-45B7-A605-3C253DEB1BDC}" srcOrd="3" destOrd="0" presId="urn:microsoft.com/office/officeart/2005/8/layout/hierarchy3"/>
+  </dgm:cxnLst>
+  <dgm:bg/>
+  <dgm:whole/>
+  <dgm:extLst>
+    <a:ext uri="http://schemas.microsoft.com/office/drawing/2008/diagram">
+      <dsp:dataModelExt xmlns:dsp="http://schemas.microsoft.com/office/drawing/2008/diagram" relId="rId6" minVer="http://schemas.openxmlformats.org/drawingml/2006/diagram"/>
+    </a:ext>
+  </dgm:extLst>
+</dgm:dataModel>
+</file>
+
+<file path=ppt/diagrams/data2.xml><?xml version="1.0" encoding="utf-8"?>
+<dgm:dataModel xmlns:dgm="http://schemas.openxmlformats.org/drawingml/2006/diagram" xmlns:a="http://schemas.openxmlformats.org/drawingml/2006/main">
+  <dgm:ptLst>
+    <dgm:pt modelId="{D100A84D-0083-491D-B198-36979FBBF433}" type="doc">
+      <dgm:prSet loTypeId="urn:microsoft.com/office/officeart/2005/8/layout/hierarchy3" loCatId="hierarchy" qsTypeId="urn:microsoft.com/office/officeart/2005/8/quickstyle/simple1" qsCatId="simple" csTypeId="urn:microsoft.com/office/officeart/2005/8/colors/accent0_3" csCatId="mainScheme" phldr="1"/>
+      <dgm:spPr/>
+      <dgm:t>
+        <a:bodyPr/>
+        <a:lstStyle/>
+        <a:p>
+          <a:endParaRPr lang="en-IN"/>
+        </a:p>
+      </dgm:t>
+    </dgm:pt>
+    <dgm:pt modelId="{F768C081-0969-445A-B663-90AC1A805497}">
+      <dgm:prSet phldrT="[Text]"/>
+      <dgm:spPr/>
+      <dgm:t>
+        <a:bodyPr/>
+        <a:lstStyle/>
+        <a:p>
+          <a:r>
+            <a:rPr lang="en-US" dirty="0" smtClean="0"/>
+            <a:t>Customers</a:t>
+          </a:r>
+          <a:endParaRPr lang="en-IN" dirty="0"/>
+        </a:p>
+      </dgm:t>
+    </dgm:pt>
+    <dgm:pt modelId="{0915A3B8-F543-4F3F-87C5-3788E2D18AD9}" type="parTrans" cxnId="{9BD4EF23-E83F-4AA0-90A6-74E7D934FE1E}">
+      <dgm:prSet/>
+      <dgm:spPr/>
+      <dgm:t>
+        <a:bodyPr/>
+        <a:lstStyle/>
+        <a:p>
+          <a:endParaRPr lang="en-IN"/>
+        </a:p>
+      </dgm:t>
+    </dgm:pt>
+    <dgm:pt modelId="{DD80F951-A9DB-4966-BE11-4251B54E0417}" type="sibTrans" cxnId="{9BD4EF23-E83F-4AA0-90A6-74E7D934FE1E}">
+      <dgm:prSet/>
+      <dgm:spPr/>
+      <dgm:t>
+        <a:bodyPr/>
+        <a:lstStyle/>
+        <a:p>
+          <a:endParaRPr lang="en-IN"/>
+        </a:p>
+      </dgm:t>
+    </dgm:pt>
+    <dgm:pt modelId="{9B33741A-EADF-4529-92C0-D6C1E76B3922}">
+      <dgm:prSet phldrT="[Text]"/>
+      <dgm:spPr/>
+      <dgm:t>
+        <a:bodyPr/>
+        <a:lstStyle/>
+        <a:p>
+          <a:r>
+            <a:rPr lang="en-US" dirty="0" smtClean="0"/>
+            <a:t>Retailer</a:t>
+          </a:r>
+          <a:endParaRPr lang="en-IN" dirty="0"/>
+        </a:p>
+      </dgm:t>
+    </dgm:pt>
+    <dgm:pt modelId="{B87BBA5D-83B9-468E-99FA-E3A9E36F56F0}" type="parTrans" cxnId="{1C525381-46C8-466E-92AA-E10077623F92}">
+      <dgm:prSet/>
+      <dgm:spPr/>
+      <dgm:t>
+        <a:bodyPr/>
+        <a:lstStyle/>
+        <a:p>
+          <a:endParaRPr lang="en-IN"/>
+        </a:p>
+      </dgm:t>
+    </dgm:pt>
+    <dgm:pt modelId="{14075C8A-02F8-4108-B814-F05F7D9DCEBB}" type="sibTrans" cxnId="{1C525381-46C8-466E-92AA-E10077623F92}">
+      <dgm:prSet/>
+      <dgm:spPr/>
+      <dgm:t>
+        <a:bodyPr/>
+        <a:lstStyle/>
+        <a:p>
+          <a:endParaRPr lang="en-IN"/>
+        </a:p>
+      </dgm:t>
+    </dgm:pt>
+    <dgm:pt modelId="{D21F78A4-94C5-4263-92EC-D83D6D37C8B8}" type="pres">
+      <dgm:prSet presAssocID="{D100A84D-0083-491D-B198-36979FBBF433}" presName="diagram" presStyleCnt="0">
+        <dgm:presLayoutVars>
+          <dgm:chPref val="1"/>
+          <dgm:dir/>
+          <dgm:animOne val="branch"/>
+          <dgm:animLvl val="lvl"/>
+          <dgm:resizeHandles/>
+        </dgm:presLayoutVars>
+      </dgm:prSet>
+      <dgm:spPr/>
+      <dgm:t>
+        <a:bodyPr/>
+        <a:lstStyle/>
+        <a:p>
+          <a:endParaRPr lang="en-IN"/>
+        </a:p>
+      </dgm:t>
+    </dgm:pt>
+    <dgm:pt modelId="{33D7E798-0D57-4266-AEFE-90611EF9A5B5}" type="pres">
+      <dgm:prSet presAssocID="{F768C081-0969-445A-B663-90AC1A805497}" presName="root" presStyleCnt="0"/>
+      <dgm:spPr/>
+    </dgm:pt>
+    <dgm:pt modelId="{82CFDC14-A649-462A-B87B-B2A9A67E2C03}" type="pres">
+      <dgm:prSet presAssocID="{F768C081-0969-445A-B663-90AC1A805497}" presName="rootComposite" presStyleCnt="0"/>
+      <dgm:spPr/>
+    </dgm:pt>
+    <dgm:pt modelId="{38C5F895-5843-4917-8B09-AD68392DDDCA}" type="pres">
+      <dgm:prSet presAssocID="{F768C081-0969-445A-B663-90AC1A805497}" presName="rootText" presStyleLbl="node1" presStyleIdx="0" presStyleCnt="1"/>
+      <dgm:spPr/>
+      <dgm:t>
+        <a:bodyPr/>
+        <a:lstStyle/>
+        <a:p>
+          <a:endParaRPr lang="en-IN"/>
+        </a:p>
+      </dgm:t>
+    </dgm:pt>
+    <dgm:pt modelId="{21C73BBE-5AE1-4B12-AC3A-DF2B6A70DCB0}" type="pres">
+      <dgm:prSet presAssocID="{F768C081-0969-445A-B663-90AC1A805497}" presName="rootConnector" presStyleLbl="node1" presStyleIdx="0" presStyleCnt="1"/>
+      <dgm:spPr/>
+      <dgm:t>
+        <a:bodyPr/>
+        <a:lstStyle/>
+        <a:p>
+          <a:endParaRPr lang="en-IN"/>
+        </a:p>
+      </dgm:t>
+    </dgm:pt>
+    <dgm:pt modelId="{C94DB8B3-0CE4-4C1D-A099-2A25FDA3AEF1}" type="pres">
+      <dgm:prSet presAssocID="{F768C081-0969-445A-B663-90AC1A805497}" presName="childShape" presStyleCnt="0"/>
+      <dgm:spPr/>
+    </dgm:pt>
+    <dgm:pt modelId="{642DA75B-0687-44EC-9E7E-0161AEB1F50B}" type="pres">
+      <dgm:prSet presAssocID="{B87BBA5D-83B9-468E-99FA-E3A9E36F56F0}" presName="Name13" presStyleLbl="parChTrans1D2" presStyleIdx="0" presStyleCnt="1"/>
+      <dgm:spPr/>
+      <dgm:t>
+        <a:bodyPr/>
+        <a:lstStyle/>
+        <a:p>
+          <a:endParaRPr lang="en-IN"/>
+        </a:p>
+      </dgm:t>
+    </dgm:pt>
+    <dgm:pt modelId="{3075C382-0F2F-47F7-AC24-22ED2C7E0E78}" type="pres">
+      <dgm:prSet presAssocID="{9B33741A-EADF-4529-92C0-D6C1E76B3922}" presName="childText" presStyleLbl="bgAcc1" presStyleIdx="0" presStyleCnt="1">
+        <dgm:presLayoutVars>
+          <dgm:bulletEnabled val="1"/>
+        </dgm:presLayoutVars>
+      </dgm:prSet>
+      <dgm:spPr/>
+      <dgm:t>
+        <a:bodyPr/>
+        <a:lstStyle/>
+        <a:p>
+          <a:endParaRPr lang="en-IN"/>
+        </a:p>
+      </dgm:t>
+    </dgm:pt>
+  </dgm:ptLst>
+  <dgm:cxnLst>
+    <dgm:cxn modelId="{C96B278D-1B0D-4FA3-BA80-60F6732A0AD1}" type="presOf" srcId="{F768C081-0969-445A-B663-90AC1A805497}" destId="{38C5F895-5843-4917-8B09-AD68392DDDCA}" srcOrd="0" destOrd="0" presId="urn:microsoft.com/office/officeart/2005/8/layout/hierarchy3"/>
+    <dgm:cxn modelId="{1C525381-46C8-466E-92AA-E10077623F92}" srcId="{F768C081-0969-445A-B663-90AC1A805497}" destId="{9B33741A-EADF-4529-92C0-D6C1E76B3922}" srcOrd="0" destOrd="0" parTransId="{B87BBA5D-83B9-468E-99FA-E3A9E36F56F0}" sibTransId="{14075C8A-02F8-4108-B814-F05F7D9DCEBB}"/>
+    <dgm:cxn modelId="{E81DE658-A7D0-4F92-A823-620E86A70E20}" type="presOf" srcId="{D100A84D-0083-491D-B198-36979FBBF433}" destId="{D21F78A4-94C5-4263-92EC-D83D6D37C8B8}" srcOrd="0" destOrd="0" presId="urn:microsoft.com/office/officeart/2005/8/layout/hierarchy3"/>
+    <dgm:cxn modelId="{AB23316F-E615-4FCA-98D8-2AAD0F149A94}" type="presOf" srcId="{B87BBA5D-83B9-468E-99FA-E3A9E36F56F0}" destId="{642DA75B-0687-44EC-9E7E-0161AEB1F50B}" srcOrd="0" destOrd="0" presId="urn:microsoft.com/office/officeart/2005/8/layout/hierarchy3"/>
+    <dgm:cxn modelId="{9BD4EF23-E83F-4AA0-90A6-74E7D934FE1E}" srcId="{D100A84D-0083-491D-B198-36979FBBF433}" destId="{F768C081-0969-445A-B663-90AC1A805497}" srcOrd="0" destOrd="0" parTransId="{0915A3B8-F543-4F3F-87C5-3788E2D18AD9}" sibTransId="{DD80F951-A9DB-4966-BE11-4251B54E0417}"/>
+    <dgm:cxn modelId="{BF0ACAD3-8F40-42B0-8CA1-66FEDF9EB495}" type="presOf" srcId="{9B33741A-EADF-4529-92C0-D6C1E76B3922}" destId="{3075C382-0F2F-47F7-AC24-22ED2C7E0E78}" srcOrd="0" destOrd="0" presId="urn:microsoft.com/office/officeart/2005/8/layout/hierarchy3"/>
+    <dgm:cxn modelId="{329649FE-FE7D-4204-A2DA-A47F082D393A}" type="presOf" srcId="{F768C081-0969-445A-B663-90AC1A805497}" destId="{21C73BBE-5AE1-4B12-AC3A-DF2B6A70DCB0}" srcOrd="1" destOrd="0" presId="urn:microsoft.com/office/officeart/2005/8/layout/hierarchy3"/>
+    <dgm:cxn modelId="{6729BEF5-DE64-4A51-94E9-0937676F01B5}" type="presParOf" srcId="{D21F78A4-94C5-4263-92EC-D83D6D37C8B8}" destId="{33D7E798-0D57-4266-AEFE-90611EF9A5B5}" srcOrd="0" destOrd="0" presId="urn:microsoft.com/office/officeart/2005/8/layout/hierarchy3"/>
+    <dgm:cxn modelId="{41E31D54-FC12-49A8-99E6-AF9825CC69C4}" type="presParOf" srcId="{33D7E798-0D57-4266-AEFE-90611EF9A5B5}" destId="{82CFDC14-A649-462A-B87B-B2A9A67E2C03}" srcOrd="0" destOrd="0" presId="urn:microsoft.com/office/officeart/2005/8/layout/hierarchy3"/>
+    <dgm:cxn modelId="{7C1DB27A-7D91-431C-A44E-EF4056E40391}" type="presParOf" srcId="{82CFDC14-A649-462A-B87B-B2A9A67E2C03}" destId="{38C5F895-5843-4917-8B09-AD68392DDDCA}" srcOrd="0" destOrd="0" presId="urn:microsoft.com/office/officeart/2005/8/layout/hierarchy3"/>
+    <dgm:cxn modelId="{3A22849A-7CE5-408D-BD19-7EDDABB7E3C6}" type="presParOf" srcId="{82CFDC14-A649-462A-B87B-B2A9A67E2C03}" destId="{21C73BBE-5AE1-4B12-AC3A-DF2B6A70DCB0}" srcOrd="1" destOrd="0" presId="urn:microsoft.com/office/officeart/2005/8/layout/hierarchy3"/>
+    <dgm:cxn modelId="{42BC4ADF-0D90-4540-A6AC-BF48B7CF29BF}" type="presParOf" srcId="{33D7E798-0D57-4266-AEFE-90611EF9A5B5}" destId="{C94DB8B3-0CE4-4C1D-A099-2A25FDA3AEF1}" srcOrd="1" destOrd="0" presId="urn:microsoft.com/office/officeart/2005/8/layout/hierarchy3"/>
+    <dgm:cxn modelId="{987CECD0-4851-42A4-BE47-D6B242069AD7}" type="presParOf" srcId="{C94DB8B3-0CE4-4C1D-A099-2A25FDA3AEF1}" destId="{642DA75B-0687-44EC-9E7E-0161AEB1F50B}" srcOrd="0" destOrd="0" presId="urn:microsoft.com/office/officeart/2005/8/layout/hierarchy3"/>
+    <dgm:cxn modelId="{683D2A1D-482C-43FC-8F5E-CCB4B8C8B239}" type="presParOf" srcId="{C94DB8B3-0CE4-4C1D-A099-2A25FDA3AEF1}" destId="{3075C382-0F2F-47F7-AC24-22ED2C7E0E78}" srcOrd="1" destOrd="0" presId="urn:microsoft.com/office/officeart/2005/8/layout/hierarchy3"/>
+  </dgm:cxnLst>
+  <dgm:bg/>
+  <dgm:whole/>
+  <dgm:extLst>
+    <a:ext uri="http://schemas.microsoft.com/office/drawing/2008/diagram">
+      <dsp:dataModelExt xmlns:dsp="http://schemas.microsoft.com/office/drawing/2008/diagram" relId="rId11" minVer="http://schemas.openxmlformats.org/drawingml/2006/diagram"/>
+    </a:ext>
+  </dgm:extLst>
+</dgm:dataModel>
+</file>
+
+<file path=ppt/diagrams/drawing1.xml><?xml version="1.0" encoding="utf-8"?>
+<dsp:drawing xmlns:dgm="http://schemas.openxmlformats.org/drawingml/2006/diagram" xmlns:dsp="http://schemas.microsoft.com/office/drawing/2008/diagram" xmlns:a="http://schemas.openxmlformats.org/drawingml/2006/main">
+  <dsp:spTree>
+    <dsp:nvGrpSpPr>
+      <dsp:cNvPr id="0" name=""/>
+      <dsp:cNvGrpSpPr/>
+    </dsp:nvGrpSpPr>
+    <dsp:grpSpPr/>
+    <dsp:sp modelId="{994EFAA7-CE84-4490-BE94-8791A88AF008}">
+      <dsp:nvSpPr>
+        <dsp:cNvPr id="0" name=""/>
+        <dsp:cNvSpPr/>
+      </dsp:nvSpPr>
+      <dsp:spPr>
+        <a:xfrm>
+          <a:off x="1906301" y="797"/>
+          <a:ext cx="1878512" cy="939256"/>
+        </a:xfrm>
+        <a:prstGeom prst="roundRect">
+          <a:avLst>
+            <a:gd name="adj" fmla="val 10000"/>
+          </a:avLst>
+        </a:prstGeom>
+        <a:solidFill>
+          <a:schemeClr val="dk2">
+            <a:hueOff val="0"/>
+            <a:satOff val="0"/>
+            <a:lumOff val="0"/>
+            <a:alphaOff val="0"/>
+          </a:schemeClr>
+        </a:solidFill>
+        <a:ln w="34925" cap="flat" cmpd="sng" algn="in">
+          <a:solidFill>
+            <a:schemeClr val="lt2">
+              <a:hueOff val="0"/>
+              <a:satOff val="0"/>
+              <a:lumOff val="0"/>
+              <a:alphaOff val="0"/>
+            </a:schemeClr>
+          </a:solidFill>
+          <a:prstDash val="solid"/>
+        </a:ln>
+        <a:effectLst/>
+      </dsp:spPr>
+      <dsp:style>
+        <a:lnRef idx="2">
+          <a:scrgbClr r="0" g="0" b="0"/>
+        </a:lnRef>
+        <a:fillRef idx="1">
+          <a:scrgbClr r="0" g="0" b="0"/>
+        </a:fillRef>
+        <a:effectRef idx="0">
+          <a:scrgbClr r="0" g="0" b="0"/>
+        </a:effectRef>
+        <a:fontRef idx="minor">
+          <a:schemeClr val="lt1"/>
+        </a:fontRef>
+      </dsp:style>
+      <dsp:txBody>
+        <a:bodyPr spcFirstLastPara="0" vert="horz" wrap="square" lIns="55245" tIns="36830" rIns="55245" bIns="36830" numCol="1" spcCol="1270" anchor="ctr" anchorCtr="0">
+          <a:noAutofit/>
+        </a:bodyPr>
+        <a:lstStyle/>
+        <a:p>
+          <a:pPr lvl="0" algn="ctr" defTabSz="1289050">
+            <a:lnSpc>
+              <a:spcPct val="90000"/>
+            </a:lnSpc>
+            <a:spcBef>
+              <a:spcPct val="0"/>
+            </a:spcBef>
+            <a:spcAft>
+              <a:spcPct val="35000"/>
+            </a:spcAft>
+          </a:pPr>
+          <a:r>
+            <a:rPr lang="en-US" sz="2900" kern="1200" dirty="0" smtClean="0"/>
+            <a:t>Employees</a:t>
+          </a:r>
+          <a:endParaRPr lang="en-IN" sz="2900" kern="1200" dirty="0"/>
+        </a:p>
+      </dsp:txBody>
+      <dsp:txXfrm>
+        <a:off x="1933811" y="28307"/>
+        <a:ext cx="1823492" cy="884236"/>
+      </dsp:txXfrm>
+    </dsp:sp>
+    <dsp:sp modelId="{76477159-9CB5-4F8A-A25C-EA15EC1F11C4}">
+      <dsp:nvSpPr>
+        <dsp:cNvPr id="0" name=""/>
+        <dsp:cNvSpPr/>
+      </dsp:nvSpPr>
+      <dsp:spPr>
+        <a:xfrm>
+          <a:off x="2094152" y="940053"/>
+          <a:ext cx="187851" cy="704442"/>
+        </a:xfrm>
+        <a:custGeom>
+          <a:avLst/>
+          <a:gdLst/>
+          <a:ahLst/>
+          <a:cxnLst/>
+          <a:rect l="0" t="0" r="0" b="0"/>
+          <a:pathLst>
+            <a:path>
+              <a:moveTo>
+                <a:pt x="0" y="0"/>
+              </a:moveTo>
+              <a:lnTo>
+                <a:pt x="0" y="704442"/>
+              </a:lnTo>
+              <a:lnTo>
+                <a:pt x="187851" y="704442"/>
+              </a:lnTo>
+            </a:path>
+          </a:pathLst>
+        </a:custGeom>
+        <a:noFill/>
+        <a:ln w="34925" cap="flat" cmpd="sng" algn="in">
+          <a:solidFill>
+            <a:schemeClr val="dk2">
+              <a:shade val="60000"/>
+              <a:hueOff val="0"/>
+              <a:satOff val="0"/>
+              <a:lumOff val="0"/>
+              <a:alphaOff val="0"/>
+            </a:schemeClr>
+          </a:solidFill>
+          <a:prstDash val="solid"/>
+        </a:ln>
+        <a:effectLst/>
+      </dsp:spPr>
+      <dsp:style>
+        <a:lnRef idx="2">
+          <a:scrgbClr r="0" g="0" b="0"/>
+        </a:lnRef>
+        <a:fillRef idx="0">
+          <a:scrgbClr r="0" g="0" b="0"/>
+        </a:fillRef>
+        <a:effectRef idx="0">
+          <a:scrgbClr r="0" g="0" b="0"/>
+        </a:effectRef>
+        <a:fontRef idx="minor"/>
+      </dsp:style>
+    </dsp:sp>
+    <dsp:sp modelId="{D8066C33-06E5-466F-B55B-2F92FFE058AC}">
+      <dsp:nvSpPr>
+        <dsp:cNvPr id="0" name=""/>
+        <dsp:cNvSpPr/>
+      </dsp:nvSpPr>
+      <dsp:spPr>
+        <a:xfrm>
+          <a:off x="2282003" y="1174867"/>
+          <a:ext cx="1502810" cy="939256"/>
+        </a:xfrm>
+        <a:prstGeom prst="roundRect">
+          <a:avLst>
+            <a:gd name="adj" fmla="val 10000"/>
+          </a:avLst>
+        </a:prstGeom>
+        <a:solidFill>
+          <a:schemeClr val="lt2">
+            <a:alpha val="90000"/>
+            <a:hueOff val="0"/>
+            <a:satOff val="0"/>
+            <a:lumOff val="0"/>
+            <a:alphaOff val="0"/>
+          </a:schemeClr>
+        </a:solidFill>
+        <a:ln w="34925" cap="flat" cmpd="sng" algn="in">
+          <a:solidFill>
+            <a:schemeClr val="dk2">
+              <a:hueOff val="0"/>
+              <a:satOff val="0"/>
+              <a:lumOff val="0"/>
+              <a:alphaOff val="0"/>
+            </a:schemeClr>
+          </a:solidFill>
+          <a:prstDash val="solid"/>
+        </a:ln>
+        <a:effectLst/>
+      </dsp:spPr>
+      <dsp:style>
+        <a:lnRef idx="2">
+          <a:scrgbClr r="0" g="0" b="0"/>
+        </a:lnRef>
+        <a:fillRef idx="1">
+          <a:scrgbClr r="0" g="0" b="0"/>
+        </a:fillRef>
+        <a:effectRef idx="0">
+          <a:scrgbClr r="0" g="0" b="0"/>
+        </a:effectRef>
+        <a:fontRef idx="minor"/>
+      </dsp:style>
+      <dsp:txBody>
+        <a:bodyPr spcFirstLastPara="0" vert="horz" wrap="square" lIns="59055" tIns="39370" rIns="59055" bIns="39370" numCol="1" spcCol="1270" anchor="ctr" anchorCtr="0">
+          <a:noAutofit/>
+        </a:bodyPr>
+        <a:lstStyle/>
+        <a:p>
+          <a:pPr lvl="0" algn="ctr" defTabSz="1377950">
+            <a:lnSpc>
+              <a:spcPct val="90000"/>
+            </a:lnSpc>
+            <a:spcBef>
+              <a:spcPct val="0"/>
+            </a:spcBef>
+            <a:spcAft>
+              <a:spcPct val="35000"/>
+            </a:spcAft>
+          </a:pPr>
+          <a:r>
+            <a:rPr lang="en-US" sz="3100" kern="1200" dirty="0" smtClean="0"/>
+            <a:t>Admin</a:t>
+          </a:r>
+          <a:endParaRPr lang="en-IN" sz="3100" kern="1200" dirty="0"/>
+        </a:p>
+      </dsp:txBody>
+      <dsp:txXfrm>
+        <a:off x="2309513" y="1202377"/>
+        <a:ext cx="1447790" cy="884236"/>
+      </dsp:txXfrm>
+    </dsp:sp>
+    <dsp:sp modelId="{C343E61E-00EA-42D5-B159-4A19E0997CDD}">
+      <dsp:nvSpPr>
+        <dsp:cNvPr id="0" name=""/>
+        <dsp:cNvSpPr/>
+      </dsp:nvSpPr>
+      <dsp:spPr>
+        <a:xfrm>
+          <a:off x="2094152" y="940053"/>
+          <a:ext cx="187851" cy="1878512"/>
+        </a:xfrm>
+        <a:custGeom>
+          <a:avLst/>
+          <a:gdLst/>
+          <a:ahLst/>
+          <a:cxnLst/>
+          <a:rect l="0" t="0" r="0" b="0"/>
+          <a:pathLst>
+            <a:path>
+              <a:moveTo>
+                <a:pt x="0" y="0"/>
+              </a:moveTo>
+              <a:lnTo>
+                <a:pt x="0" y="1878512"/>
+              </a:lnTo>
+              <a:lnTo>
+                <a:pt x="187851" y="1878512"/>
+              </a:lnTo>
+            </a:path>
+          </a:pathLst>
+        </a:custGeom>
+        <a:noFill/>
+        <a:ln w="34925" cap="flat" cmpd="sng" algn="in">
+          <a:solidFill>
+            <a:schemeClr val="dk2">
+              <a:shade val="60000"/>
+              <a:hueOff val="0"/>
+              <a:satOff val="0"/>
+              <a:lumOff val="0"/>
+              <a:alphaOff val="0"/>
+            </a:schemeClr>
+          </a:solidFill>
+          <a:prstDash val="solid"/>
+        </a:ln>
+        <a:effectLst/>
+      </dsp:spPr>
+      <dsp:style>
+        <a:lnRef idx="2">
+          <a:scrgbClr r="0" g="0" b="0"/>
+        </a:lnRef>
+        <a:fillRef idx="0">
+          <a:scrgbClr r="0" g="0" b="0"/>
+        </a:fillRef>
+        <a:effectRef idx="0">
+          <a:scrgbClr r="0" g="0" b="0"/>
+        </a:effectRef>
+        <a:fontRef idx="minor"/>
+      </dsp:style>
+    </dsp:sp>
+    <dsp:sp modelId="{22B2C07C-BB88-45B7-A605-3C253DEB1BDC}">
+      <dsp:nvSpPr>
+        <dsp:cNvPr id="0" name=""/>
+        <dsp:cNvSpPr/>
+      </dsp:nvSpPr>
+      <dsp:spPr>
+        <a:xfrm>
+          <a:off x="2282003" y="2348937"/>
+          <a:ext cx="1502810" cy="939256"/>
+        </a:xfrm>
+        <a:prstGeom prst="roundRect">
+          <a:avLst>
+            <a:gd name="adj" fmla="val 10000"/>
+          </a:avLst>
+        </a:prstGeom>
+        <a:solidFill>
+          <a:schemeClr val="lt2">
+            <a:alpha val="90000"/>
+            <a:hueOff val="0"/>
+            <a:satOff val="0"/>
+            <a:lumOff val="0"/>
+            <a:alphaOff val="0"/>
+          </a:schemeClr>
+        </a:solidFill>
+        <a:ln w="34925" cap="flat" cmpd="sng" algn="in">
+          <a:solidFill>
+            <a:schemeClr val="dk2">
+              <a:hueOff val="0"/>
+              <a:satOff val="0"/>
+              <a:lumOff val="0"/>
+              <a:alphaOff val="0"/>
+            </a:schemeClr>
+          </a:solidFill>
+          <a:prstDash val="solid"/>
+        </a:ln>
+        <a:effectLst/>
+      </dsp:spPr>
+      <dsp:style>
+        <a:lnRef idx="2">
+          <a:scrgbClr r="0" g="0" b="0"/>
+        </a:lnRef>
+        <a:fillRef idx="1">
+          <a:scrgbClr r="0" g="0" b="0"/>
+        </a:fillRef>
+        <a:effectRef idx="0">
+          <a:scrgbClr r="0" g="0" b="0"/>
+        </a:effectRef>
+        <a:fontRef idx="minor"/>
+      </dsp:style>
+      <dsp:txBody>
+        <a:bodyPr spcFirstLastPara="0" vert="horz" wrap="square" lIns="59055" tIns="39370" rIns="59055" bIns="39370" numCol="1" spcCol="1270" anchor="ctr" anchorCtr="0">
+          <a:noAutofit/>
+        </a:bodyPr>
+        <a:lstStyle/>
+        <a:p>
+          <a:pPr lvl="0" algn="ctr" defTabSz="1377950">
+            <a:lnSpc>
+              <a:spcPct val="90000"/>
+            </a:lnSpc>
+            <a:spcBef>
+              <a:spcPct val="0"/>
+            </a:spcBef>
+            <a:spcAft>
+              <a:spcPct val="35000"/>
+            </a:spcAft>
+          </a:pPr>
+          <a:r>
+            <a:rPr lang="en-US" sz="3100" kern="1200" dirty="0" smtClean="0"/>
+            <a:t>Sales Person</a:t>
+          </a:r>
+        </a:p>
+      </dsp:txBody>
+      <dsp:txXfrm>
+        <a:off x="2309513" y="2376447"/>
+        <a:ext cx="1447790" cy="884236"/>
+      </dsp:txXfrm>
+    </dsp:sp>
+  </dsp:spTree>
+</dsp:drawing>
+</file>
+
+<file path=ppt/diagrams/drawing2.xml><?xml version="1.0" encoding="utf-8"?>
+<dsp:drawing xmlns:dgm="http://schemas.openxmlformats.org/drawingml/2006/diagram" xmlns:dsp="http://schemas.microsoft.com/office/drawing/2008/diagram" xmlns:a="http://schemas.openxmlformats.org/drawingml/2006/main">
+  <dsp:spTree>
+    <dsp:nvGrpSpPr>
+      <dsp:cNvPr id="0" name=""/>
+      <dsp:cNvGrpSpPr/>
+    </dsp:nvGrpSpPr>
+    <dsp:grpSpPr/>
+    <dsp:sp modelId="{38C5F895-5843-4917-8B09-AD68392DDDCA}">
+      <dsp:nvSpPr>
+        <dsp:cNvPr id="0" name=""/>
+        <dsp:cNvSpPr/>
+      </dsp:nvSpPr>
+      <dsp:spPr>
+        <a:xfrm>
+          <a:off x="862202" y="1839"/>
+          <a:ext cx="1962006" cy="981003"/>
+        </a:xfrm>
+        <a:prstGeom prst="roundRect">
+          <a:avLst>
+            <a:gd name="adj" fmla="val 10000"/>
+          </a:avLst>
+        </a:prstGeom>
+        <a:solidFill>
+          <a:schemeClr val="dk2">
+            <a:hueOff val="0"/>
+            <a:satOff val="0"/>
+            <a:lumOff val="0"/>
+            <a:alphaOff val="0"/>
+          </a:schemeClr>
+        </a:solidFill>
+        <a:ln w="34925" cap="flat" cmpd="sng" algn="in">
+          <a:solidFill>
+            <a:schemeClr val="lt2">
+              <a:hueOff val="0"/>
+              <a:satOff val="0"/>
+              <a:lumOff val="0"/>
+              <a:alphaOff val="0"/>
+            </a:schemeClr>
+          </a:solidFill>
+          <a:prstDash val="solid"/>
+        </a:ln>
+        <a:effectLst/>
+      </dsp:spPr>
+      <dsp:style>
+        <a:lnRef idx="2">
+          <a:scrgbClr r="0" g="0" b="0"/>
+        </a:lnRef>
+        <a:fillRef idx="1">
+          <a:scrgbClr r="0" g="0" b="0"/>
+        </a:fillRef>
+        <a:effectRef idx="0">
+          <a:scrgbClr r="0" g="0" b="0"/>
+        </a:effectRef>
+        <a:fontRef idx="minor">
+          <a:schemeClr val="lt1"/>
+        </a:fontRef>
+      </dsp:style>
+      <dsp:txBody>
+        <a:bodyPr spcFirstLastPara="0" vert="horz" wrap="square" lIns="59055" tIns="39370" rIns="59055" bIns="39370" numCol="1" spcCol="1270" anchor="ctr" anchorCtr="0">
+          <a:noAutofit/>
+        </a:bodyPr>
+        <a:lstStyle/>
+        <a:p>
+          <a:pPr lvl="0" algn="ctr" defTabSz="1377950">
+            <a:lnSpc>
+              <a:spcPct val="90000"/>
+            </a:lnSpc>
+            <a:spcBef>
+              <a:spcPct val="0"/>
+            </a:spcBef>
+            <a:spcAft>
+              <a:spcPct val="35000"/>
+            </a:spcAft>
+          </a:pPr>
+          <a:r>
+            <a:rPr lang="en-US" sz="3100" kern="1200" dirty="0" smtClean="0"/>
+            <a:t>Customers</a:t>
+          </a:r>
+          <a:endParaRPr lang="en-IN" sz="3100" kern="1200" dirty="0"/>
+        </a:p>
+      </dsp:txBody>
+      <dsp:txXfrm>
+        <a:off x="890935" y="30572"/>
+        <a:ext cx="1904540" cy="923537"/>
+      </dsp:txXfrm>
+    </dsp:sp>
+    <dsp:sp modelId="{642DA75B-0687-44EC-9E7E-0161AEB1F50B}">
+      <dsp:nvSpPr>
+        <dsp:cNvPr id="0" name=""/>
+        <dsp:cNvSpPr/>
+      </dsp:nvSpPr>
+      <dsp:spPr>
+        <a:xfrm>
+          <a:off x="1058403" y="982843"/>
+          <a:ext cx="196200" cy="735752"/>
+        </a:xfrm>
+        <a:custGeom>
+          <a:avLst/>
+          <a:gdLst/>
+          <a:ahLst/>
+          <a:cxnLst/>
+          <a:rect l="0" t="0" r="0" b="0"/>
+          <a:pathLst>
+            <a:path>
+              <a:moveTo>
+                <a:pt x="0" y="0"/>
+              </a:moveTo>
+              <a:lnTo>
+                <a:pt x="0" y="735752"/>
+              </a:lnTo>
+              <a:lnTo>
+                <a:pt x="196200" y="735752"/>
+              </a:lnTo>
+            </a:path>
+          </a:pathLst>
+        </a:custGeom>
+        <a:noFill/>
+        <a:ln w="34925" cap="flat" cmpd="sng" algn="in">
+          <a:solidFill>
+            <a:schemeClr val="dk2">
+              <a:shade val="60000"/>
+              <a:hueOff val="0"/>
+              <a:satOff val="0"/>
+              <a:lumOff val="0"/>
+              <a:alphaOff val="0"/>
+            </a:schemeClr>
+          </a:solidFill>
+          <a:prstDash val="solid"/>
+        </a:ln>
+        <a:effectLst/>
+      </dsp:spPr>
+      <dsp:style>
+        <a:lnRef idx="2">
+          <a:scrgbClr r="0" g="0" b="0"/>
+        </a:lnRef>
+        <a:fillRef idx="0">
+          <a:scrgbClr r="0" g="0" b="0"/>
+        </a:fillRef>
+        <a:effectRef idx="0">
+          <a:scrgbClr r="0" g="0" b="0"/>
+        </a:effectRef>
+        <a:fontRef idx="minor"/>
+      </dsp:style>
+    </dsp:sp>
+    <dsp:sp modelId="{3075C382-0F2F-47F7-AC24-22ED2C7E0E78}">
+      <dsp:nvSpPr>
+        <dsp:cNvPr id="0" name=""/>
+        <dsp:cNvSpPr/>
+      </dsp:nvSpPr>
+      <dsp:spPr>
+        <a:xfrm>
+          <a:off x="1254604" y="1228093"/>
+          <a:ext cx="1569605" cy="981003"/>
+        </a:xfrm>
+        <a:prstGeom prst="roundRect">
+          <a:avLst>
+            <a:gd name="adj" fmla="val 10000"/>
+          </a:avLst>
+        </a:prstGeom>
+        <a:solidFill>
+          <a:schemeClr val="lt2">
+            <a:alpha val="90000"/>
+            <a:hueOff val="0"/>
+            <a:satOff val="0"/>
+            <a:lumOff val="0"/>
+            <a:alphaOff val="0"/>
+          </a:schemeClr>
+        </a:solidFill>
+        <a:ln w="34925" cap="flat" cmpd="sng" algn="in">
+          <a:solidFill>
+            <a:schemeClr val="dk2">
+              <a:hueOff val="0"/>
+              <a:satOff val="0"/>
+              <a:lumOff val="0"/>
+              <a:alphaOff val="0"/>
+            </a:schemeClr>
+          </a:solidFill>
+          <a:prstDash val="solid"/>
+        </a:ln>
+        <a:effectLst/>
+      </dsp:spPr>
+      <dsp:style>
+        <a:lnRef idx="2">
+          <a:scrgbClr r="0" g="0" b="0"/>
+        </a:lnRef>
+        <a:fillRef idx="1">
+          <a:scrgbClr r="0" g="0" b="0"/>
+        </a:fillRef>
+        <a:effectRef idx="0">
+          <a:scrgbClr r="0" g="0" b="0"/>
+        </a:effectRef>
+        <a:fontRef idx="minor"/>
+      </dsp:style>
+      <dsp:txBody>
+        <a:bodyPr spcFirstLastPara="0" vert="horz" wrap="square" lIns="62865" tIns="41910" rIns="62865" bIns="41910" numCol="1" spcCol="1270" anchor="ctr" anchorCtr="0">
+          <a:noAutofit/>
+        </a:bodyPr>
+        <a:lstStyle/>
+        <a:p>
+          <a:pPr lvl="0" algn="ctr" defTabSz="1466850">
+            <a:lnSpc>
+              <a:spcPct val="90000"/>
+            </a:lnSpc>
+            <a:spcBef>
+              <a:spcPct val="0"/>
+            </a:spcBef>
+            <a:spcAft>
+              <a:spcPct val="35000"/>
+            </a:spcAft>
+          </a:pPr>
+          <a:r>
+            <a:rPr lang="en-US" sz="3300" kern="1200" dirty="0" smtClean="0"/>
+            <a:t>Retailer</a:t>
+          </a:r>
+          <a:endParaRPr lang="en-IN" sz="3300" kern="1200" dirty="0"/>
+        </a:p>
+      </dsp:txBody>
+      <dsp:txXfrm>
+        <a:off x="1283337" y="1256826"/>
+        <a:ext cx="1512139" cy="923537"/>
+      </dsp:txXfrm>
+    </dsp:sp>
+  </dsp:spTree>
+</dsp:drawing>
+</file>
+
+<file path=ppt/diagrams/layout1.xml><?xml version="1.0" encoding="utf-8"?>
+<dgm:layoutDef xmlns:dgm="http://schemas.openxmlformats.org/drawingml/2006/diagram" xmlns:a="http://schemas.openxmlformats.org/drawingml/2006/main" uniqueId="urn:microsoft.com/office/officeart/2005/8/layout/hierarchy3">
+  <dgm:title val=""/>
+  <dgm:desc val=""/>
+  <dgm:catLst>
+    <dgm:cat type="hierarchy" pri="7000"/>
+    <dgm:cat type="list" pri="23000"/>
+    <dgm:cat type="relationship" pri="15000"/>
+    <dgm:cat type="convert" pri="7000"/>
+  </dgm:catLst>
+  <dgm:sampData>
+    <dgm:dataModel>
+      <dgm:ptLst>
+        <dgm:pt modelId="0" type="doc"/>
+        <dgm:pt modelId="1">
+          <dgm:prSet phldr="1"/>
+        </dgm:pt>
+        <dgm:pt modelId="11">
+          <dgm:prSet phldr="1"/>
+        </dgm:pt>
+        <dgm:pt modelId="12">
+          <dgm:prSet phldr="1"/>
+        </dgm:pt>
+        <dgm:pt modelId="2">
+          <dgm:prSet phldr="1"/>
+        </dgm:pt>
+        <dgm:pt modelId="21">
+          <dgm:prSet phldr="1"/>
+        </dgm:pt>
+        <dgm:pt modelId="22">
+          <dgm:prSet phldr="1"/>
+        </dgm:pt>
+      </dgm:ptLst>
+      <dgm:cxnLst>
+        <dgm:cxn modelId="4" srcId="0" destId="1" srcOrd="0" destOrd="0"/>
+        <dgm:cxn modelId="5" srcId="1" destId="11" srcOrd="0" destOrd="0"/>
+        <dgm:cxn modelId="6" srcId="1" destId="12" srcOrd="1" destOrd="0"/>
+        <dgm:cxn modelId="7" srcId="0" destId="2" srcOrd="1" destOrd="0"/>
+        <dgm:cxn modelId="8" srcId="2" destId="21" srcOrd="0" destOrd="0"/>
+        <dgm:cxn modelId="9" srcId="2" destId="22" srcOrd="1" destOrd="0"/>
+      </dgm:cxnLst>
+      <dgm:bg/>
+      <dgm:whole/>
+    </dgm:dataModel>
+  </dgm:sampData>
+  <dgm:styleData>
+    <dgm:dataModel>
+      <dgm:ptLst>
+        <dgm:pt modelId="0" type="doc"/>
+        <dgm:pt modelId="1"/>
+        <dgm:pt modelId="11"/>
+        <dgm:pt modelId="2"/>
+        <dgm:pt modelId="21"/>
+      </dgm:ptLst>
+      <dgm:cxnLst>
+        <dgm:cxn modelId="4" srcId="0" destId="1" srcOrd="0" destOrd="0"/>
+        <dgm:cxn modelId="5" srcId="0" destId="2" srcOrd="1" destOrd="0"/>
+        <dgm:cxn modelId="13" srcId="1" destId="11" srcOrd="0" destOrd="0"/>
+        <dgm:cxn modelId="23" srcId="2" destId="21" srcOrd="0" destOrd="0"/>
+      </dgm:cxnLst>
+      <dgm:bg/>
+      <dgm:whole/>
+    </dgm:dataModel>
+  </dgm:styleData>
+  <dgm:clrData>
+    <dgm:dataModel>
+      <dgm:ptLst>
+        <dgm:pt modelId="0" type="doc"/>
+        <dgm:pt modelId="1"/>
+        <dgm:pt modelId="11"/>
+        <dgm:pt modelId="2"/>
+        <dgm:pt modelId="21"/>
+        <dgm:pt modelId="3"/>
+        <dgm:pt modelId="31"/>
+        <dgm:pt modelId="4"/>
+        <dgm:pt modelId="41"/>
+      </dgm:ptLst>
+      <dgm:cxnLst>
+        <dgm:cxn modelId="5" srcId="0" destId="1" srcOrd="0" destOrd="0"/>
+        <dgm:cxn modelId="6" srcId="0" destId="2" srcOrd="1" destOrd="0"/>
+        <dgm:cxn modelId="7" srcId="0" destId="3" srcOrd="2" destOrd="0"/>
+        <dgm:cxn modelId="8" srcId="0" destId="4" srcOrd="3" destOrd="0"/>
+        <dgm:cxn modelId="13" srcId="1" destId="11" srcOrd="0" destOrd="0"/>
+        <dgm:cxn modelId="23" srcId="2" destId="21" srcOrd="0" destOrd="0"/>
+        <dgm:cxn modelId="33" srcId="3" destId="31" srcOrd="0" destOrd="0"/>
+        <dgm:cxn modelId="43" srcId="4" destId="41" srcOrd="0" destOrd="0"/>
+      </dgm:cxnLst>
+      <dgm:bg/>
+      <dgm:whole/>
+    </dgm:dataModel>
+  </dgm:clrData>
+  <dgm:layoutNode name="diagram">
+    <dgm:varLst>
+      <dgm:chPref val="1"/>
+      <dgm:dir/>
+      <dgm:animOne val="branch"/>
+      <dgm:animLvl val="lvl"/>
+      <dgm:resizeHandles/>
+    </dgm:varLst>
+    <dgm:choose name="Name0">
+      <dgm:if name="Name1" func="var" arg="dir" op="equ" val="norm">
+        <dgm:alg type="hierChild">
+          <dgm:param type="linDir" val="fromL"/>
+        </dgm:alg>
+      </dgm:if>
+      <dgm:else name="Name2">
+        <dgm:alg type="hierChild">
+          <dgm:param type="linDir" val="fromR"/>
+        </dgm:alg>
+      </dgm:else>
+    </dgm:choose>
+    <dgm:shape xmlns:r="http://schemas.openxmlformats.org/officeDocument/2006/relationships" r:blip="">
+      <dgm:adjLst/>
+    </dgm:shape>
+    <dgm:presOf/>
+    <dgm:constrLst>
+      <dgm:constr type="primFontSz" for="des" forName="rootText" op="equ" val="65"/>
+      <dgm:constr type="primFontSz" for="des" forName="childText" op="equ" val="65"/>
+      <dgm:constr type="w" for="des" forName="rootComposite" refType="w"/>
+      <dgm:constr type="h" for="des" forName="rootComposite" refType="w" fact="0.5"/>
+      <dgm:constr type="w" for="des" forName="childText" refType="w" refFor="des" refForName="rootComposite" fact="0.8"/>
+      <dgm:constr type="h" for="des" forName="childText" refType="h" refFor="des" refForName="rootComposite"/>
+      <dgm:constr type="sibSp" refType="w" refFor="des" refForName="rootComposite" fact="0.25"/>
+      <dgm:constr type="sibSp" for="des" forName="childShape" refType="h" refFor="des" refForName="childText" fact="0.25"/>
+      <dgm:constr type="sp" for="des" forName="root" refType="h" refFor="des" refForName="childText" fact="0.25"/>
+    </dgm:constrLst>
+    <dgm:ruleLst/>
+    <dgm:forEach name="Name3" axis="ch">
+      <dgm:forEach name="Name4" axis="self" ptType="node" cnt="1">
+        <dgm:layoutNode name="root">
+          <dgm:choose name="Name5">
+            <dgm:if name="Name6" func="var" arg="dir" op="equ" val="norm">
+              <dgm:alg type="hierRoot">
+                <dgm:param type="hierAlign" val="tL"/>
+              </dgm:alg>
+            </dgm:if>
+            <dgm:else name="Name7">
+              <dgm:alg type="hierRoot">
+                <dgm:param type="hierAlign" val="tR"/>
+              </dgm:alg>
+            </dgm:else>
+          </dgm:choose>
+          <dgm:shape xmlns:r="http://schemas.openxmlformats.org/officeDocument/2006/relationships" r:blip="">
+            <dgm:adjLst/>
+          </dgm:shape>
+          <dgm:presOf/>
+          <dgm:constrLst>
+            <dgm:constr type="alignOff" val="0.2"/>
+          </dgm:constrLst>
+          <dgm:ruleLst/>
+          <dgm:layoutNode name="rootComposite">
+            <dgm:alg type="composite"/>
+            <dgm:shape xmlns:r="http://schemas.openxmlformats.org/officeDocument/2006/relationships" r:blip="">
+              <dgm:adjLst/>
+            </dgm:shape>
+            <dgm:presOf axis="self" ptType="node" cnt="1"/>
+            <dgm:choose name="Name8">
+              <dgm:if name="Name9" func="var" arg="dir" op="equ" val="norm">
+                <dgm:constrLst>
+                  <dgm:constr type="l" for="ch" forName="rootText"/>
+                  <dgm:constr type="t" for="ch" forName="rootText"/>
+                  <dgm:constr type="w" for="ch" forName="rootText" refType="w"/>
+                  <dgm:constr type="h" for="ch" forName="rootText" refType="h"/>
+                  <dgm:constr type="l" for="ch" forName="rootConnector"/>
+                  <dgm:constr type="t" for="ch" forName="rootConnector"/>
+                  <dgm:constr type="w" for="ch" forName="rootConnector" refType="w" refFor="ch" refForName="rootText" fact="0.2"/>
+                  <dgm:constr type="h" for="ch" forName="rootConnector" refType="h" refFor="ch" refForName="rootText"/>
+                </dgm:constrLst>
+              </dgm:if>
+              <dgm:else name="Name10">
+                <dgm:constrLst>
+                  <dgm:constr type="l" for="ch" forName="rootText"/>
+                  <dgm:constr type="t" for="ch" forName="rootText"/>
+                  <dgm:constr type="w" for="ch" forName="rootText" refType="w"/>
+                  <dgm:constr type="h" for="ch" forName="rootText" refType="h"/>
+                  <dgm:constr type="r" for="ch" forName="rootConnector" refType="w"/>
+                  <dgm:constr type="t" for="ch" forName="rootConnector"/>
+                  <dgm:constr type="w" for="ch" forName="rootConnector" refType="w" refFor="ch" refForName="rootText" fact="0.2"/>
+                  <dgm:constr type="h" for="ch" forName="rootConnector" refType="h" refFor="ch" refForName="rootText"/>
+                </dgm:constrLst>
+              </dgm:else>
+            </dgm:choose>
+            <dgm:ruleLst/>
+            <dgm:layoutNode name="rootText" styleLbl="node1">
+              <dgm:alg type="tx"/>
+              <dgm:shape xmlns:r="http://schemas.openxmlformats.org/officeDocument/2006/relationships" type="roundRect" r:blip="">
+                <dgm:adjLst>
+                  <dgm:adj idx="1" val="0.1"/>
+                </dgm:adjLst>
+              </dgm:shape>
+              <dgm:presOf axis="self" ptType="node" cnt="1"/>
+              <dgm:constrLst>
+                <dgm:constr type="tMarg" refType="primFontSz" fact="0.1"/>
+                <dgm:constr type="bMarg" refType="primFontSz" fact="0.1"/>
+                <dgm:constr type="lMarg" refType="primFontSz" fact="0.15"/>
+                <dgm:constr type="rMarg" refType="primFontSz" fact="0.15"/>
+              </dgm:constrLst>
+              <dgm:ruleLst>
+                <dgm:rule type="primFontSz" val="5" fact="NaN" max="NaN"/>
+              </dgm:ruleLst>
+            </dgm:layoutNode>
+            <dgm:layoutNode name="rootConnector" moveWith="rootText">
+              <dgm:alg type="sp"/>
+              <dgm:shape xmlns:r="http://schemas.openxmlformats.org/officeDocument/2006/relationships" type="roundRect" r:blip="" hideGeom="1">
+                <dgm:adjLst>
+                  <dgm:adj idx="1" val="0.1"/>
+                </dgm:adjLst>
+              </dgm:shape>
+              <dgm:presOf axis="self" ptType="node" cnt="1"/>
+              <dgm:constrLst/>
+              <dgm:ruleLst/>
+            </dgm:layoutNode>
+          </dgm:layoutNode>
+          <dgm:layoutNode name="childShape">
+            <dgm:alg type="hierChild">
+              <dgm:param type="chAlign" val="l"/>
+              <dgm:param type="linDir" val="fromT"/>
+            </dgm:alg>
+            <dgm:shape xmlns:r="http://schemas.openxmlformats.org/officeDocument/2006/relationships" r:blip="">
+              <dgm:adjLst/>
+            </dgm:shape>
+            <dgm:presOf/>
+            <dgm:constrLst/>
+            <dgm:ruleLst/>
+            <dgm:forEach name="Name11" axis="ch">
+              <dgm:forEach name="Name12" axis="self" ptType="parTrans" cnt="1">
+                <dgm:layoutNode name="Name13">
+                  <dgm:choose name="Name14">
+                    <dgm:if name="Name15" func="var" arg="dir" op="equ" val="norm">
+                      <dgm:alg type="conn">
+                        <dgm:param type="dim" val="1D"/>
+                        <dgm:param type="endSty" val="noArr"/>
+                        <dgm:param type="connRout" val="bend"/>
+                        <dgm:param type="srcNode" val="rootConnector"/>
+                        <dgm:param type="begPts" val="bCtr"/>
+                        <dgm:param type="endPts" val="midL"/>
+                      </dgm:alg>
+                    </dgm:if>
+                    <dgm:else name="Name16">
+                      <dgm:alg type="conn">
+                        <dgm:param type="dim" val="1D"/>
+                        <dgm:param type="endSty" val="noArr"/>
+                        <dgm:param type="connRout" val="bend"/>
+                        <dgm:param type="srcNode" val="rootConnector"/>
+                        <dgm:param type="begPts" val="bCtr"/>
+                        <dgm:param type="endPts" val="midR"/>
+                      </dgm:alg>
+                    </dgm:else>
+                  </dgm:choose>
+                  <dgm:shape xmlns:r="http://schemas.openxmlformats.org/officeDocument/2006/relationships" type="conn" r:blip="">
+                    <dgm:adjLst/>
+                  </dgm:shape>
+                  <dgm:presOf axis="self"/>
+                  <dgm:constrLst>
+                    <dgm:constr type="begPad"/>
+                    <dgm:constr type="endPad"/>
+                  </dgm:constrLst>
+                  <dgm:ruleLst/>
+                </dgm:layoutNode>
+              </dgm:forEach>
+              <dgm:forEach name="Name17" axis="self" ptType="node">
+                <dgm:layoutNode name="childText" styleLbl="bgAcc1">
+                  <dgm:varLst>
+                    <dgm:bulletEnabled val="1"/>
+                  </dgm:varLst>
+                  <dgm:alg type="tx"/>
+                  <dgm:shape xmlns:r="http://schemas.openxmlformats.org/officeDocument/2006/relationships" type="roundRect" r:blip="">
+                    <dgm:adjLst>
+                      <dgm:adj idx="1" val="0.1"/>
+                    </dgm:adjLst>
+                  </dgm:shape>
+                  <dgm:presOf axis="self desOrSelf" ptType="node node" st="1 1" cnt="1 0"/>
+                  <dgm:constrLst>
+                    <dgm:constr type="tMarg" refType="primFontSz" fact="0.1"/>
+                    <dgm:constr type="bMarg" refType="primFontSz" fact="0.1"/>
+                    <dgm:constr type="lMarg" refType="primFontSz" fact="0.15"/>
+                    <dgm:constr type="rMarg" refType="primFontSz" fact="0.15"/>
+                  </dgm:constrLst>
+                  <dgm:ruleLst>
+                    <dgm:rule type="primFontSz" val="5" fact="NaN" max="NaN"/>
+                  </dgm:ruleLst>
+                </dgm:layoutNode>
+              </dgm:forEach>
+            </dgm:forEach>
+          </dgm:layoutNode>
+        </dgm:layoutNode>
+      </dgm:forEach>
+    </dgm:forEach>
+  </dgm:layoutNode>
+</dgm:layoutDef>
+</file>
+
+<file path=ppt/diagrams/layout2.xml><?xml version="1.0" encoding="utf-8"?>
+<dgm:layoutDef xmlns:dgm="http://schemas.openxmlformats.org/drawingml/2006/diagram" xmlns:a="http://schemas.openxmlformats.org/drawingml/2006/main" uniqueId="urn:microsoft.com/office/officeart/2005/8/layout/hierarchy3">
+  <dgm:title val=""/>
+  <dgm:desc val=""/>
+  <dgm:catLst>
+    <dgm:cat type="hierarchy" pri="7000"/>
+    <dgm:cat type="list" pri="23000"/>
+    <dgm:cat type="relationship" pri="15000"/>
+    <dgm:cat type="convert" pri="7000"/>
+  </dgm:catLst>
+  <dgm:sampData>
+    <dgm:dataModel>
+      <dgm:ptLst>
+        <dgm:pt modelId="0" type="doc"/>
+        <dgm:pt modelId="1">
+          <dgm:prSet phldr="1"/>
+        </dgm:pt>
+        <dgm:pt modelId="11">
+          <dgm:prSet phldr="1"/>
+        </dgm:pt>
+        <dgm:pt modelId="12">
+          <dgm:prSet phldr="1"/>
+        </dgm:pt>
+        <dgm:pt modelId="2">
+          <dgm:prSet phldr="1"/>
+        </dgm:pt>
+        <dgm:pt modelId="21">
+          <dgm:prSet phldr="1"/>
+        </dgm:pt>
+        <dgm:pt modelId="22">
+          <dgm:prSet phldr="1"/>
+        </dgm:pt>
+      </dgm:ptLst>
+      <dgm:cxnLst>
+        <dgm:cxn modelId="4" srcId="0" destId="1" srcOrd="0" destOrd="0"/>
+        <dgm:cxn modelId="5" srcId="1" destId="11" srcOrd="0" destOrd="0"/>
+        <dgm:cxn modelId="6" srcId="1" destId="12" srcOrd="1" destOrd="0"/>
+        <dgm:cxn modelId="7" srcId="0" destId="2" srcOrd="1" destOrd="0"/>
+        <dgm:cxn modelId="8" srcId="2" destId="21" srcOrd="0" destOrd="0"/>
+        <dgm:cxn modelId="9" srcId="2" destId="22" srcOrd="1" destOrd="0"/>
+      </dgm:cxnLst>
+      <dgm:bg/>
+      <dgm:whole/>
+    </dgm:dataModel>
+  </dgm:sampData>
+  <dgm:styleData>
+    <dgm:dataModel>
+      <dgm:ptLst>
+        <dgm:pt modelId="0" type="doc"/>
+        <dgm:pt modelId="1"/>
+        <dgm:pt modelId="11"/>
+        <dgm:pt modelId="2"/>
+        <dgm:pt modelId="21"/>
+      </dgm:ptLst>
+      <dgm:cxnLst>
+        <dgm:cxn modelId="4" srcId="0" destId="1" srcOrd="0" destOrd="0"/>
+        <dgm:cxn modelId="5" srcId="0" destId="2" srcOrd="1" destOrd="0"/>
+        <dgm:cxn modelId="13" srcId="1" destId="11" srcOrd="0" destOrd="0"/>
+        <dgm:cxn modelId="23" srcId="2" destId="21" srcOrd="0" destOrd="0"/>
+      </dgm:cxnLst>
+      <dgm:bg/>
+      <dgm:whole/>
+    </dgm:dataModel>
+  </dgm:styleData>
+  <dgm:clrData>
+    <dgm:dataModel>
+      <dgm:ptLst>
+        <dgm:pt modelId="0" type="doc"/>
+        <dgm:pt modelId="1"/>
+        <dgm:pt modelId="11"/>
+        <dgm:pt modelId="2"/>
+        <dgm:pt modelId="21"/>
+        <dgm:pt modelId="3"/>
+        <dgm:pt modelId="31"/>
+        <dgm:pt modelId="4"/>
+        <dgm:pt modelId="41"/>
+      </dgm:ptLst>
+      <dgm:cxnLst>
+        <dgm:cxn modelId="5" srcId="0" destId="1" srcOrd="0" destOrd="0"/>
+        <dgm:cxn modelId="6" srcId="0" destId="2" srcOrd="1" destOrd="0"/>
+        <dgm:cxn modelId="7" srcId="0" destId="3" srcOrd="2" destOrd="0"/>
+        <dgm:cxn modelId="8" srcId="0" destId="4" srcOrd="3" destOrd="0"/>
+        <dgm:cxn modelId="13" srcId="1" destId="11" srcOrd="0" destOrd="0"/>
+        <dgm:cxn modelId="23" srcId="2" destId="21" srcOrd="0" destOrd="0"/>
+        <dgm:cxn modelId="33" srcId="3" destId="31" srcOrd="0" destOrd="0"/>
+        <dgm:cxn modelId="43" srcId="4" destId="41" srcOrd="0" destOrd="0"/>
+      </dgm:cxnLst>
+      <dgm:bg/>
+      <dgm:whole/>
+    </dgm:dataModel>
+  </dgm:clrData>
+  <dgm:layoutNode name="diagram">
+    <dgm:varLst>
+      <dgm:chPref val="1"/>
+      <dgm:dir/>
+      <dgm:animOne val="branch"/>
+      <dgm:animLvl val="lvl"/>
+      <dgm:resizeHandles/>
+    </dgm:varLst>
+    <dgm:choose name="Name0">
+      <dgm:if name="Name1" func="var" arg="dir" op="equ" val="norm">
+        <dgm:alg type="hierChild">
+          <dgm:param type="linDir" val="fromL"/>
+        </dgm:alg>
+      </dgm:if>
+      <dgm:else name="Name2">
+        <dgm:alg type="hierChild">
+          <dgm:param type="linDir" val="fromR"/>
+        </dgm:alg>
+      </dgm:else>
+    </dgm:choose>
+    <dgm:shape xmlns:r="http://schemas.openxmlformats.org/officeDocument/2006/relationships" r:blip="">
+      <dgm:adjLst/>
+    </dgm:shape>
+    <dgm:presOf/>
+    <dgm:constrLst>
+      <dgm:constr type="primFontSz" for="des" forName="rootText" op="equ" val="65"/>
+      <dgm:constr type="primFontSz" for="des" forName="childText" op="equ" val="65"/>
+      <dgm:constr type="w" for="des" forName="rootComposite" refType="w"/>
+      <dgm:constr type="h" for="des" forName="rootComposite" refType="w" fact="0.5"/>
+      <dgm:constr type="w" for="des" forName="childText" refType="w" refFor="des" refForName="rootComposite" fact="0.8"/>
+      <dgm:constr type="h" for="des" forName="childText" refType="h" refFor="des" refForName="rootComposite"/>
+      <dgm:constr type="sibSp" refType="w" refFor="des" refForName="rootComposite" fact="0.25"/>
+      <dgm:constr type="sibSp" for="des" forName="childShape" refType="h" refFor="des" refForName="childText" fact="0.25"/>
+      <dgm:constr type="sp" for="des" forName="root" refType="h" refFor="des" refForName="childText" fact="0.25"/>
+    </dgm:constrLst>
+    <dgm:ruleLst/>
+    <dgm:forEach name="Name3" axis="ch">
+      <dgm:forEach name="Name4" axis="self" ptType="node" cnt="1">
+        <dgm:layoutNode name="root">
+          <dgm:choose name="Name5">
+            <dgm:if name="Name6" func="var" arg="dir" op="equ" val="norm">
+              <dgm:alg type="hierRoot">
+                <dgm:param type="hierAlign" val="tL"/>
+              </dgm:alg>
+            </dgm:if>
+            <dgm:else name="Name7">
+              <dgm:alg type="hierRoot">
+                <dgm:param type="hierAlign" val="tR"/>
+              </dgm:alg>
+            </dgm:else>
+          </dgm:choose>
+          <dgm:shape xmlns:r="http://schemas.openxmlformats.org/officeDocument/2006/relationships" r:blip="">
+            <dgm:adjLst/>
+          </dgm:shape>
+          <dgm:presOf/>
+          <dgm:constrLst>
+            <dgm:constr type="alignOff" val="0.2"/>
+          </dgm:constrLst>
+          <dgm:ruleLst/>
+          <dgm:layoutNode name="rootComposite">
+            <dgm:alg type="composite"/>
+            <dgm:shape xmlns:r="http://schemas.openxmlformats.org/officeDocument/2006/relationships" r:blip="">
+              <dgm:adjLst/>
+            </dgm:shape>
+            <dgm:presOf axis="self" ptType="node" cnt="1"/>
+            <dgm:choose name="Name8">
+              <dgm:if name="Name9" func="var" arg="dir" op="equ" val="norm">
+                <dgm:constrLst>
+                  <dgm:constr type="l" for="ch" forName="rootText"/>
+                  <dgm:constr type="t" for="ch" forName="rootText"/>
+                  <dgm:constr type="w" for="ch" forName="rootText" refType="w"/>
+                  <dgm:constr type="h" for="ch" forName="rootText" refType="h"/>
+                  <dgm:constr type="l" for="ch" forName="rootConnector"/>
+                  <dgm:constr type="t" for="ch" forName="rootConnector"/>
+                  <dgm:constr type="w" for="ch" forName="rootConnector" refType="w" refFor="ch" refForName="rootText" fact="0.2"/>
+                  <dgm:constr type="h" for="ch" forName="rootConnector" refType="h" refFor="ch" refForName="rootText"/>
+                </dgm:constrLst>
+              </dgm:if>
+              <dgm:else name="Name10">
+                <dgm:constrLst>
+                  <dgm:constr type="l" for="ch" forName="rootText"/>
+                  <dgm:constr type="t" for="ch" forName="rootText"/>
+                  <dgm:constr type="w" for="ch" forName="rootText" refType="w"/>
+                  <dgm:constr type="h" for="ch" forName="rootText" refType="h"/>
+                  <dgm:constr type="r" for="ch" forName="rootConnector" refType="w"/>
+                  <dgm:constr type="t" for="ch" forName="rootConnector"/>
+                  <dgm:constr type="w" for="ch" forName="rootConnector" refType="w" refFor="ch" refForName="rootText" fact="0.2"/>
+                  <dgm:constr type="h" for="ch" forName="rootConnector" refType="h" refFor="ch" refForName="rootText"/>
+                </dgm:constrLst>
+              </dgm:else>
+            </dgm:choose>
+            <dgm:ruleLst/>
+            <dgm:layoutNode name="rootText" styleLbl="node1">
+              <dgm:alg type="tx"/>
+              <dgm:shape xmlns:r="http://schemas.openxmlformats.org/officeDocument/2006/relationships" type="roundRect" r:blip="">
+                <dgm:adjLst>
+                  <dgm:adj idx="1" val="0.1"/>
+                </dgm:adjLst>
+              </dgm:shape>
+              <dgm:presOf axis="self" ptType="node" cnt="1"/>
+              <dgm:constrLst>
+                <dgm:constr type="tMarg" refType="primFontSz" fact="0.1"/>
+                <dgm:constr type="bMarg" refType="primFontSz" fact="0.1"/>
+                <dgm:constr type="lMarg" refType="primFontSz" fact="0.15"/>
+                <dgm:constr type="rMarg" refType="primFontSz" fact="0.15"/>
+              </dgm:constrLst>
+              <dgm:ruleLst>
+                <dgm:rule type="primFontSz" val="5" fact="NaN" max="NaN"/>
+              </dgm:ruleLst>
+            </dgm:layoutNode>
+            <dgm:layoutNode name="rootConnector" moveWith="rootText">
+              <dgm:alg type="sp"/>
+              <dgm:shape xmlns:r="http://schemas.openxmlformats.org/officeDocument/2006/relationships" type="roundRect" r:blip="" hideGeom="1">
+                <dgm:adjLst>
+                  <dgm:adj idx="1" val="0.1"/>
+                </dgm:adjLst>
+              </dgm:shape>
+              <dgm:presOf axis="self" ptType="node" cnt="1"/>
+              <dgm:constrLst/>
+              <dgm:ruleLst/>
+            </dgm:layoutNode>
+          </dgm:layoutNode>
+          <dgm:layoutNode name="childShape">
+            <dgm:alg type="hierChild">
+              <dgm:param type="chAlign" val="l"/>
+              <dgm:param type="linDir" val="fromT"/>
+            </dgm:alg>
+            <dgm:shape xmlns:r="http://schemas.openxmlformats.org/officeDocument/2006/relationships" r:blip="">
+              <dgm:adjLst/>
+            </dgm:shape>
+            <dgm:presOf/>
+            <dgm:constrLst/>
+            <dgm:ruleLst/>
+            <dgm:forEach name="Name11" axis="ch">
+              <dgm:forEach name="Name12" axis="self" ptType="parTrans" cnt="1">
+                <dgm:layoutNode name="Name13">
+                  <dgm:choose name="Name14">
+                    <dgm:if name="Name15" func="var" arg="dir" op="equ" val="norm">
+                      <dgm:alg type="conn">
+                        <dgm:param type="dim" val="1D"/>
+                        <dgm:param type="endSty" val="noArr"/>
+                        <dgm:param type="connRout" val="bend"/>
+                        <dgm:param type="srcNode" val="rootConnector"/>
+                        <dgm:param type="begPts" val="bCtr"/>
+                        <dgm:param type="endPts" val="midL"/>
+                      </dgm:alg>
+                    </dgm:if>
+                    <dgm:else name="Name16">
+                      <dgm:alg type="conn">
+                        <dgm:param type="dim" val="1D"/>
+                        <dgm:param type="endSty" val="noArr"/>
+                        <dgm:param type="connRout" val="bend"/>
+                        <dgm:param type="srcNode" val="rootConnector"/>
+                        <dgm:param type="begPts" val="bCtr"/>
+                        <dgm:param type="endPts" val="midR"/>
+                      </dgm:alg>
+                    </dgm:else>
+                  </dgm:choose>
+                  <dgm:shape xmlns:r="http://schemas.openxmlformats.org/officeDocument/2006/relationships" type="conn" r:blip="">
+                    <dgm:adjLst/>
+                  </dgm:shape>
+                  <dgm:presOf axis="self"/>
+                  <dgm:constrLst>
+                    <dgm:constr type="begPad"/>
+                    <dgm:constr type="endPad"/>
+                  </dgm:constrLst>
+                  <dgm:ruleLst/>
+                </dgm:layoutNode>
+              </dgm:forEach>
+              <dgm:forEach name="Name17" axis="self" ptType="node">
+                <dgm:layoutNode name="childText" styleLbl="bgAcc1">
+                  <dgm:varLst>
+                    <dgm:bulletEnabled val="1"/>
+                  </dgm:varLst>
+                  <dgm:alg type="tx"/>
+                  <dgm:shape xmlns:r="http://schemas.openxmlformats.org/officeDocument/2006/relationships" type="roundRect" r:blip="">
+                    <dgm:adjLst>
+                      <dgm:adj idx="1" val="0.1"/>
+                    </dgm:adjLst>
+                  </dgm:shape>
+                  <dgm:presOf axis="self desOrSelf" ptType="node node" st="1 1" cnt="1 0"/>
+                  <dgm:constrLst>
+                    <dgm:constr type="tMarg" refType="primFontSz" fact="0.1"/>
+                    <dgm:constr type="bMarg" refType="primFontSz" fact="0.1"/>
+                    <dgm:constr type="lMarg" refType="primFontSz" fact="0.15"/>
+                    <dgm:constr type="rMarg" refType="primFontSz" fact="0.15"/>
+                  </dgm:constrLst>
+                  <dgm:ruleLst>
+                    <dgm:rule type="primFontSz" val="5" fact="NaN" max="NaN"/>
+                  </dgm:ruleLst>
+                </dgm:layoutNode>
+              </dgm:forEach>
+            </dgm:forEach>
+          </dgm:layoutNode>
+        </dgm:layoutNode>
+      </dgm:forEach>
+    </dgm:forEach>
+  </dgm:layoutNode>
+</dgm:layoutDef>
+</file>
+
+<file path=ppt/diagrams/quickStyle1.xml><?xml version="1.0" encoding="utf-8"?>
+<dgm:styleDef xmlns:dgm="http://schemas.openxmlformats.org/drawingml/2006/diagram" xmlns:a="http://schemas.openxmlformats.org/drawingml/2006/main" uniqueId="urn:microsoft.com/office/officeart/2005/8/quickstyle/simple1">
+  <dgm:title val=""/>
+  <dgm:desc val=""/>
+  <dgm:catLst>
+    <dgm:cat type="simple" pri="10100"/>
+  </dgm:catLst>
+  <dgm:scene3d>
+    <a:camera prst="orthographicFront"/>
+    <a:lightRig rig="threePt" dir="t"/>
+  </dgm:scene3d>
+  <dgm:styleLbl name="node0">
+    <dgm:scene3d>
+      <a:camera prst="orthographicFront"/>
+      <a:lightRig rig="threePt" dir="t"/>
+    </dgm:scene3d>
+    <dgm:sp3d/>
+    <dgm:txPr/>
+    <dgm:style>
+      <a:lnRef idx="2">
+        <a:scrgbClr r="0" g="0" b="0"/>
+      </a:lnRef>
+      <a:fillRef idx="1">
+        <a:scrgbClr r="0" g="0" b="0"/>
+      </a:fillRef>
+      <a:effectRef idx="0">
+        <a:scrgbClr r="0" g="0" b="0"/>
+      </a:effectRef>
+      <a:fontRef idx="minor">
+        <a:schemeClr val="lt1"/>
+      </a:fontRef>
+    </dgm:style>
+  </dgm:styleLbl>
+  <dgm:styleLbl name="lnNode1">
+    <dgm:scene3d>
+      <a:camera prst="orthographicFront"/>
+      <a:lightRig rig="threePt" dir="t"/>
+    </dgm:scene3d>
+    <dgm:sp3d/>
+    <dgm:txPr/>
+    <dgm:style>
+      <a:lnRef idx="2">
+        <a:scrgbClr r="0" g="0" b="0"/>
+      </a:lnRef>
+      <a:fillRef idx="1">
+        <a:scrgbClr r="0" g="0" b="0"/>
+      </a:fillRef>
+      <a:effectRef idx="0">
+        <a:scrgbClr r="0" g="0" b="0"/>
+      </a:effectRef>
+      <a:fontRef idx="minor">
+        <a:schemeClr val="lt1"/>
+      </a:fontRef>
+    </dgm:style>
+  </dgm:styleLbl>
+  <dgm:styleLbl name="vennNode1">
+    <dgm:scene3d>
+      <a:camera prst="orthographicFront"/>
+      <a:lightRig rig="threePt" dir="t"/>
+    </dgm:scene3d>
+    <dgm:sp3d/>
+    <dgm:txPr/>
+    <dgm:style>
+      <a:lnRef idx="2">
+        <a:scrgbClr r="0" g="0" b="0"/>
+      </a:lnRef>
+      <a:fillRef idx="1">
+        <a:scrgbClr r="0" g="0" b="0"/>
+      </a:fillRef>
+      <a:effectRef idx="0">
+        <a:scrgbClr r="0" g="0" b="0"/>
+      </a:effectRef>
+      <a:fontRef idx="minor">
+        <a:schemeClr val="tx1"/>
+      </a:fontRef>
+    </dgm:style>
+  </dgm:styleLbl>
+  <dgm:styleLbl name="alignNode1">
+    <dgm:scene3d>
+      <a:camera prst="orthographicFront"/>
+      <a:lightRig rig="threePt" dir="t"/>
+    </dgm:scene3d>
+    <dgm:sp3d/>
+    <dgm:txPr/>
+    <dgm:style>
+      <a:lnRef idx="2">
+        <a:scrgbClr r="0" g="0" b="0"/>
+      </a:lnRef>
+      <a:fillRef idx="1">
+        <a:scrgbClr r="0" g="0" b="0"/>
+      </a:fillRef>
+      <a:effectRef idx="0">
+        <a:scrgbClr r="0" g="0" b="0"/>
+      </a:effectRef>
+      <a:fontRef idx="minor">
+        <a:schemeClr val="lt1"/>
+      </a:fontRef>
+    </dgm:style>
+  </dgm:styleLbl>
+  <dgm:styleLbl name="node1">
+    <dgm:scene3d>
+      <a:camera prst="orthographicFront"/>
+      <a:lightRig rig="threePt" dir="t"/>
+    </dgm:scene3d>
+    <dgm:sp3d/>
+    <dgm:txPr/>
+    <dgm:style>
+      <a:lnRef idx="2">
+        <a:scrgbClr r="0" g="0" b="0"/>
+      </a:lnRef>
+      <a:fillRef idx="1">
+        <a:scrgbClr r="0" g="0" b="0"/>
+      </a:fillRef>
+      <a:effectRef idx="0">
+        <a:scrgbClr r="0" g="0" b="0"/>
+      </a:effectRef>
+      <a:fontRef idx="minor">
+        <a:schemeClr val="lt1"/>
+      </a:fontRef>
+    </dgm:style>
+  </dgm:styleLbl>
+  <dgm:styleLbl name="node2">
+    <dgm:scene3d>
+      <a:camera prst="orthographicFront"/>
+      <a:lightRig rig="threePt" dir="t"/>
+    </dgm:scene3d>
+    <dgm:sp3d/>
+    <dgm:txPr/>
+    <dgm:style>
+      <a:lnRef idx="2">
+        <a:scrgbClr r="0" g="0" b="0"/>
+      </a:lnRef>
+      <a:fillRef idx="1">
+        <a:scrgbClr r="0" g="0" b="0"/>
+      </a:fillRef>
+      <a:effectRef idx="0">
+        <a:scrgbClr r="0" g="0" b="0"/>
+      </a:effectRef>
+      <a:fontRef idx="minor">
+        <a:schemeClr val="lt1"/>
+      </a:fontRef>
+    </dgm:style>
+  </dgm:styleLbl>
+  <dgm:styleLbl name="node3">
+    <dgm:scene3d>
+      <a:camera prst="orthographicFront"/>
+      <a:lightRig rig="threePt" dir="t"/>
+    </dgm:scene3d>
+    <dgm:sp3d/>
+    <dgm:txPr/>
+    <dgm:style>
+      <a:lnRef idx="2">
+        <a:scrgbClr r="0" g="0" b="0"/>
+      </a:lnRef>
+      <a:fillRef idx="1">
+        <a:scrgbClr r="0" g="0" b="0"/>
+      </a:fillRef>
+      <a:effectRef idx="0">
+        <a:scrgbClr r="0" g="0" b="0"/>
+      </a:effectRef>
+      <a:fontRef idx="minor">
+        <a:schemeClr val="lt1"/>
+      </a:fontRef>
+    </dgm:style>
+  </dgm:styleLbl>
+  <dgm:styleLbl name="node4">
+    <dgm:scene3d>
+      <a:camera prst="orthographicFront"/>
+      <a:lightRig rig="threePt" dir="t"/>
+    </dgm:scene3d>
+    <dgm:sp3d/>
+    <dgm:txPr/>
+    <dgm:style>
+      <a:lnRef idx="2">
+        <a:scrgbClr r="0" g="0" b="0"/>
+      </a:lnRef>
+      <a:fillRef idx="1">
+        <a:scrgbClr r="0" g="0" b="0"/>
+      </a:fillRef>
+      <a:effectRef idx="0">
+        <a:scrgbClr r="0" g="0" b="0"/>
+      </a:effectRef>
+      <a:fontRef idx="minor">
+        <a:schemeClr val="lt1"/>
+      </a:fontRef>
+    </dgm:style>
+  </dgm:styleLbl>
+  <dgm:styleLbl name="fgImgPlace1">
+    <dgm:scene3d>
+      <a:camera prst="orthographicFront"/>
+      <a:lightRig rig="threePt" dir="t"/>
+    </dgm:scene3d>
+    <dgm:sp3d/>
+    <dgm:txPr/>
+    <dgm:style>
+      <a:lnRef idx="2">
+        <a:scrgbClr r="0" g="0" b="0"/>
+      </a:lnRef>
+      <a:fillRef idx="1">
+        <a:scrgbClr r="0" g="0" b="0"/>
+      </a:fillRef>
+      <a:effectRef idx="0">
+        <a:scrgbClr r="0" g="0" b="0"/>
+      </a:effectRef>
+      <a:fontRef idx="minor"/>
+    </dgm:style>
+  </dgm:styleLbl>
+  <dgm:styleLbl name="alignImgPlace1">
+    <dgm:scene3d>
+      <a:camera prst="orthographicFront"/>
+      <a:lightRig rig="threePt" dir="t"/>
+    </dgm:scene3d>
+    <dgm:sp3d/>
+    <dgm:txPr/>
+    <dgm:style>
+      <a:lnRef idx="2">
+        <a:scrgbClr r="0" g="0" b="0"/>
+      </a:lnRef>
+      <a:fillRef idx="1">
+        <a:scrgbClr r="0" g="0" b="0"/>
+      </a:fillRef>
+      <a:effectRef idx="0">
+        <a:scrgbClr r="0" g="0" b="0"/>
+      </a:effectRef>
+      <a:fontRef idx="minor"/>
+    </dgm:style>
+  </dgm:styleLbl>
+  <dgm:styleLbl name="bgImgPlace1">
+    <dgm:scene3d>
+      <a:camera prst="orthographicFront"/>
+      <a:lightRig rig="threePt" dir="t"/>
+    </dgm:scene3d>
+    <dgm:sp3d/>
+    <dgm:txPr/>
+    <dgm:style>
+      <a:lnRef idx="2">
+        <a:scrgbClr r="0" g="0" b="0"/>
+      </a:lnRef>
+      <a:fillRef idx="1">
+        <a:scrgbClr r="0" g="0" b="0"/>
+      </a:fillRef>
+      <a:effectRef idx="0">
+        <a:scrgbClr r="0" g="0" b="0"/>
+      </a:effectRef>
+      <a:fontRef idx="minor"/>
+    </dgm:style>
+  </dgm:styleLbl>
+  <dgm:styleLbl name="sibTrans2D1">
+    <dgm:scene3d>
+      <a:camera prst="orthographicFront"/>
+      <a:lightRig rig="threePt" dir="t"/>
+    </dgm:scene3d>
+    <dgm:sp3d/>
+    <dgm:txPr/>
+    <dgm:style>
+      <a:lnRef idx="0">
+        <a:scrgbClr r="0" g="0" b="0"/>
+      </a:lnRef>
+      <a:fillRef idx="1">
+        <a:scrgbClr r="0" g="0" b="0"/>
+      </a:fillRef>
+      <a:effectRef idx="0">
+        <a:scrgbClr r="0" g="0" b="0"/>
+      </a:effectRef>
+      <a:fontRef idx="minor">
+        <a:schemeClr val="lt1"/>
+      </a:fontRef>
+    </dgm:style>
+  </dgm:styleLbl>
+  <dgm:styleLbl name="fgSibTrans2D1">
+    <dgm:scene3d>
+      <a:camera prst="orthographicFront"/>
+      <a:lightRig rig="threePt" dir="t"/>
+    </dgm:scene3d>
+    <dgm:sp3d/>
+    <dgm:txPr/>
+    <dgm:style>
+      <a:lnRef idx="0">
+        <a:scrgbClr r="0" g="0" b="0"/>
+      </a:lnRef>
+      <a:fillRef idx="1">
+        <a:scrgbClr r="0" g="0" b="0"/>
+      </a:fillRef>
+      <a:effectRef idx="0">
+        <a:scrgbClr r="0" g="0" b="0"/>
+      </a:effectRef>
+      <a:fontRef idx="minor">
+        <a:schemeClr val="lt1"/>
+      </a:fontRef>
+    </dgm:style>
+  </dgm:styleLbl>
+  <dgm:styleLbl name="bgSibTrans2D1">
+    <dgm:scene3d>
+      <a:camera prst="orthographicFront"/>
+      <a:lightRig rig="threePt" dir="t"/>
+    </dgm:scene3d>
+    <dgm:sp3d/>
+    <dgm:txPr/>
+    <dgm:style>
+      <a:lnRef idx="0">
+        <a:scrgbClr r="0" g="0" b="0"/>
+      </a:lnRef>
+      <a:fillRef idx="1">
+        <a:scrgbClr r="0" g="0" b="0"/>
+      </a:fillRef>
+      <a:effectRef idx="0">
+        <a:scrgbClr r="0" g="0" b="0"/>
+      </a:effectRef>
+      <a:fontRef idx="minor">
+        <a:schemeClr val="lt1"/>
+      </a:fontRef>
+    </dgm:style>
+  </dgm:styleLbl>
+  <dgm:styleLbl name="sibTrans1D1">
+    <dgm:scene3d>
+      <a:camera prst="orthographicFront"/>
+      <a:lightRig rig="threePt" dir="t"/>
+    </dgm:scene3d>
+    <dgm:sp3d/>
+    <dgm:txPr/>
+    <dgm:style>
+      <a:lnRef idx="1">
+        <a:scrgbClr r="0" g="0" b="0"/>
+      </a:lnRef>
+      <a:fillRef idx="0">
+        <a:scrgbClr r="0" g="0" b="0"/>
+      </a:fillRef>
+      <a:effectRef idx="0">
+        <a:scrgbClr r="0" g="0" b="0"/>
+      </a:effectRef>
+      <a:fontRef idx="minor"/>
+    </dgm:style>
+  </dgm:styleLbl>
+  <dgm:styleLbl name="callout">
+    <dgm:scene3d>
+      <a:camera prst="orthographicFront"/>
+      <a:lightRig rig="threePt" dir="t"/>
+    </dgm:scene3d>
+    <dgm:sp3d/>
+    <dgm:txPr/>
+    <dgm:style>
+      <a:lnRef idx="2">
+        <a:scrgbClr r="0" g="0" b="0"/>
+      </a:lnRef>
+      <a:fillRef idx="1">
+        <a:scrgbClr r="0" g="0" b="0"/>
+      </a:fillRef>
+      <a:effectRef idx="0">
+        <a:scrgbClr r="0" g="0" b="0"/>
+      </a:effectRef>
+      <a:fontRef idx="minor"/>
+    </dgm:style>
+  </dgm:styleLbl>
+  <dgm:styleLbl name="asst0">
+    <dgm:scene3d>
+      <a:camera prst="orthographicFront"/>
+      <a:lightRig rig="threePt" dir="t"/>
+    </dgm:scene3d>
+    <dgm:sp3d/>
+    <dgm:txPr/>
+    <dgm:style>
+      <a:lnRef idx="2">
+        <a:scrgbClr r="0" g="0" b="0"/>
+      </a:lnRef>
+      <a:fillRef idx="1">
+        <a:scrgbClr r="0" g="0" b="0"/>
+      </a:fillRef>
+      <a:effectRef idx="0">
+        <a:scrgbClr r="0" g="0" b="0"/>
+      </a:effectRef>
+      <a:fontRef idx="minor">
+        <a:schemeClr val="lt1"/>
+      </a:fontRef>
+    </dgm:style>
+  </dgm:styleLbl>
+  <dgm:styleLbl name="asst1">
+    <dgm:scene3d>
+      <a:camera prst="orthographicFront"/>
+      <a:lightRig rig="threePt" dir="t"/>
+    </dgm:scene3d>
+    <dgm:sp3d/>
+    <dgm:txPr/>
+    <dgm:style>
+      <a:lnRef idx="2">
+        <a:scrgbClr r="0" g="0" b="0"/>
+      </a:lnRef>
+      <a:fillRef idx="1">
+        <a:scrgbClr r="0" g="0" b="0"/>
+      </a:fillRef>
+      <a:effectRef idx="0">
+        <a:scrgbClr r="0" g="0" b="0"/>
+      </a:effectRef>
+      <a:fontRef idx="minor">
+        <a:schemeClr val="lt1"/>
+      </a:fontRef>
+    </dgm:style>
+  </dgm:styleLbl>
+  <dgm:styleLbl name="asst2">
+    <dgm:scene3d>
+      <a:camera prst="orthographicFront"/>
+      <a:lightRig rig="threePt" dir="t"/>
+    </dgm:scene3d>
+    <dgm:sp3d/>
+    <dgm:txPr/>
+    <dgm:style>
+      <a:lnRef idx="2">
+        <a:scrgbClr r="0" g="0" b="0"/>
+      </a:lnRef>
+      <a:fillRef idx="1">
+        <a:scrgbClr r="0" g="0" b="0"/>
+      </a:fillRef>
+      <a:effectRef idx="0">
+        <a:scrgbClr r="0" g="0" b="0"/>
+      </a:effectRef>
+      <a:fontRef idx="minor">
+        <a:schemeClr val="lt1"/>
+      </a:fontRef>
+    </dgm:style>
+  </dgm:styleLbl>
+  <dgm:styleLbl name="asst3">
+    <dgm:scene3d>
+      <a:camera prst="orthographicFront"/>
+      <a:lightRig rig="threePt" dir="t"/>
+    </dgm:scene3d>
+    <dgm:sp3d/>
+    <dgm:txPr/>
+    <dgm:style>
+      <a:lnRef idx="2">
+        <a:scrgbClr r="0" g="0" b="0"/>
+      </a:lnRef>
+      <a:fillRef idx="1">
+        <a:scrgbClr r="0" g="0" b="0"/>
+      </a:fillRef>
+      <a:effectRef idx="0">
+        <a:scrgbClr r="0" g="0" b="0"/>
+      </a:effectRef>
+      <a:fontRef idx="minor">
+        <a:schemeClr val="lt1"/>
+      </a:fontRef>
+    </dgm:style>
+  </dgm:styleLbl>
+  <dgm:styleLbl name="asst4">
+    <dgm:scene3d>
+      <a:camera prst="orthographicFront"/>
+      <a:lightRig rig="threePt" dir="t"/>
+    </dgm:scene3d>
+    <dgm:sp3d/>
+    <dgm:txPr/>
+    <dgm:style>
+      <a:lnRef idx="2">
+        <a:scrgbClr r="0" g="0" b="0"/>
+      </a:lnRef>
+      <a:fillRef idx="1">
+        <a:scrgbClr r="0" g="0" b="0"/>
+      </a:fillRef>
+      <a:effectRef idx="0">
+        <a:scrgbClr r="0" g="0" b="0"/>
+      </a:effectRef>
+      <a:fontRef idx="minor">
+        <a:schemeClr val="lt1"/>
+      </a:fontRef>
+    </dgm:style>
+  </dgm:styleLbl>
+  <dgm:styleLbl name="parChTrans2D1">
+    <dgm:scene3d>
+      <a:camera prst="orthographicFront"/>
+      <a:lightRig rig="threePt" dir="t"/>
+    </dgm:scene3d>
+    <dgm:sp3d/>
+    <dgm:txPr/>
+    <dgm:style>
+      <a:lnRef idx="2">
+        <a:scrgbClr r="0" g="0" b="0"/>
+      </a:lnRef>
+      <a:fillRef idx="1">
+        <a:scrgbClr r="0" g="0" b="0"/>
+      </a:fillRef>
+      <a:effectRef idx="0">
+        <a:scrgbClr r="0" g="0" b="0"/>
+      </a:effectRef>
+      <a:fontRef idx="minor">
+        <a:schemeClr val="lt1"/>
+      </a:fontRef>
+    </dgm:style>
+  </dgm:styleLbl>
+  <dgm:styleLbl name="parChTrans2D2">
+    <dgm:scene3d>
+      <a:camera prst="orthographicFront"/>
+      <a:lightRig rig="threePt" dir="t"/>
+    </dgm:scene3d>
+    <dgm:sp3d/>
+    <dgm:txPr/>
+    <dgm:style>
+      <a:lnRef idx="2">
+        <a:scrgbClr r="0" g="0" b="0"/>
+      </a:lnRef>
+      <a:fillRef idx="1">
+        <a:scrgbClr r="0" g="0" b="0"/>
+      </a:fillRef>
+      <a:effectRef idx="0">
+        <a:scrgbClr r="0" g="0" b="0"/>
+      </a:effectRef>
+      <a:fontRef idx="minor">
+        <a:schemeClr val="lt1"/>
+      </a:fontRef>
+    </dgm:style>
+  </dgm:styleLbl>
+  <dgm:styleLbl name="parChTrans2D3">
+    <dgm:scene3d>
+      <a:camera prst="orthographicFront"/>
+      <a:lightRig rig="threePt" dir="t"/>
+    </dgm:scene3d>
+    <dgm:sp3d/>
+    <dgm:txPr/>
+    <dgm:style>
+      <a:lnRef idx="2">
+        <a:scrgbClr r="0" g="0" b="0"/>
+      </a:lnRef>
+      <a:fillRef idx="1">
+        <a:scrgbClr r="0" g="0" b="0"/>
+      </a:fillRef>
+      <a:effectRef idx="0">
+        <a:scrgbClr r="0" g="0" b="0"/>
+      </a:effectRef>
+      <a:fontRef idx="minor">
+        <a:schemeClr val="lt1"/>
+      </a:fontRef>
+    </dgm:style>
+  </dgm:styleLbl>
+  <dgm:styleLbl name="parChTrans2D4">
+    <dgm:scene3d>
+      <a:camera prst="orthographicFront"/>
+      <a:lightRig rig="threePt" dir="t"/>
+    </dgm:scene3d>
+    <dgm:sp3d/>
+    <dgm:txPr/>
+    <dgm:style>
+      <a:lnRef idx="2">
+        <a:scrgbClr r="0" g="0" b="0"/>
+      </a:lnRef>
+      <a:fillRef idx="1">
+        <a:scrgbClr r="0" g="0" b="0"/>
+      </a:fillRef>
+      <a:effectRef idx="0">
+        <a:scrgbClr r="0" g="0" b="0"/>
+      </a:effectRef>
+      <a:fontRef idx="minor">
+        <a:schemeClr val="lt1"/>
+      </a:fontRef>
+    </dgm:style>
+  </dgm:styleLbl>
+  <dgm:styleLbl name="parChTrans1D1">
+    <dgm:scene3d>
+      <a:camera prst="orthographicFront"/>
+      <a:lightRig rig="threePt" dir="t"/>
+    </dgm:scene3d>
+    <dgm:sp3d/>
+    <dgm:txPr/>
+    <dgm:style>
+      <a:lnRef idx="2">
+        <a:scrgbClr r="0" g="0" b="0"/>
+      </a:lnRef>
+      <a:fillRef idx="0">
+        <a:scrgbClr r="0" g="0" b="0"/>
+      </a:fillRef>
+      <a:effectRef idx="0">
+        <a:scrgbClr r="0" g="0" b="0"/>
+      </a:effectRef>
+      <a:fontRef idx="minor"/>
+    </dgm:style>
+  </dgm:styleLbl>
+  <dgm:styleLbl name="parChTrans1D2">
+    <dgm:scene3d>
+      <a:camera prst="orthographicFront"/>
+      <a:lightRig rig="threePt" dir="t"/>
+    </dgm:scene3d>
+    <dgm:sp3d/>
+    <dgm:txPr/>
+    <dgm:style>
+      <a:lnRef idx="2">
+        <a:scrgbClr r="0" g="0" b="0"/>
+      </a:lnRef>
+      <a:fillRef idx="0">
+        <a:scrgbClr r="0" g="0" b="0"/>
+      </a:fillRef>
+      <a:effectRef idx="0">
+        <a:scrgbClr r="0" g="0" b="0"/>
+      </a:effectRef>
+      <a:fontRef idx="minor"/>
+    </dgm:style>
+  </dgm:styleLbl>
+  <dgm:styleLbl name="parChTrans1D3">
+    <dgm:scene3d>
+      <a:camera prst="orthographicFront"/>
+      <a:lightRig rig="threePt" dir="t"/>
+    </dgm:scene3d>
+    <dgm:sp3d/>
+    <dgm:txPr/>
+    <dgm:style>
+      <a:lnRef idx="2">
+        <a:scrgbClr r="0" g="0" b="0"/>
+      </a:lnRef>
+      <a:fillRef idx="0">
+        <a:scrgbClr r="0" g="0" b="0"/>
+      </a:fillRef>
+      <a:effectRef idx="0">
+        <a:scrgbClr r="0" g="0" b="0"/>
+      </a:effectRef>
+      <a:fontRef idx="minor"/>
+    </dgm:style>
+  </dgm:styleLbl>
+  <dgm:styleLbl name="parChTrans1D4">
+    <dgm:scene3d>
+      <a:camera prst="orthographicFront"/>
+      <a:lightRig rig="threePt" dir="t"/>
+    </dgm:scene3d>
+    <dgm:sp3d/>
+    <dgm:txPr/>
+    <dgm:style>
+      <a:lnRef idx="2">
+        <a:scrgbClr r="0" g="0" b="0"/>
+      </a:lnRef>
+      <a:fillRef idx="0">
+        <a:scrgbClr r="0" g="0" b="0"/>
+      </a:fillRef>
+      <a:effectRef idx="0">
+        <a:scrgbClr r="0" g="0" b="0"/>
+      </a:effectRef>
+      <a:fontRef idx="minor"/>
+    </dgm:style>
+  </dgm:styleLbl>
+  <dgm:styleLbl name="fgAcc1">
+    <dgm:scene3d>
+      <a:camera prst="orthographicFront"/>
+      <a:lightRig rig="threePt" dir="t"/>
+    </dgm:scene3d>
+    <dgm:sp3d/>
+    <dgm:txPr/>
+    <dgm:style>
+      <a:lnRef idx="2">
+        <a:scrgbClr r="0" g="0" b="0"/>
+      </a:lnRef>
+      <a:fillRef idx="1">
+        <a:scrgbClr r="0" g="0" b="0"/>
+      </a:fillRef>
+      <a:effectRef idx="0">
+        <a:scrgbClr r="0" g="0" b="0"/>
+      </a:effectRef>
+      <a:fontRef idx="minor"/>
+    </dgm:style>
+  </dgm:styleLbl>
+  <dgm:styleLbl name="conFgAcc1">
+    <dgm:scene3d>
+      <a:camera prst="orthographicFront"/>
+      <a:lightRig rig="threePt" dir="t"/>
+    </dgm:scene3d>
+    <dgm:sp3d/>
+    <dgm:txPr/>
+    <dgm:style>
+      <a:lnRef idx="2">
+        <a:scrgbClr r="0" g="0" b="0"/>
+      </a:lnRef>
+      <a:fillRef idx="1">
+        <a:scrgbClr r="0" g="0" b="0"/>
+      </a:fillRef>
+      <a:effectRef idx="0">
+        <a:scrgbClr r="0" g="0" b="0"/>
+      </a:effectRef>
+      <a:fontRef idx="minor"/>
+    </dgm:style>
+  </dgm:styleLbl>
+  <dgm:styleLbl name="alignAcc1">
+    <dgm:scene3d>
+      <a:camera prst="orthographicFront"/>
+      <a:lightRig rig="threePt" dir="t"/>
+    </dgm:scene3d>
+    <dgm:sp3d/>
+    <dgm:txPr/>
+    <dgm:style>
+      <a:lnRef idx="2">
+        <a:scrgbClr r="0" g="0" b="0"/>
+      </a:lnRef>
+      <a:fillRef idx="1">
+        <a:scrgbClr r="0" g="0" b="0"/>
+      </a:fillRef>
+      <a:effectRef idx="0">
+        <a:scrgbClr r="0" g="0" b="0"/>
+      </a:effectRef>
+      <a:fontRef idx="minor"/>
+    </dgm:style>
+  </dgm:styleLbl>
+  <dgm:styleLbl name="trAlignAcc1">
+    <dgm:scene3d>
+      <a:camera prst="orthographicFront"/>
+      <a:lightRig rig="threePt" dir="t"/>
+    </dgm:scene3d>
+    <dgm:sp3d/>
+    <dgm:txPr/>
+    <dgm:style>
+      <a:lnRef idx="1">
+        <a:scrgbClr r="0" g="0" b="0"/>
+      </a:lnRef>
+      <a:fillRef idx="1">
+        <a:scrgbClr r="0" g="0" b="0"/>
+      </a:fillRef>
+      <a:effectRef idx="0">
+        <a:scrgbClr r="0" g="0" b="0"/>
+      </a:effectRef>
+      <a:fontRef idx="minor"/>
+    </dgm:style>
+  </dgm:styleLbl>
+  <dgm:styleLbl name="bgAcc1">
+    <dgm:scene3d>
+      <a:camera prst="orthographicFront"/>
+      <a:lightRig rig="threePt" dir="t"/>
+    </dgm:scene3d>
+    <dgm:sp3d/>
+    <dgm:txPr/>
+    <dgm:style>
+      <a:lnRef idx="2">
+        <a:scrgbClr r="0" g="0" b="0"/>
+      </a:lnRef>
+      <a:fillRef idx="1">
+        <a:scrgbClr r="0" g="0" b="0"/>
+      </a:fillRef>
+      <a:effectRef idx="0">
+        <a:scrgbClr r="0" g="0" b="0"/>
+      </a:effectRef>
+      <a:fontRef idx="minor"/>
+    </dgm:style>
+  </dgm:styleLbl>
+  <dgm:styleLbl name="solidFgAcc1">
+    <dgm:scene3d>
+      <a:camera prst="orthographicFront"/>
+      <a:lightRig rig="threePt" dir="t"/>
+    </dgm:scene3d>
+    <dgm:sp3d/>
+    <dgm:txPr/>
+    <dgm:style>
+      <a:lnRef idx="2">
+        <a:scrgbClr r="0" g="0" b="0"/>
+      </a:lnRef>
+      <a:fillRef idx="1">
+        <a:scrgbClr r="0" g="0" b="0"/>
+      </a:fillRef>
+      <a:effectRef idx="0">
+        <a:scrgbClr r="0" g="0" b="0"/>
+      </a:effectRef>
+      <a:fontRef idx="minor"/>
+    </dgm:style>
+  </dgm:styleLbl>
+  <dgm:styleLbl name="solidAlignAcc1">
+    <dgm:scene3d>
+      <a:camera prst="orthographicFront"/>
+      <a:lightRig rig="threePt" dir="t"/>
+    </dgm:scene3d>
+    <dgm:sp3d/>
+    <dgm:txPr/>
+    <dgm:style>
+      <a:lnRef idx="2">
+        <a:scrgbClr r="0" g="0" b="0"/>
+      </a:lnRef>
+      <a:fillRef idx="1">
+        <a:scrgbClr r="0" g="0" b="0"/>
+      </a:fillRef>
+      <a:effectRef idx="0">
+        <a:scrgbClr r="0" g="0" b="0"/>
+      </a:effectRef>
+      <a:fontRef idx="minor"/>
+    </dgm:style>
+  </dgm:styleLbl>
+  <dgm:styleLbl name="solidBgAcc1">
+    <dgm:scene3d>
+      <a:camera prst="orthographicFront"/>
+      <a:lightRig rig="threePt" dir="t"/>
+    </dgm:scene3d>
+    <dgm:sp3d/>
+    <dgm:txPr/>
+    <dgm:style>
+      <a:lnRef idx="2">
+        <a:scrgbClr r="0" g="0" b="0"/>
+      </a:lnRef>
+      <a:fillRef idx="1">
+        <a:scrgbClr r="0" g="0" b="0"/>
+      </a:fillRef>
+      <a:effectRef idx="0">
+        <a:scrgbClr r="0" g="0" b="0"/>
+      </a:effectRef>
+      <a:fontRef idx="minor"/>
+    </dgm:style>
+  </dgm:styleLbl>
+  <dgm:styleLbl name="fgAccFollowNode1">
+    <dgm:scene3d>
+      <a:camera prst="orthographicFront"/>
+      <a:lightRig rig="threePt" dir="t"/>
+    </dgm:scene3d>
+    <dgm:sp3d/>
+    <dgm:txPr/>
+    <dgm:style>
+      <a:lnRef idx="2">
+        <a:scrgbClr r="0" g="0" b="0"/>
+      </a:lnRef>
+      <a:fillRef idx="1">
+        <a:scrgbClr r="0" g="0" b="0"/>
+      </a:fillRef>
+      <a:effectRef idx="0">
+        <a:scrgbClr r="0" g="0" b="0"/>
+      </a:effectRef>
+      <a:fontRef idx="minor"/>
+    </dgm:style>
+  </dgm:styleLbl>
+  <dgm:styleLbl name="alignAccFollowNode1">
+    <dgm:scene3d>
+      <a:camera prst="orthographicFront"/>
+      <a:lightRig rig="threePt" dir="t"/>
+    </dgm:scene3d>
+    <dgm:sp3d/>
+    <dgm:txPr/>
+    <dgm:style>
+      <a:lnRef idx="2">
+        <a:scrgbClr r="0" g="0" b="0"/>
+      </a:lnRef>
+      <a:fillRef idx="1">
+        <a:scrgbClr r="0" g="0" b="0"/>
+      </a:fillRef>
+      <a:effectRef idx="0">
+        <a:scrgbClr r="0" g="0" b="0"/>
+      </a:effectRef>
+      <a:fontRef idx="minor"/>
+    </dgm:style>
+  </dgm:styleLbl>
+  <dgm:styleLbl name="bgAccFollowNode1">
+    <dgm:scene3d>
+      <a:camera prst="orthographicFront"/>
+      <a:lightRig rig="threePt" dir="t"/>
+    </dgm:scene3d>
+    <dgm:sp3d/>
+    <dgm:txPr/>
+    <dgm:style>
+      <a:lnRef idx="2">
+        <a:scrgbClr r="0" g="0" b="0"/>
+      </a:lnRef>
+      <a:fillRef idx="1">
+        <a:scrgbClr r="0" g="0" b="0"/>
+      </a:fillRef>
+      <a:effectRef idx="0">
+        <a:scrgbClr r="0" g="0" b="0"/>
+      </a:effectRef>
+      <a:fontRef idx="minor"/>
+    </dgm:style>
+  </dgm:styleLbl>
+  <dgm:styleLbl name="fgAcc0">
+    <dgm:scene3d>
+      <a:camera prst="orthographicFront"/>
+      <a:lightRig rig="threePt" dir="t"/>
+    </dgm:scene3d>
+    <dgm:sp3d/>
+    <dgm:txPr/>
+    <dgm:style>
+      <a:lnRef idx="2">
+        <a:scrgbClr r="0" g="0" b="0"/>
+      </a:lnRef>
+      <a:fillRef idx="1">
+        <a:scrgbClr r="0" g="0" b="0"/>
+      </a:fillRef>
+      <a:effectRef idx="0">
+        <a:scrgbClr r="0" g="0" b="0"/>
+      </a:effectRef>
+      <a:fontRef idx="minor"/>
+    </dgm:style>
+  </dgm:styleLbl>
+  <dgm:styleLbl name="fgAcc2">
+    <dgm:scene3d>
+      <a:camera prst="orthographicFront"/>
+      <a:lightRig rig="threePt" dir="t"/>
+    </dgm:scene3d>
+    <dgm:sp3d/>
+    <dgm:txPr/>
+    <dgm:style>
+      <a:lnRef idx="2">
+        <a:scrgbClr r="0" g="0" b="0"/>
+      </a:lnRef>
+      <a:fillRef idx="1">
+        <a:scrgbClr r="0" g="0" b="0"/>
+      </a:fillRef>
+      <a:effectRef idx="0">
+        <a:scrgbClr r="0" g="0" b="0"/>
+      </a:effectRef>
+      <a:fontRef idx="minor"/>
+    </dgm:style>
+  </dgm:styleLbl>
+  <dgm:styleLbl name="fgAcc3">
+    <dgm:scene3d>
+      <a:camera prst="orthographicFront"/>
+      <a:lightRig rig="threePt" dir="t"/>
+    </dgm:scene3d>
+    <dgm:sp3d/>
+    <dgm:txPr/>
+    <dgm:style>
+      <a:lnRef idx="2">
+        <a:scrgbClr r="0" g="0" b="0"/>
+      </a:lnRef>
+      <a:fillRef idx="1">
+        <a:scrgbClr r="0" g="0" b="0"/>
+      </a:fillRef>
+      <a:effectRef idx="0">
+        <a:scrgbClr r="0" g="0" b="0"/>
+      </a:effectRef>
+      <a:fontRef idx="minor"/>
+    </dgm:style>
+  </dgm:styleLbl>
+  <dgm:styleLbl name="fgAcc4">
+    <dgm:scene3d>
+      <a:camera prst="orthographicFront"/>
+      <a:lightRig rig="threePt" dir="t"/>
+    </dgm:scene3d>
+    <dgm:sp3d/>
+    <dgm:txPr/>
+    <dgm:style>
+      <a:lnRef idx="2">
+        <a:scrgbClr r="0" g="0" b="0"/>
+      </a:lnRef>
+      <a:fillRef idx="1">
+        <a:scrgbClr r="0" g="0" b="0"/>
+      </a:fillRef>
+      <a:effectRef idx="0">
+        <a:scrgbClr r="0" g="0" b="0"/>
+      </a:effectRef>
+      <a:fontRef idx="minor"/>
+    </dgm:style>
+  </dgm:styleLbl>
+  <dgm:styleLbl name="bgShp">
+    <dgm:scene3d>
+      <a:camera prst="orthographicFront"/>
+      <a:lightRig rig="threePt" dir="t"/>
+    </dgm:scene3d>
+    <dgm:sp3d/>
+    <dgm:txPr/>
+    <dgm:style>
+      <a:lnRef idx="0">
+        <a:scrgbClr r="0" g="0" b="0"/>
+      </a:lnRef>
+      <a:fillRef idx="1">
+        <a:scrgbClr r="0" g="0" b="0"/>
+      </a:fillRef>
+      <a:effectRef idx="0">
+        <a:scrgbClr r="0" g="0" b="0"/>
+      </a:effectRef>
+      <a:fontRef idx="minor"/>
+    </dgm:style>
+  </dgm:styleLbl>
+  <dgm:styleLbl name="dkBgShp">
+    <dgm:scene3d>
+      <a:camera prst="orthographicFront"/>
+      <a:lightRig rig="threePt" dir="t"/>
+    </dgm:scene3d>
+    <dgm:sp3d/>
+    <dgm:txPr/>
+    <dgm:style>
+      <a:lnRef idx="0">
+        <a:scrgbClr r="0" g="0" b="0"/>
+      </a:lnRef>
+      <a:fillRef idx="1">
+        <a:scrgbClr r="0" g="0" b="0"/>
+      </a:fillRef>
+      <a:effectRef idx="0">
+        <a:scrgbClr r="0" g="0" b="0"/>
+      </a:effectRef>
+      <a:fontRef idx="minor"/>
+    </dgm:style>
+  </dgm:styleLbl>
+  <dgm:styleLbl name="trBgShp">
+    <dgm:scene3d>
+      <a:camera prst="orthographicFront"/>
+      <a:lightRig rig="threePt" dir="t"/>
+    </dgm:scene3d>
+    <dgm:sp3d/>
+    <dgm:txPr/>
+    <dgm:style>
+      <a:lnRef idx="0">
+        <a:scrgbClr r="0" g="0" b="0"/>
+      </a:lnRef>
+      <a:fillRef idx="1">
+        <a:scrgbClr r="0" g="0" b="0"/>
+      </a:fillRef>
+      <a:effectRef idx="0">
+        <a:scrgbClr r="0" g="0" b="0"/>
+      </a:effectRef>
+      <a:fontRef idx="minor"/>
+    </dgm:style>
+  </dgm:styleLbl>
+  <dgm:styleLbl name="fgShp">
+    <dgm:scene3d>
+      <a:camera prst="orthographicFront"/>
+      <a:lightRig rig="threePt" dir="t"/>
+    </dgm:scene3d>
+    <dgm:sp3d/>
+    <dgm:txPr/>
+    <dgm:style>
+      <a:lnRef idx="2">
+        <a:scrgbClr r="0" g="0" b="0"/>
+      </a:lnRef>
+      <a:fillRef idx="1">
+        <a:scrgbClr r="0" g="0" b="0"/>
+      </a:fillRef>
+      <a:effectRef idx="0">
+        <a:scrgbClr r="0" g="0" b="0"/>
+      </a:effectRef>
+      <a:fontRef idx="minor"/>
+    </dgm:style>
+  </dgm:styleLbl>
+  <dgm:styleLbl name="revTx">
+    <dgm:scene3d>
+      <a:camera prst="orthographicFront"/>
+      <a:lightRig rig="threePt" dir="t"/>
+    </dgm:scene3d>
+    <dgm:sp3d/>
+    <dgm:txPr/>
+    <dgm:style>
+      <a:lnRef idx="0">
+        <a:scrgbClr r="0" g="0" b="0"/>
+      </a:lnRef>
+      <a:fillRef idx="0">
+        <a:scrgbClr r="0" g="0" b="0"/>
+      </a:fillRef>
+      <a:effectRef idx="0">
+        <a:scrgbClr r="0" g="0" b="0"/>
+      </a:effectRef>
+      <a:fontRef idx="minor"/>
+    </dgm:style>
+  </dgm:styleLbl>
+</dgm:styleDef>
+</file>
+
+<file path=ppt/diagrams/quickStyle2.xml><?xml version="1.0" encoding="utf-8"?>
+<dgm:styleDef xmlns:dgm="http://schemas.openxmlformats.org/drawingml/2006/diagram" xmlns:a="http://schemas.openxmlformats.org/drawingml/2006/main" uniqueId="urn:microsoft.com/office/officeart/2005/8/quickstyle/simple1">
+  <dgm:title val=""/>
+  <dgm:desc val=""/>
+  <dgm:catLst>
+    <dgm:cat type="simple" pri="10100"/>
+  </dgm:catLst>
+  <dgm:scene3d>
+    <a:camera prst="orthographicFront"/>
+    <a:lightRig rig="threePt" dir="t"/>
+  </dgm:scene3d>
+  <dgm:styleLbl name="node0">
+    <dgm:scene3d>
+      <a:camera prst="orthographicFront"/>
+      <a:lightRig rig="threePt" dir="t"/>
+    </dgm:scene3d>
+    <dgm:sp3d/>
+    <dgm:txPr/>
+    <dgm:style>
+      <a:lnRef idx="2">
+        <a:scrgbClr r="0" g="0" b="0"/>
+      </a:lnRef>
+      <a:fillRef idx="1">
+        <a:scrgbClr r="0" g="0" b="0"/>
+      </a:fillRef>
+      <a:effectRef idx="0">
+        <a:scrgbClr r="0" g="0" b="0"/>
+      </a:effectRef>
+      <a:fontRef idx="minor">
+        <a:schemeClr val="lt1"/>
+      </a:fontRef>
+    </dgm:style>
+  </dgm:styleLbl>
+  <dgm:styleLbl name="lnNode1">
+    <dgm:scene3d>
+      <a:camera prst="orthographicFront"/>
+      <a:lightRig rig="threePt" dir="t"/>
+    </dgm:scene3d>
+    <dgm:sp3d/>
+    <dgm:txPr/>
+    <dgm:style>
+      <a:lnRef idx="2">
+        <a:scrgbClr r="0" g="0" b="0"/>
+      </a:lnRef>
+      <a:fillRef idx="1">
+        <a:scrgbClr r="0" g="0" b="0"/>
+      </a:fillRef>
+      <a:effectRef idx="0">
+        <a:scrgbClr r="0" g="0" b="0"/>
+      </a:effectRef>
+      <a:fontRef idx="minor">
+        <a:schemeClr val="lt1"/>
+      </a:fontRef>
+    </dgm:style>
+  </dgm:styleLbl>
+  <dgm:styleLbl name="vennNode1">
+    <dgm:scene3d>
+      <a:camera prst="orthographicFront"/>
+      <a:lightRig rig="threePt" dir="t"/>
+    </dgm:scene3d>
+    <dgm:sp3d/>
+    <dgm:txPr/>
+    <dgm:style>
+      <a:lnRef idx="2">
+        <a:scrgbClr r="0" g="0" b="0"/>
+      </a:lnRef>
+      <a:fillRef idx="1">
+        <a:scrgbClr r="0" g="0" b="0"/>
+      </a:fillRef>
+      <a:effectRef idx="0">
+        <a:scrgbClr r="0" g="0" b="0"/>
+      </a:effectRef>
+      <a:fontRef idx="minor">
+        <a:schemeClr val="tx1"/>
+      </a:fontRef>
+    </dgm:style>
+  </dgm:styleLbl>
+  <dgm:styleLbl name="alignNode1">
+    <dgm:scene3d>
+      <a:camera prst="orthographicFront"/>
+      <a:lightRig rig="threePt" dir="t"/>
+    </dgm:scene3d>
+    <dgm:sp3d/>
+    <dgm:txPr/>
+    <dgm:style>
+      <a:lnRef idx="2">
+        <a:scrgbClr r="0" g="0" b="0"/>
+      </a:lnRef>
+      <a:fillRef idx="1">
+        <a:scrgbClr r="0" g="0" b="0"/>
+      </a:fillRef>
+      <a:effectRef idx="0">
+        <a:scrgbClr r="0" g="0" b="0"/>
+      </a:effectRef>
+      <a:fontRef idx="minor">
+        <a:schemeClr val="lt1"/>
+      </a:fontRef>
+    </dgm:style>
+  </dgm:styleLbl>
+  <dgm:styleLbl name="node1">
+    <dgm:scene3d>
+      <a:camera prst="orthographicFront"/>
+      <a:lightRig rig="threePt" dir="t"/>
+    </dgm:scene3d>
+    <dgm:sp3d/>
+    <dgm:txPr/>
+    <dgm:style>
+      <a:lnRef idx="2">
+        <a:scrgbClr r="0" g="0" b="0"/>
+      </a:lnRef>
+      <a:fillRef idx="1">
+        <a:scrgbClr r="0" g="0" b="0"/>
+      </a:fillRef>
+      <a:effectRef idx="0">
+        <a:scrgbClr r="0" g="0" b="0"/>
+      </a:effectRef>
+      <a:fontRef idx="minor">
+        <a:schemeClr val="lt1"/>
+      </a:fontRef>
+    </dgm:style>
+  </dgm:styleLbl>
+  <dgm:styleLbl name="node2">
+    <dgm:scene3d>
+      <a:camera prst="orthographicFront"/>
+      <a:lightRig rig="threePt" dir="t"/>
+    </dgm:scene3d>
+    <dgm:sp3d/>
+    <dgm:txPr/>
+    <dgm:style>
+      <a:lnRef idx="2">
+        <a:scrgbClr r="0" g="0" b="0"/>
+      </a:lnRef>
+      <a:fillRef idx="1">
+        <a:scrgbClr r="0" g="0" b="0"/>
+      </a:fillRef>
+      <a:effectRef idx="0">
+        <a:scrgbClr r="0" g="0" b="0"/>
+      </a:effectRef>
+      <a:fontRef idx="minor">
+        <a:schemeClr val="lt1"/>
+      </a:fontRef>
+    </dgm:style>
+  </dgm:styleLbl>
+  <dgm:styleLbl name="node3">
+    <dgm:scene3d>
+      <a:camera prst="orthographicFront"/>
+      <a:lightRig rig="threePt" dir="t"/>
+    </dgm:scene3d>
+    <dgm:sp3d/>
+    <dgm:txPr/>
+    <dgm:style>
+      <a:lnRef idx="2">
+        <a:scrgbClr r="0" g="0" b="0"/>
+      </a:lnRef>
+      <a:fillRef idx="1">
+        <a:scrgbClr r="0" g="0" b="0"/>
+      </a:fillRef>
+      <a:effectRef idx="0">
+        <a:scrgbClr r="0" g="0" b="0"/>
+      </a:effectRef>
+      <a:fontRef idx="minor">
+        <a:schemeClr val="lt1"/>
+      </a:fontRef>
+    </dgm:style>
+  </dgm:styleLbl>
+  <dgm:styleLbl name="node4">
+    <dgm:scene3d>
+      <a:camera prst="orthographicFront"/>
+      <a:lightRig rig="threePt" dir="t"/>
+    </dgm:scene3d>
+    <dgm:sp3d/>
+    <dgm:txPr/>
+    <dgm:style>
+      <a:lnRef idx="2">
+        <a:scrgbClr r="0" g="0" b="0"/>
+      </a:lnRef>
+      <a:fillRef idx="1">
+        <a:scrgbClr r="0" g="0" b="0"/>
+      </a:fillRef>
+      <a:effectRef idx="0">
+        <a:scrgbClr r="0" g="0" b="0"/>
+      </a:effectRef>
+      <a:fontRef idx="minor">
+        <a:schemeClr val="lt1"/>
+      </a:fontRef>
+    </dgm:style>
+  </dgm:styleLbl>
+  <dgm:styleLbl name="fgImgPlace1">
+    <dgm:scene3d>
+      <a:camera prst="orthographicFront"/>
+      <a:lightRig rig="threePt" dir="t"/>
+    </dgm:scene3d>
+    <dgm:sp3d/>
+    <dgm:txPr/>
+    <dgm:style>
+      <a:lnRef idx="2">
+        <a:scrgbClr r="0" g="0" b="0"/>
+      </a:lnRef>
+      <a:fillRef idx="1">
+        <a:scrgbClr r="0" g="0" b="0"/>
+      </a:fillRef>
+      <a:effectRef idx="0">
+        <a:scrgbClr r="0" g="0" b="0"/>
+      </a:effectRef>
+      <a:fontRef idx="minor"/>
+    </dgm:style>
+  </dgm:styleLbl>
+  <dgm:styleLbl name="alignImgPlace1">
+    <dgm:scene3d>
+      <a:camera prst="orthographicFront"/>
+      <a:lightRig rig="threePt" dir="t"/>
+    </dgm:scene3d>
+    <dgm:sp3d/>
+    <dgm:txPr/>
+    <dgm:style>
+      <a:lnRef idx="2">
+        <a:scrgbClr r="0" g="0" b="0"/>
+      </a:lnRef>
+      <a:fillRef idx="1">
+        <a:scrgbClr r="0" g="0" b="0"/>
+      </a:fillRef>
+      <a:effectRef idx="0">
+        <a:scrgbClr r="0" g="0" b="0"/>
+      </a:effectRef>
+      <a:fontRef idx="minor"/>
+    </dgm:style>
+  </dgm:styleLbl>
+  <dgm:styleLbl name="bgImgPlace1">
+    <dgm:scene3d>
+      <a:camera prst="orthographicFront"/>
+      <a:lightRig rig="threePt" dir="t"/>
+    </dgm:scene3d>
+    <dgm:sp3d/>
+    <dgm:txPr/>
+    <dgm:style>
+      <a:lnRef idx="2">
+        <a:scrgbClr r="0" g="0" b="0"/>
+      </a:lnRef>
+      <a:fillRef idx="1">
+        <a:scrgbClr r="0" g="0" b="0"/>
+      </a:fillRef>
+      <a:effectRef idx="0">
+        <a:scrgbClr r="0" g="0" b="0"/>
+      </a:effectRef>
+      <a:fontRef idx="minor"/>
+    </dgm:style>
+  </dgm:styleLbl>
+  <dgm:styleLbl name="sibTrans2D1">
+    <dgm:scene3d>
+      <a:camera prst="orthographicFront"/>
+      <a:lightRig rig="threePt" dir="t"/>
+    </dgm:scene3d>
+    <dgm:sp3d/>
+    <dgm:txPr/>
+    <dgm:style>
+      <a:lnRef idx="0">
+        <a:scrgbClr r="0" g="0" b="0"/>
+      </a:lnRef>
+      <a:fillRef idx="1">
+        <a:scrgbClr r="0" g="0" b="0"/>
+      </a:fillRef>
+      <a:effectRef idx="0">
+        <a:scrgbClr r="0" g="0" b="0"/>
+      </a:effectRef>
+      <a:fontRef idx="minor">
+        <a:schemeClr val="lt1"/>
+      </a:fontRef>
+    </dgm:style>
+  </dgm:styleLbl>
+  <dgm:styleLbl name="fgSibTrans2D1">
+    <dgm:scene3d>
+      <a:camera prst="orthographicFront"/>
+      <a:lightRig rig="threePt" dir="t"/>
+    </dgm:scene3d>
+    <dgm:sp3d/>
+    <dgm:txPr/>
+    <dgm:style>
+      <a:lnRef idx="0">
+        <a:scrgbClr r="0" g="0" b="0"/>
+      </a:lnRef>
+      <a:fillRef idx="1">
+        <a:scrgbClr r="0" g="0" b="0"/>
+      </a:fillRef>
+      <a:effectRef idx="0">
+        <a:scrgbClr r="0" g="0" b="0"/>
+      </a:effectRef>
+      <a:fontRef idx="minor">
+        <a:schemeClr val="lt1"/>
+      </a:fontRef>
+    </dgm:style>
+  </dgm:styleLbl>
+  <dgm:styleLbl name="bgSibTrans2D1">
+    <dgm:scene3d>
+      <a:camera prst="orthographicFront"/>
+      <a:lightRig rig="threePt" dir="t"/>
+    </dgm:scene3d>
+    <dgm:sp3d/>
+    <dgm:txPr/>
+    <dgm:style>
+      <a:lnRef idx="0">
+        <a:scrgbClr r="0" g="0" b="0"/>
+      </a:lnRef>
+      <a:fillRef idx="1">
+        <a:scrgbClr r="0" g="0" b="0"/>
+      </a:fillRef>
+      <a:effectRef idx="0">
+        <a:scrgbClr r="0" g="0" b="0"/>
+      </a:effectRef>
+      <a:fontRef idx="minor">
+        <a:schemeClr val="lt1"/>
+      </a:fontRef>
+    </dgm:style>
+  </dgm:styleLbl>
+  <dgm:styleLbl name="sibTrans1D1">
+    <dgm:scene3d>
+      <a:camera prst="orthographicFront"/>
+      <a:lightRig rig="threePt" dir="t"/>
+    </dgm:scene3d>
+    <dgm:sp3d/>
+    <dgm:txPr/>
+    <dgm:style>
+      <a:lnRef idx="1">
+        <a:scrgbClr r="0" g="0" b="0"/>
+      </a:lnRef>
+      <a:fillRef idx="0">
+        <a:scrgbClr r="0" g="0" b="0"/>
+      </a:fillRef>
+      <a:effectRef idx="0">
+        <a:scrgbClr r="0" g="0" b="0"/>
+      </a:effectRef>
+      <a:fontRef idx="minor"/>
+    </dgm:style>
+  </dgm:styleLbl>
+  <dgm:styleLbl name="callout">
+    <dgm:scene3d>
+      <a:camera prst="orthographicFront"/>
+      <a:lightRig rig="threePt" dir="t"/>
+    </dgm:scene3d>
+    <dgm:sp3d/>
+    <dgm:txPr/>
+    <dgm:style>
+      <a:lnRef idx="2">
+        <a:scrgbClr r="0" g="0" b="0"/>
+      </a:lnRef>
+      <a:fillRef idx="1">
+        <a:scrgbClr r="0" g="0" b="0"/>
+      </a:fillRef>
+      <a:effectRef idx="0">
+        <a:scrgbClr r="0" g="0" b="0"/>
+      </a:effectRef>
+      <a:fontRef idx="minor"/>
+    </dgm:style>
+  </dgm:styleLbl>
+  <dgm:styleLbl name="asst0">
+    <dgm:scene3d>
+      <a:camera prst="orthographicFront"/>
+      <a:lightRig rig="threePt" dir="t"/>
+    </dgm:scene3d>
+    <dgm:sp3d/>
+    <dgm:txPr/>
+    <dgm:style>
+      <a:lnRef idx="2">
+        <a:scrgbClr r="0" g="0" b="0"/>
+      </a:lnRef>
+      <a:fillRef idx="1">
+        <a:scrgbClr r="0" g="0" b="0"/>
+      </a:fillRef>
+      <a:effectRef idx="0">
+        <a:scrgbClr r="0" g="0" b="0"/>
+      </a:effectRef>
+      <a:fontRef idx="minor">
+        <a:schemeClr val="lt1"/>
+      </a:fontRef>
+    </dgm:style>
+  </dgm:styleLbl>
+  <dgm:styleLbl name="asst1">
+    <dgm:scene3d>
+      <a:camera prst="orthographicFront"/>
+      <a:lightRig rig="threePt" dir="t"/>
+    </dgm:scene3d>
+    <dgm:sp3d/>
+    <dgm:txPr/>
+    <dgm:style>
+      <a:lnRef idx="2">
+        <a:scrgbClr r="0" g="0" b="0"/>
+      </a:lnRef>
+      <a:fillRef idx="1">
+        <a:scrgbClr r="0" g="0" b="0"/>
+      </a:fillRef>
+      <a:effectRef idx="0">
+        <a:scrgbClr r="0" g="0" b="0"/>
+      </a:effectRef>
+      <a:fontRef idx="minor">
+        <a:schemeClr val="lt1"/>
+      </a:fontRef>
+    </dgm:style>
+  </dgm:styleLbl>
+  <dgm:styleLbl name="asst2">
+    <dgm:scene3d>
+      <a:camera prst="orthographicFront"/>
+      <a:lightRig rig="threePt" dir="t"/>
+    </dgm:scene3d>
+    <dgm:sp3d/>
+    <dgm:txPr/>
+    <dgm:style>
+      <a:lnRef idx="2">
+        <a:scrgbClr r="0" g="0" b="0"/>
+      </a:lnRef>
+      <a:fillRef idx="1">
+        <a:scrgbClr r="0" g="0" b="0"/>
+      </a:fillRef>
+      <a:effectRef idx="0">
+        <a:scrgbClr r="0" g="0" b="0"/>
+      </a:effectRef>
+      <a:fontRef idx="minor">
+        <a:schemeClr val="lt1"/>
+      </a:fontRef>
+    </dgm:style>
+  </dgm:styleLbl>
+  <dgm:styleLbl name="asst3">
+    <dgm:scene3d>
+      <a:camera prst="orthographicFront"/>
+      <a:lightRig rig="threePt" dir="t"/>
+    </dgm:scene3d>
+    <dgm:sp3d/>
+    <dgm:txPr/>
+    <dgm:style>
+      <a:lnRef idx="2">
+        <a:scrgbClr r="0" g="0" b="0"/>
+      </a:lnRef>
+      <a:fillRef idx="1">
+        <a:scrgbClr r="0" g="0" b="0"/>
+      </a:fillRef>
+      <a:effectRef idx="0">
+        <a:scrgbClr r="0" g="0" b="0"/>
+      </a:effectRef>
+      <a:fontRef idx="minor">
+        <a:schemeClr val="lt1"/>
+      </a:fontRef>
+    </dgm:style>
+  </dgm:styleLbl>
+  <dgm:styleLbl name="asst4">
+    <dgm:scene3d>
+      <a:camera prst="orthographicFront"/>
+      <a:lightRig rig="threePt" dir="t"/>
+    </dgm:scene3d>
+    <dgm:sp3d/>
+    <dgm:txPr/>
+    <dgm:style>
+      <a:lnRef idx="2">
+        <a:scrgbClr r="0" g="0" b="0"/>
+      </a:lnRef>
+      <a:fillRef idx="1">
+        <a:scrgbClr r="0" g="0" b="0"/>
+      </a:fillRef>
+      <a:effectRef idx="0">
+        <a:scrgbClr r="0" g="0" b="0"/>
+      </a:effectRef>
+      <a:fontRef idx="minor">
+        <a:schemeClr val="lt1"/>
+      </a:fontRef>
+    </dgm:style>
+  </dgm:styleLbl>
+  <dgm:styleLbl name="parChTrans2D1">
+    <dgm:scene3d>
+      <a:camera prst="orthographicFront"/>
+      <a:lightRig rig="threePt" dir="t"/>
+    </dgm:scene3d>
+    <dgm:sp3d/>
+    <dgm:txPr/>
+    <dgm:style>
+      <a:lnRef idx="2">
+        <a:scrgbClr r="0" g="0" b="0"/>
+      </a:lnRef>
+      <a:fillRef idx="1">
+        <a:scrgbClr r="0" g="0" b="0"/>
+      </a:fillRef>
+      <a:effectRef idx="0">
+        <a:scrgbClr r="0" g="0" b="0"/>
+      </a:effectRef>
+      <a:fontRef idx="minor">
+        <a:schemeClr val="lt1"/>
+      </a:fontRef>
+    </dgm:style>
+  </dgm:styleLbl>
+  <dgm:styleLbl name="parChTrans2D2">
+    <dgm:scene3d>
+      <a:camera prst="orthographicFront"/>
+      <a:lightRig rig="threePt" dir="t"/>
+    </dgm:scene3d>
+    <dgm:sp3d/>
+    <dgm:txPr/>
+    <dgm:style>
+      <a:lnRef idx="2">
+        <a:scrgbClr r="0" g="0" b="0"/>
+      </a:lnRef>
+      <a:fillRef idx="1">
+        <a:scrgbClr r="0" g="0" b="0"/>
+      </a:fillRef>
+      <a:effectRef idx="0">
+        <a:scrgbClr r="0" g="0" b="0"/>
+      </a:effectRef>
+      <a:fontRef idx="minor">
+        <a:schemeClr val="lt1"/>
+      </a:fontRef>
+    </dgm:style>
+  </dgm:styleLbl>
+  <dgm:styleLbl name="parChTrans2D3">
+    <dgm:scene3d>
+      <a:camera prst="orthographicFront"/>
+      <a:lightRig rig="threePt" dir="t"/>
+    </dgm:scene3d>
+    <dgm:sp3d/>
+    <dgm:txPr/>
+    <dgm:style>
+      <a:lnRef idx="2">
+        <a:scrgbClr r="0" g="0" b="0"/>
+      </a:lnRef>
+      <a:fillRef idx="1">
+        <a:scrgbClr r="0" g="0" b="0"/>
+      </a:fillRef>
+      <a:effectRef idx="0">
+        <a:scrgbClr r="0" g="0" b="0"/>
+      </a:effectRef>
+      <a:fontRef idx="minor">
+        <a:schemeClr val="lt1"/>
+      </a:fontRef>
+    </dgm:style>
+  </dgm:styleLbl>
+  <dgm:styleLbl name="parChTrans2D4">
+    <dgm:scene3d>
+      <a:camera prst="orthographicFront"/>
+      <a:lightRig rig="threePt" dir="t"/>
+    </dgm:scene3d>
+    <dgm:sp3d/>
+    <dgm:txPr/>
+    <dgm:style>
+      <a:lnRef idx="2">
+        <a:scrgbClr r="0" g="0" b="0"/>
+      </a:lnRef>
+      <a:fillRef idx="1">
+        <a:scrgbClr r="0" g="0" b="0"/>
+      </a:fillRef>
+      <a:effectRef idx="0">
+        <a:scrgbClr r="0" g="0" b="0"/>
+      </a:effectRef>
+      <a:fontRef idx="minor">
+        <a:schemeClr val="lt1"/>
+      </a:fontRef>
+    </dgm:style>
+  </dgm:styleLbl>
+  <dgm:styleLbl name="parChTrans1D1">
+    <dgm:scene3d>
+      <a:camera prst="orthographicFront"/>
+      <a:lightRig rig="threePt" dir="t"/>
+    </dgm:scene3d>
+    <dgm:sp3d/>
+    <dgm:txPr/>
+    <dgm:style>
+      <a:lnRef idx="2">
+        <a:scrgbClr r="0" g="0" b="0"/>
+      </a:lnRef>
+      <a:fillRef idx="0">
+        <a:scrgbClr r="0" g="0" b="0"/>
+      </a:fillRef>
+      <a:effectRef idx="0">
+        <a:scrgbClr r="0" g="0" b="0"/>
+      </a:effectRef>
+      <a:fontRef idx="minor"/>
+    </dgm:style>
+  </dgm:styleLbl>
+  <dgm:styleLbl name="parChTrans1D2">
+    <dgm:scene3d>
+      <a:camera prst="orthographicFront"/>
+      <a:lightRig rig="threePt" dir="t"/>
+    </dgm:scene3d>
+    <dgm:sp3d/>
+    <dgm:txPr/>
+    <dgm:style>
+      <a:lnRef idx="2">
+        <a:scrgbClr r="0" g="0" b="0"/>
+      </a:lnRef>
+      <a:fillRef idx="0">
+        <a:scrgbClr r="0" g="0" b="0"/>
+      </a:fillRef>
+      <a:effectRef idx="0">
+        <a:scrgbClr r="0" g="0" b="0"/>
+      </a:effectRef>
+      <a:fontRef idx="minor"/>
+    </dgm:style>
+  </dgm:styleLbl>
+  <dgm:styleLbl name="parChTrans1D3">
+    <dgm:scene3d>
+      <a:camera prst="orthographicFront"/>
+      <a:lightRig rig="threePt" dir="t"/>
+    </dgm:scene3d>
+    <dgm:sp3d/>
+    <dgm:txPr/>
+    <dgm:style>
+      <a:lnRef idx="2">
+        <a:scrgbClr r="0" g="0" b="0"/>
+      </a:lnRef>
+      <a:fillRef idx="0">
+        <a:scrgbClr r="0" g="0" b="0"/>
+      </a:fillRef>
+      <a:effectRef idx="0">
+        <a:scrgbClr r="0" g="0" b="0"/>
+      </a:effectRef>
+      <a:fontRef idx="minor"/>
+    </dgm:style>
+  </dgm:styleLbl>
+  <dgm:styleLbl name="parChTrans1D4">
+    <dgm:scene3d>
+      <a:camera prst="orthographicFront"/>
+      <a:lightRig rig="threePt" dir="t"/>
+    </dgm:scene3d>
+    <dgm:sp3d/>
+    <dgm:txPr/>
+    <dgm:style>
+      <a:lnRef idx="2">
+        <a:scrgbClr r="0" g="0" b="0"/>
+      </a:lnRef>
+      <a:fillRef idx="0">
+        <a:scrgbClr r="0" g="0" b="0"/>
+      </a:fillRef>
+      <a:effectRef idx="0">
+        <a:scrgbClr r="0" g="0" b="0"/>
+      </a:effectRef>
+      <a:fontRef idx="minor"/>
+    </dgm:style>
+  </dgm:styleLbl>
+  <dgm:styleLbl name="fgAcc1">
+    <dgm:scene3d>
+      <a:camera prst="orthographicFront"/>
+      <a:lightRig rig="threePt" dir="t"/>
+    </dgm:scene3d>
+    <dgm:sp3d/>
+    <dgm:txPr/>
+    <dgm:style>
+      <a:lnRef idx="2">
+        <a:scrgbClr r="0" g="0" b="0"/>
+      </a:lnRef>
+      <a:fillRef idx="1">
+        <a:scrgbClr r="0" g="0" b="0"/>
+      </a:fillRef>
+      <a:effectRef idx="0">
+        <a:scrgbClr r="0" g="0" b="0"/>
+      </a:effectRef>
+      <a:fontRef idx="minor"/>
+    </dgm:style>
+  </dgm:styleLbl>
+  <dgm:styleLbl name="conFgAcc1">
+    <dgm:scene3d>
+      <a:camera prst="orthographicFront"/>
+      <a:lightRig rig="threePt" dir="t"/>
+    </dgm:scene3d>
+    <dgm:sp3d/>
+    <dgm:txPr/>
+    <dgm:style>
+      <a:lnRef idx="2">
+        <a:scrgbClr r="0" g="0" b="0"/>
+      </a:lnRef>
+      <a:fillRef idx="1">
+        <a:scrgbClr r="0" g="0" b="0"/>
+      </a:fillRef>
+      <a:effectRef idx="0">
+        <a:scrgbClr r="0" g="0" b="0"/>
+      </a:effectRef>
+      <a:fontRef idx="minor"/>
+    </dgm:style>
+  </dgm:styleLbl>
+  <dgm:styleLbl name="alignAcc1">
+    <dgm:scene3d>
+      <a:camera prst="orthographicFront"/>
+      <a:lightRig rig="threePt" dir="t"/>
+    </dgm:scene3d>
+    <dgm:sp3d/>
+    <dgm:txPr/>
+    <dgm:style>
+      <a:lnRef idx="2">
+        <a:scrgbClr r="0" g="0" b="0"/>
+      </a:lnRef>
+      <a:fillRef idx="1">
+        <a:scrgbClr r="0" g="0" b="0"/>
+      </a:fillRef>
+      <a:effectRef idx="0">
+        <a:scrgbClr r="0" g="0" b="0"/>
+      </a:effectRef>
+      <a:fontRef idx="minor"/>
+    </dgm:style>
+  </dgm:styleLbl>
+  <dgm:styleLbl name="trAlignAcc1">
+    <dgm:scene3d>
+      <a:camera prst="orthographicFront"/>
+      <a:lightRig rig="threePt" dir="t"/>
+    </dgm:scene3d>
+    <dgm:sp3d/>
+    <dgm:txPr/>
+    <dgm:style>
+      <a:lnRef idx="1">
+        <a:scrgbClr r="0" g="0" b="0"/>
+      </a:lnRef>
+      <a:fillRef idx="1">
+        <a:scrgbClr r="0" g="0" b="0"/>
+      </a:fillRef>
+      <a:effectRef idx="0">
+        <a:scrgbClr r="0" g="0" b="0"/>
+      </a:effectRef>
+      <a:fontRef idx="minor"/>
+    </dgm:style>
+  </dgm:styleLbl>
+  <dgm:styleLbl name="bgAcc1">
+    <dgm:scene3d>
+      <a:camera prst="orthographicFront"/>
+      <a:lightRig rig="threePt" dir="t"/>
+    </dgm:scene3d>
+    <dgm:sp3d/>
+    <dgm:txPr/>
+    <dgm:style>
+      <a:lnRef idx="2">
+        <a:scrgbClr r="0" g="0" b="0"/>
+      </a:lnRef>
+      <a:fillRef idx="1">
+        <a:scrgbClr r="0" g="0" b="0"/>
+      </a:fillRef>
+      <a:effectRef idx="0">
+        <a:scrgbClr r="0" g="0" b="0"/>
+      </a:effectRef>
+      <a:fontRef idx="minor"/>
+    </dgm:style>
+  </dgm:styleLbl>
+  <dgm:styleLbl name="solidFgAcc1">
+    <dgm:scene3d>
+      <a:camera prst="orthographicFront"/>
+      <a:lightRig rig="threePt" dir="t"/>
+    </dgm:scene3d>
+    <dgm:sp3d/>
+    <dgm:txPr/>
+    <dgm:style>
+      <a:lnRef idx="2">
+        <a:scrgbClr r="0" g="0" b="0"/>
+      </a:lnRef>
+      <a:fillRef idx="1">
+        <a:scrgbClr r="0" g="0" b="0"/>
+      </a:fillRef>
+      <a:effectRef idx="0">
+        <a:scrgbClr r="0" g="0" b="0"/>
+      </a:effectRef>
+      <a:fontRef idx="minor"/>
+    </dgm:style>
+  </dgm:styleLbl>
+  <dgm:styleLbl name="solidAlignAcc1">
+    <dgm:scene3d>
+      <a:camera prst="orthographicFront"/>
+      <a:lightRig rig="threePt" dir="t"/>
+    </dgm:scene3d>
+    <dgm:sp3d/>
+    <dgm:txPr/>
+    <dgm:style>
+      <a:lnRef idx="2">
+        <a:scrgbClr r="0" g="0" b="0"/>
+      </a:lnRef>
+      <a:fillRef idx="1">
+        <a:scrgbClr r="0" g="0" b="0"/>
+      </a:fillRef>
+      <a:effectRef idx="0">
+        <a:scrgbClr r="0" g="0" b="0"/>
+      </a:effectRef>
+      <a:fontRef idx="minor"/>
+    </dgm:style>
+  </dgm:styleLbl>
+  <dgm:styleLbl name="solidBgAcc1">
+    <dgm:scene3d>
+      <a:camera prst="orthographicFront"/>
+      <a:lightRig rig="threePt" dir="t"/>
+    </dgm:scene3d>
+    <dgm:sp3d/>
+    <dgm:txPr/>
+    <dgm:style>
+      <a:lnRef idx="2">
+        <a:scrgbClr r="0" g="0" b="0"/>
+      </a:lnRef>
+      <a:fillRef idx="1">
+        <a:scrgbClr r="0" g="0" b="0"/>
+      </a:fillRef>
+      <a:effectRef idx="0">
+        <a:scrgbClr r="0" g="0" b="0"/>
+      </a:effectRef>
+      <a:fontRef idx="minor"/>
+    </dgm:style>
+  </dgm:styleLbl>
+  <dgm:styleLbl name="fgAccFollowNode1">
+    <dgm:scene3d>
+      <a:camera prst="orthographicFront"/>
+      <a:lightRig rig="threePt" dir="t"/>
+    </dgm:scene3d>
+    <dgm:sp3d/>
+    <dgm:txPr/>
+    <dgm:style>
+      <a:lnRef idx="2">
+        <a:scrgbClr r="0" g="0" b="0"/>
+      </a:lnRef>
+      <a:fillRef idx="1">
+        <a:scrgbClr r="0" g="0" b="0"/>
+      </a:fillRef>
+      <a:effectRef idx="0">
+        <a:scrgbClr r="0" g="0" b="0"/>
+      </a:effectRef>
+      <a:fontRef idx="minor"/>
+    </dgm:style>
+  </dgm:styleLbl>
+  <dgm:styleLbl name="alignAccFollowNode1">
+    <dgm:scene3d>
+      <a:camera prst="orthographicFront"/>
+      <a:lightRig rig="threePt" dir="t"/>
+    </dgm:scene3d>
+    <dgm:sp3d/>
+    <dgm:txPr/>
+    <dgm:style>
+      <a:lnRef idx="2">
+        <a:scrgbClr r="0" g="0" b="0"/>
+      </a:lnRef>
+      <a:fillRef idx="1">
+        <a:scrgbClr r="0" g="0" b="0"/>
+      </a:fillRef>
+      <a:effectRef idx="0">
+        <a:scrgbClr r="0" g="0" b="0"/>
+      </a:effectRef>
+      <a:fontRef idx="minor"/>
+    </dgm:style>
+  </dgm:styleLbl>
+  <dgm:styleLbl name="bgAccFollowNode1">
+    <dgm:scene3d>
+      <a:camera prst="orthographicFront"/>
+      <a:lightRig rig="threePt" dir="t"/>
+    </dgm:scene3d>
+    <dgm:sp3d/>
+    <dgm:txPr/>
+    <dgm:style>
+      <a:lnRef idx="2">
+        <a:scrgbClr r="0" g="0" b="0"/>
+      </a:lnRef>
+      <a:fillRef idx="1">
+        <a:scrgbClr r="0" g="0" b="0"/>
+      </a:fillRef>
+      <a:effectRef idx="0">
+        <a:scrgbClr r="0" g="0" b="0"/>
+      </a:effectRef>
+      <a:fontRef idx="minor"/>
+    </dgm:style>
+  </dgm:styleLbl>
+  <dgm:styleLbl name="fgAcc0">
+    <dgm:scene3d>
+      <a:camera prst="orthographicFront"/>
+      <a:lightRig rig="threePt" dir="t"/>
+    </dgm:scene3d>
+    <dgm:sp3d/>
+    <dgm:txPr/>
+    <dgm:style>
+      <a:lnRef idx="2">
+        <a:scrgbClr r="0" g="0" b="0"/>
+      </a:lnRef>
+      <a:fillRef idx="1">
+        <a:scrgbClr r="0" g="0" b="0"/>
+      </a:fillRef>
+      <a:effectRef idx="0">
+        <a:scrgbClr r="0" g="0" b="0"/>
+      </a:effectRef>
+      <a:fontRef idx="minor"/>
+    </dgm:style>
+  </dgm:styleLbl>
+  <dgm:styleLbl name="fgAcc2">
+    <dgm:scene3d>
+      <a:camera prst="orthographicFront"/>
+      <a:lightRig rig="threePt" dir="t"/>
+    </dgm:scene3d>
+    <dgm:sp3d/>
+    <dgm:txPr/>
+    <dgm:style>
+      <a:lnRef idx="2">
+        <a:scrgbClr r="0" g="0" b="0"/>
+      </a:lnRef>
+      <a:fillRef idx="1">
+        <a:scrgbClr r="0" g="0" b="0"/>
+      </a:fillRef>
+      <a:effectRef idx="0">
+        <a:scrgbClr r="0" g="0" b="0"/>
+      </a:effectRef>
+      <a:fontRef idx="minor"/>
+    </dgm:style>
+  </dgm:styleLbl>
+  <dgm:styleLbl name="fgAcc3">
+    <dgm:scene3d>
+      <a:camera prst="orthographicFront"/>
+      <a:lightRig rig="threePt" dir="t"/>
+    </dgm:scene3d>
+    <dgm:sp3d/>
+    <dgm:txPr/>
+    <dgm:style>
+      <a:lnRef idx="2">
+        <a:scrgbClr r="0" g="0" b="0"/>
+      </a:lnRef>
+      <a:fillRef idx="1">
+        <a:scrgbClr r="0" g="0" b="0"/>
+      </a:fillRef>
+      <a:effectRef idx="0">
+        <a:scrgbClr r="0" g="0" b="0"/>
+      </a:effectRef>
+      <a:fontRef idx="minor"/>
+    </dgm:style>
+  </dgm:styleLbl>
+  <dgm:styleLbl name="fgAcc4">
+    <dgm:scene3d>
+      <a:camera prst="orthographicFront"/>
+      <a:lightRig rig="threePt" dir="t"/>
+    </dgm:scene3d>
+    <dgm:sp3d/>
+    <dgm:txPr/>
+    <dgm:style>
+      <a:lnRef idx="2">
+        <a:scrgbClr r="0" g="0" b="0"/>
+      </a:lnRef>
+      <a:fillRef idx="1">
+        <a:scrgbClr r="0" g="0" b="0"/>
+      </a:fillRef>
+      <a:effectRef idx="0">
+        <a:scrgbClr r="0" g="0" b="0"/>
+      </a:effectRef>
+      <a:fontRef idx="minor"/>
+    </dgm:style>
+  </dgm:styleLbl>
+  <dgm:styleLbl name="bgShp">
+    <dgm:scene3d>
+      <a:camera prst="orthographicFront"/>
+      <a:lightRig rig="threePt" dir="t"/>
+    </dgm:scene3d>
+    <dgm:sp3d/>
+    <dgm:txPr/>
+    <dgm:style>
+      <a:lnRef idx="0">
+        <a:scrgbClr r="0" g="0" b="0"/>
+      </a:lnRef>
+      <a:fillRef idx="1">
+        <a:scrgbClr r="0" g="0" b="0"/>
+      </a:fillRef>
+      <a:effectRef idx="0">
+        <a:scrgbClr r="0" g="0" b="0"/>
+      </a:effectRef>
+      <a:fontRef idx="minor"/>
+    </dgm:style>
+  </dgm:styleLbl>
+  <dgm:styleLbl name="dkBgShp">
+    <dgm:scene3d>
+      <a:camera prst="orthographicFront"/>
+      <a:lightRig rig="threePt" dir="t"/>
+    </dgm:scene3d>
+    <dgm:sp3d/>
+    <dgm:txPr/>
+    <dgm:style>
+      <a:lnRef idx="0">
+        <a:scrgbClr r="0" g="0" b="0"/>
+      </a:lnRef>
+      <a:fillRef idx="1">
+        <a:scrgbClr r="0" g="0" b="0"/>
+      </a:fillRef>
+      <a:effectRef idx="0">
+        <a:scrgbClr r="0" g="0" b="0"/>
+      </a:effectRef>
+      <a:fontRef idx="minor"/>
+    </dgm:style>
+  </dgm:styleLbl>
+  <dgm:styleLbl name="trBgShp">
+    <dgm:scene3d>
+      <a:camera prst="orthographicFront"/>
+      <a:lightRig rig="threePt" dir="t"/>
+    </dgm:scene3d>
+    <dgm:sp3d/>
+    <dgm:txPr/>
+    <dgm:style>
+      <a:lnRef idx="0">
+        <a:scrgbClr r="0" g="0" b="0"/>
+      </a:lnRef>
+      <a:fillRef idx="1">
+        <a:scrgbClr r="0" g="0" b="0"/>
+      </a:fillRef>
+      <a:effectRef idx="0">
+        <a:scrgbClr r="0" g="0" b="0"/>
+      </a:effectRef>
+      <a:fontRef idx="minor"/>
+    </dgm:style>
+  </dgm:styleLbl>
+  <dgm:styleLbl name="fgShp">
+    <dgm:scene3d>
+      <a:camera prst="orthographicFront"/>
+      <a:lightRig rig="threePt" dir="t"/>
+    </dgm:scene3d>
+    <dgm:sp3d/>
+    <dgm:txPr/>
+    <dgm:style>
+      <a:lnRef idx="2">
+        <a:scrgbClr r="0" g="0" b="0"/>
+      </a:lnRef>
+      <a:fillRef idx="1">
+        <a:scrgbClr r="0" g="0" b="0"/>
+      </a:fillRef>
+      <a:effectRef idx="0">
+        <a:scrgbClr r="0" g="0" b="0"/>
+      </a:effectRef>
+      <a:fontRef idx="minor"/>
+    </dgm:style>
+  </dgm:styleLbl>
+  <dgm:styleLbl name="revTx">
+    <dgm:scene3d>
+      <a:camera prst="orthographicFront"/>
+      <a:lightRig rig="threePt" dir="t"/>
+    </dgm:scene3d>
+    <dgm:sp3d/>
+    <dgm:txPr/>
+    <dgm:style>
+      <a:lnRef idx="0">
+        <a:scrgbClr r="0" g="0" b="0"/>
+      </a:lnRef>
+      <a:fillRef idx="0">
+        <a:scrgbClr r="0" g="0" b="0"/>
+      </a:fillRef>
+      <a:effectRef idx="0">
+        <a:scrgbClr r="0" g="0" b="0"/>
+      </a:effectRef>
+      <a:fontRef idx="minor"/>
+    </dgm:style>
+  </dgm:styleLbl>
+</dgm:styleDef>
+</file>
+
 <file path=ppt/slideLayouts/slideLayout1.xml><?xml version="1.0" encoding="utf-8"?>
 <p:sldLayout xmlns:a="http://schemas.openxmlformats.org/drawingml/2006/main" xmlns:r="http://schemas.openxmlformats.org/officeDocument/2006/relationships" xmlns:p="http://schemas.openxmlformats.org/presentationml/2006/main" showMasterSp="0" type="title" preserve="1">
   <p:cSld name="Title Slide">
@@ -289,7 +5489,7 @@
           <a:p>
             <a:fld id="{90FA3B1E-4067-4F6A-BC0E-20B740F89196}" type="datetimeFigureOut">
               <a:rPr lang="en-IN" smtClean="0"/>
-              <a:t>13-11-2019</a:t>
+              <a:t>14-11-2019</a:t>
             </a:fld>
             <a:endParaRPr lang="en-IN"/>
           </a:p>
@@ -624,7 +5824,7 @@
           <a:p>
             <a:fld id="{90FA3B1E-4067-4F6A-BC0E-20B740F89196}" type="datetimeFigureOut">
               <a:rPr lang="en-IN" smtClean="0"/>
-              <a:t>13-11-2019</a:t>
+              <a:t>14-11-2019</a:t>
             </a:fld>
             <a:endParaRPr lang="en-IN"/>
           </a:p>
@@ -804,7 +6004,7 @@
           <a:p>
             <a:fld id="{90FA3B1E-4067-4F6A-BC0E-20B740F89196}" type="datetimeFigureOut">
               <a:rPr lang="en-IN" smtClean="0"/>
-              <a:t>13-11-2019</a:t>
+              <a:t>14-11-2019</a:t>
             </a:fld>
             <a:endParaRPr lang="en-IN"/>
           </a:p>
@@ -979,7 +6179,7 @@
           <a:p>
             <a:fld id="{90FA3B1E-4067-4F6A-BC0E-20B740F89196}" type="datetimeFigureOut">
               <a:rPr lang="en-IN" smtClean="0"/>
-              <a:t>13-11-2019</a:t>
+              <a:t>14-11-2019</a:t>
             </a:fld>
             <a:endParaRPr lang="en-IN"/>
           </a:p>
@@ -1256,7 +6456,7 @@
           <a:p>
             <a:fld id="{90FA3B1E-4067-4F6A-BC0E-20B740F89196}" type="datetimeFigureOut">
               <a:rPr lang="en-IN" smtClean="0"/>
-              <a:t>13-11-2019</a:t>
+              <a:t>14-11-2019</a:t>
             </a:fld>
             <a:endParaRPr lang="en-IN"/>
           </a:p>
@@ -1655,7 +6855,7 @@
           <a:p>
             <a:fld id="{90FA3B1E-4067-4F6A-BC0E-20B740F89196}" type="datetimeFigureOut">
               <a:rPr lang="en-IN" smtClean="0"/>
-              <a:t>13-11-2019</a:t>
+              <a:t>14-11-2019</a:t>
             </a:fld>
             <a:endParaRPr lang="en-IN"/>
           </a:p>
@@ -2132,7 +7332,7 @@
           <a:p>
             <a:fld id="{90FA3B1E-4067-4F6A-BC0E-20B740F89196}" type="datetimeFigureOut">
               <a:rPr lang="en-IN" smtClean="0"/>
-              <a:t>13-11-2019</a:t>
+              <a:t>14-11-2019</a:t>
             </a:fld>
             <a:endParaRPr lang="en-IN"/>
           </a:p>
@@ -2250,7 +7450,7 @@
           <a:p>
             <a:fld id="{90FA3B1E-4067-4F6A-BC0E-20B740F89196}" type="datetimeFigureOut">
               <a:rPr lang="en-IN" smtClean="0"/>
-              <a:t>13-11-2019</a:t>
+              <a:t>14-11-2019</a:t>
             </a:fld>
             <a:endParaRPr lang="en-IN"/>
           </a:p>
@@ -2345,7 +7545,7 @@
           <a:p>
             <a:fld id="{90FA3B1E-4067-4F6A-BC0E-20B740F89196}" type="datetimeFigureOut">
               <a:rPr lang="en-IN" smtClean="0"/>
-              <a:t>13-11-2019</a:t>
+              <a:t>14-11-2019</a:t>
             </a:fld>
             <a:endParaRPr lang="en-IN"/>
           </a:p>
@@ -2691,7 +7891,7 @@
           <a:p>
             <a:fld id="{90FA3B1E-4067-4F6A-BC0E-20B740F89196}" type="datetimeFigureOut">
               <a:rPr lang="en-IN" smtClean="0"/>
-              <a:t>13-11-2019</a:t>
+              <a:t>14-11-2019</a:t>
             </a:fld>
             <a:endParaRPr lang="en-IN"/>
           </a:p>
@@ -3079,7 +8279,7 @@
           <a:p>
             <a:fld id="{90FA3B1E-4067-4F6A-BC0E-20B740F89196}" type="datetimeFigureOut">
               <a:rPr lang="en-IN" smtClean="0"/>
-              <a:t>13-11-2019</a:t>
+              <a:t>14-11-2019</a:t>
             </a:fld>
             <a:endParaRPr lang="en-IN"/>
           </a:p>
@@ -3357,7 +8557,7 @@
           <a:p>
             <a:fld id="{90FA3B1E-4067-4F6A-BC0E-20B740F89196}" type="datetimeFigureOut">
               <a:rPr lang="en-IN" smtClean="0"/>
-              <a:t>13-11-2019</a:t>
+              <a:t>14-11-2019</a:t>
             </a:fld>
             <a:endParaRPr lang="en-IN"/>
           </a:p>
@@ -3952,1088 +9152,7 @@
 </p:sld>
 </file>
 
-<file path=ppt/slides/slide2.xml><?xml version="1.0" encoding="utf-8"?>
-<p:sld xmlns:a="http://schemas.openxmlformats.org/drawingml/2006/main" xmlns:r="http://schemas.openxmlformats.org/officeDocument/2006/relationships" xmlns:p="http://schemas.openxmlformats.org/presentationml/2006/main">
-  <p:cSld>
-    <p:spTree>
-      <p:nvGrpSpPr>
-        <p:cNvPr id="1" name=""/>
-        <p:cNvGrpSpPr/>
-        <p:nvPr/>
-      </p:nvGrpSpPr>
-      <p:grpSpPr>
-        <a:xfrm>
-          <a:off x="0" y="0"/>
-          <a:ext cx="0" cy="0"/>
-          <a:chOff x="0" y="0"/>
-          <a:chExt cx="0" cy="0"/>
-        </a:xfrm>
-      </p:grpSpPr>
-      <p:sp>
-        <p:nvSpPr>
-          <p:cNvPr id="2" name="Title 1"/>
-          <p:cNvSpPr>
-            <a:spLocks noGrp="1"/>
-          </p:cNvSpPr>
-          <p:nvPr>
-            <p:ph type="title"/>
-          </p:nvPr>
-        </p:nvSpPr>
-        <p:spPr/>
-        <p:txBody>
-          <a:bodyPr/>
-          <a:lstStyle/>
-          <a:p>
-            <a:r>
-              <a:rPr lang="en-US" dirty="0" smtClean="0"/>
-              <a:t>Members</a:t>
-            </a:r>
-            <a:endParaRPr lang="en-IN" dirty="0"/>
-          </a:p>
-        </p:txBody>
-      </p:sp>
-      <p:sp>
-        <p:nvSpPr>
-          <p:cNvPr id="3" name="Content Placeholder 2"/>
-          <p:cNvSpPr>
-            <a:spLocks noGrp="1"/>
-          </p:cNvSpPr>
-          <p:nvPr>
-            <p:ph idx="1"/>
-          </p:nvPr>
-        </p:nvSpPr>
-        <p:spPr>
-          <a:xfrm>
-            <a:off x="5943602" y="1581940"/>
-            <a:ext cx="6248398" cy="5655156"/>
-          </a:xfrm>
-        </p:spPr>
-        <p:txBody>
-          <a:bodyPr/>
-          <a:lstStyle/>
-          <a:p>
-            <a:r>
-              <a:rPr lang="en-US" dirty="0"/>
-              <a:t>Madhuri Vemulapaty</a:t>
-            </a:r>
-          </a:p>
-          <a:p>
-            <a:r>
-              <a:rPr lang="en-US" dirty="0"/>
-              <a:t>Ankush Agrawal</a:t>
-            </a:r>
-          </a:p>
-          <a:p>
-            <a:r>
-              <a:rPr lang="en-US" dirty="0"/>
-              <a:t>Shreyash Pandey</a:t>
-            </a:r>
-          </a:p>
-          <a:p>
-            <a:r>
-              <a:rPr lang="en-US" dirty="0"/>
-              <a:t>Sourav Maji</a:t>
-            </a:r>
-          </a:p>
-          <a:p>
-            <a:r>
-              <a:rPr lang="en-US" dirty="0"/>
-              <a:t>Sarthak Lav</a:t>
-            </a:r>
-            <a:endParaRPr lang="en-IN" dirty="0"/>
-          </a:p>
-        </p:txBody>
-      </p:sp>
-    </p:spTree>
-    <p:extLst>
-      <p:ext uri="{BB962C8B-B14F-4D97-AF65-F5344CB8AC3E}">
-        <p14:creationId xmlns:p14="http://schemas.microsoft.com/office/powerpoint/2010/main" val="1496239150"/>
-      </p:ext>
-    </p:extLst>
-  </p:cSld>
-  <p:clrMapOvr>
-    <a:masterClrMapping/>
-  </p:clrMapOvr>
-</p:sld>
-</file>
-
-<file path=ppt/slides/slide3.xml><?xml version="1.0" encoding="utf-8"?>
-<p:sld xmlns:a="http://schemas.openxmlformats.org/drawingml/2006/main" xmlns:r="http://schemas.openxmlformats.org/officeDocument/2006/relationships" xmlns:p="http://schemas.openxmlformats.org/presentationml/2006/main">
-  <p:cSld>
-    <p:spTree>
-      <p:nvGrpSpPr>
-        <p:cNvPr id="1" name=""/>
-        <p:cNvGrpSpPr/>
-        <p:nvPr/>
-      </p:nvGrpSpPr>
-      <p:grpSpPr>
-        <a:xfrm>
-          <a:off x="0" y="0"/>
-          <a:ext cx="0" cy="0"/>
-          <a:chOff x="0" y="0"/>
-          <a:chExt cx="0" cy="0"/>
-        </a:xfrm>
-      </p:grpSpPr>
-      <p:sp>
-        <p:nvSpPr>
-          <p:cNvPr id="2" name="TextBox 1"/>
-          <p:cNvSpPr txBox="1"/>
-          <p:nvPr/>
-        </p:nvSpPr>
-        <p:spPr>
-          <a:xfrm>
-            <a:off x="888154" y="476201"/>
-            <a:ext cx="4966735" cy="646331"/>
-          </a:xfrm>
-          <a:prstGeom prst="rect">
-            <a:avLst/>
-          </a:prstGeom>
-          <a:noFill/>
-        </p:spPr>
-        <p:txBody>
-          <a:bodyPr wrap="square" rtlCol="0">
-            <a:spAutoFit/>
-          </a:bodyPr>
-          <a:lstStyle/>
-          <a:p>
-            <a:r>
-              <a:rPr lang="en-US" sz="3600" b="1" dirty="0" smtClean="0"/>
-              <a:t>Company Overview</a:t>
-            </a:r>
-            <a:endParaRPr lang="en-IN" sz="3600" b="1" dirty="0"/>
-          </a:p>
-        </p:txBody>
-      </p:sp>
-      <p:sp>
-        <p:nvSpPr>
-          <p:cNvPr id="3" name="TextBox 2"/>
-          <p:cNvSpPr txBox="1"/>
-          <p:nvPr/>
-        </p:nvSpPr>
-        <p:spPr>
-          <a:xfrm>
-            <a:off x="998806" y="1955409"/>
-            <a:ext cx="9031459" cy="2862322"/>
-          </a:xfrm>
-          <a:prstGeom prst="rect">
-            <a:avLst/>
-          </a:prstGeom>
-          <a:noFill/>
-        </p:spPr>
-        <p:txBody>
-          <a:bodyPr wrap="square" rtlCol="0">
-            <a:spAutoFit/>
-          </a:bodyPr>
-          <a:lstStyle/>
-          <a:p>
-            <a:pPr marL="285750" indent="-285750">
-              <a:buFont typeface="Arial" panose="020B0604020202020204" pitchFamily="34" charset="0"/>
-              <a:buChar char="•"/>
-            </a:pPr>
-            <a:r>
-              <a:rPr lang="en-US" dirty="0" smtClean="0"/>
-              <a:t>Great Outdoors (GO) is an electronic distributor of outdoor products. GO sources the products from various manufacturers and supplies it to Retailers.</a:t>
-            </a:r>
-          </a:p>
-          <a:p>
-            <a:pPr marL="285750" indent="-285750">
-              <a:buFont typeface="Arial" panose="020B0604020202020204" pitchFamily="34" charset="0"/>
-              <a:buChar char="•"/>
-            </a:pPr>
-            <a:endParaRPr lang="en-US" dirty="0"/>
-          </a:p>
-          <a:p>
-            <a:pPr marL="285750" indent="-285750">
-              <a:buFont typeface="Arial" panose="020B0604020202020204" pitchFamily="34" charset="0"/>
-              <a:buChar char="•"/>
-            </a:pPr>
-            <a:r>
-              <a:rPr lang="en-US" dirty="0" smtClean="0"/>
-              <a:t>GO’s gross profit is quite healthy. However, they continue to make investments into the business to drive growth as a result of which their net profit margins are very thin. So, there is a constant pressure to optimize on costs and enhance profitability. GO is always looking at opportunities for cost optimization in order to enhance profitability.</a:t>
-            </a:r>
-          </a:p>
-          <a:p>
-            <a:pPr marL="285750" indent="-285750">
-              <a:buFont typeface="Arial" panose="020B0604020202020204" pitchFamily="34" charset="0"/>
-              <a:buChar char="•"/>
-            </a:pPr>
-            <a:endParaRPr lang="en-US" dirty="0" smtClean="0"/>
-          </a:p>
-          <a:p>
-            <a:pPr marL="285750" indent="-285750">
-              <a:buFont typeface="Arial" panose="020B0604020202020204" pitchFamily="34" charset="0"/>
-              <a:buChar char="•"/>
-            </a:pPr>
-            <a:r>
-              <a:rPr lang="en-US" dirty="0" smtClean="0"/>
-              <a:t>For  cost optimization, Great Outdoors has to develop an improved online shopping system so that the number of offline order reduces and online order increases.</a:t>
-            </a:r>
-            <a:endParaRPr lang="en-IN" dirty="0"/>
-          </a:p>
-        </p:txBody>
-      </p:sp>
-    </p:spTree>
-    <p:extLst>
-      <p:ext uri="{BB962C8B-B14F-4D97-AF65-F5344CB8AC3E}">
-        <p14:creationId xmlns:p14="http://schemas.microsoft.com/office/powerpoint/2010/main" val="661224406"/>
-      </p:ext>
-    </p:extLst>
-  </p:cSld>
-  <p:clrMapOvr>
-    <a:masterClrMapping/>
-  </p:clrMapOvr>
-</p:sld>
-</file>
-
-<file path=ppt/slides/slide4.xml><?xml version="1.0" encoding="utf-8"?>
-<p:sld xmlns:a="http://schemas.openxmlformats.org/drawingml/2006/main" xmlns:r="http://schemas.openxmlformats.org/officeDocument/2006/relationships" xmlns:p="http://schemas.openxmlformats.org/presentationml/2006/main">
-  <p:cSld>
-    <p:spTree>
-      <p:nvGrpSpPr>
-        <p:cNvPr id="1" name=""/>
-        <p:cNvGrpSpPr/>
-        <p:nvPr/>
-      </p:nvGrpSpPr>
-      <p:grpSpPr>
-        <a:xfrm>
-          <a:off x="0" y="0"/>
-          <a:ext cx="0" cy="0"/>
-          <a:chOff x="0" y="0"/>
-          <a:chExt cx="0" cy="0"/>
-        </a:xfrm>
-      </p:grpSpPr>
-      <p:sp>
-        <p:nvSpPr>
-          <p:cNvPr id="2" name="TextBox 1"/>
-          <p:cNvSpPr txBox="1"/>
-          <p:nvPr/>
-        </p:nvSpPr>
-        <p:spPr>
-          <a:xfrm>
-            <a:off x="955343" y="274557"/>
-            <a:ext cx="4626591" cy="646331"/>
-          </a:xfrm>
-          <a:prstGeom prst="rect">
-            <a:avLst/>
-          </a:prstGeom>
-          <a:noFill/>
-        </p:spPr>
-        <p:txBody>
-          <a:bodyPr wrap="square" rtlCol="0">
-            <a:spAutoFit/>
-          </a:bodyPr>
-          <a:lstStyle/>
-          <a:p>
-            <a:r>
-              <a:rPr lang="en-US" sz="3600" b="1" dirty="0" smtClean="0"/>
-              <a:t>Key Requirements</a:t>
-            </a:r>
-            <a:endParaRPr lang="en-IN" sz="3600" b="1" dirty="0"/>
-          </a:p>
-        </p:txBody>
-      </p:sp>
-      <p:sp>
-        <p:nvSpPr>
-          <p:cNvPr id="3" name="TextBox 2"/>
-          <p:cNvSpPr txBox="1"/>
-          <p:nvPr/>
-        </p:nvSpPr>
-        <p:spPr>
-          <a:xfrm>
-            <a:off x="5431809" y="1132599"/>
-            <a:ext cx="3343702" cy="369332"/>
-          </a:xfrm>
-          <a:prstGeom prst="rect">
-            <a:avLst/>
-          </a:prstGeom>
-          <a:noFill/>
-        </p:spPr>
-        <p:txBody>
-          <a:bodyPr wrap="square" rtlCol="0">
-            <a:spAutoFit/>
-          </a:bodyPr>
-          <a:lstStyle/>
-          <a:p>
-            <a:r>
-              <a:rPr lang="en-US" b="1" dirty="0" smtClean="0"/>
-              <a:t>Login</a:t>
-            </a:r>
-            <a:endParaRPr lang="en-IN" b="1" dirty="0"/>
-          </a:p>
-        </p:txBody>
-      </p:sp>
-      <p:sp>
-        <p:nvSpPr>
-          <p:cNvPr id="4" name="TextBox 3"/>
-          <p:cNvSpPr txBox="1"/>
-          <p:nvPr/>
-        </p:nvSpPr>
-        <p:spPr>
-          <a:xfrm>
-            <a:off x="655090" y="1595146"/>
-            <a:ext cx="10235821" cy="923330"/>
-          </a:xfrm>
-          <a:prstGeom prst="rect">
-            <a:avLst/>
-          </a:prstGeom>
-          <a:noFill/>
-        </p:spPr>
-        <p:txBody>
-          <a:bodyPr wrap="square" rtlCol="0">
-            <a:spAutoFit/>
-          </a:bodyPr>
-          <a:lstStyle/>
-          <a:p>
-            <a:pPr marL="285750" indent="-285750">
-              <a:buFont typeface="Arial" panose="020B0604020202020204" pitchFamily="34" charset="0"/>
-              <a:buChar char="•"/>
-            </a:pPr>
-            <a:r>
-              <a:rPr lang="en-US" dirty="0" smtClean="0"/>
-              <a:t>All three users, namely Admin, Salespersons and Retailers, should be able to login and view/edit their profile and execute their available functionalities.</a:t>
-            </a:r>
-          </a:p>
-          <a:p>
-            <a:endParaRPr lang="en-IN" dirty="0"/>
-          </a:p>
-        </p:txBody>
-      </p:sp>
-      <p:sp>
-        <p:nvSpPr>
-          <p:cNvPr id="5" name="TextBox 4"/>
-          <p:cNvSpPr txBox="1"/>
-          <p:nvPr/>
-        </p:nvSpPr>
-        <p:spPr>
-          <a:xfrm>
-            <a:off x="4913193" y="2183116"/>
-            <a:ext cx="3343702" cy="369332"/>
-          </a:xfrm>
-          <a:prstGeom prst="rect">
-            <a:avLst/>
-          </a:prstGeom>
-          <a:noFill/>
-        </p:spPr>
-        <p:txBody>
-          <a:bodyPr wrap="square" rtlCol="0">
-            <a:spAutoFit/>
-          </a:bodyPr>
-          <a:lstStyle/>
-          <a:p>
-            <a:r>
-              <a:rPr lang="en-US" b="1" dirty="0" smtClean="0"/>
-              <a:t>Product Master</a:t>
-            </a:r>
-            <a:endParaRPr lang="en-IN" b="1" dirty="0"/>
-          </a:p>
-        </p:txBody>
-      </p:sp>
-      <p:sp>
-        <p:nvSpPr>
-          <p:cNvPr id="6" name="TextBox 5"/>
-          <p:cNvSpPr txBox="1"/>
-          <p:nvPr/>
-        </p:nvSpPr>
-        <p:spPr>
-          <a:xfrm>
-            <a:off x="655091" y="2586419"/>
-            <a:ext cx="10235821" cy="1200329"/>
-          </a:xfrm>
-          <a:prstGeom prst="rect">
-            <a:avLst/>
-          </a:prstGeom>
-          <a:noFill/>
-        </p:spPr>
-        <p:txBody>
-          <a:bodyPr wrap="square" rtlCol="0">
-            <a:spAutoFit/>
-          </a:bodyPr>
-          <a:lstStyle/>
-          <a:p>
-            <a:pPr marL="285750" indent="-285750">
-              <a:buFont typeface="Arial" panose="020B0604020202020204" pitchFamily="34" charset="0"/>
-              <a:buChar char="•"/>
-            </a:pPr>
-            <a:r>
-              <a:rPr lang="en-US" dirty="0" smtClean="0"/>
-              <a:t>Build product master with product details, technical specifications along with product sample images.</a:t>
-            </a:r>
-          </a:p>
-          <a:p>
-            <a:pPr marL="285750" indent="-285750">
-              <a:buFont typeface="Arial" panose="020B0604020202020204" pitchFamily="34" charset="0"/>
-              <a:buChar char="•"/>
-            </a:pPr>
-            <a:r>
-              <a:rPr lang="en-US" dirty="0" smtClean="0"/>
-              <a:t>Customer should be able to view all the product details, technical specifications and selected product images, color and product dimensions while ordering. </a:t>
-            </a:r>
-          </a:p>
-          <a:p>
-            <a:endParaRPr lang="en-IN" dirty="0"/>
-          </a:p>
-        </p:txBody>
-      </p:sp>
-      <p:sp>
-        <p:nvSpPr>
-          <p:cNvPr id="7" name="TextBox 6"/>
-          <p:cNvSpPr txBox="1"/>
-          <p:nvPr/>
-        </p:nvSpPr>
-        <p:spPr>
-          <a:xfrm>
-            <a:off x="3740622" y="3670025"/>
-            <a:ext cx="4378657" cy="369332"/>
-          </a:xfrm>
-          <a:prstGeom prst="rect">
-            <a:avLst/>
-          </a:prstGeom>
-          <a:noFill/>
-        </p:spPr>
-        <p:txBody>
-          <a:bodyPr wrap="square" rtlCol="0">
-            <a:spAutoFit/>
-          </a:bodyPr>
-          <a:lstStyle/>
-          <a:p>
-            <a:r>
-              <a:rPr lang="en-IN" b="1" dirty="0" smtClean="0"/>
-              <a:t>Manage Product Shipping Addresses</a:t>
-            </a:r>
-            <a:endParaRPr lang="en-IN" b="1" dirty="0"/>
-          </a:p>
-        </p:txBody>
-      </p:sp>
-      <p:sp>
-        <p:nvSpPr>
-          <p:cNvPr id="9" name="Rectangle 8"/>
-          <p:cNvSpPr/>
-          <p:nvPr/>
-        </p:nvSpPr>
-        <p:spPr>
-          <a:xfrm>
-            <a:off x="655091" y="4058776"/>
-            <a:ext cx="10549720" cy="646331"/>
-          </a:xfrm>
-          <a:prstGeom prst="rect">
-            <a:avLst/>
-          </a:prstGeom>
-        </p:spPr>
-        <p:txBody>
-          <a:bodyPr wrap="square">
-            <a:spAutoFit/>
-          </a:bodyPr>
-          <a:lstStyle/>
-          <a:p>
-            <a:pPr marL="285750" indent="-285750">
-              <a:buFont typeface="Arial" panose="020B0604020202020204" pitchFamily="34" charset="0"/>
-              <a:buChar char="•"/>
-            </a:pPr>
-            <a:r>
-              <a:rPr lang="en-US" dirty="0" smtClean="0"/>
-              <a:t>Shipping Address selection should be made available for each product in the Customer Order.</a:t>
-            </a:r>
-          </a:p>
-          <a:p>
-            <a:pPr marL="285750" indent="-285750">
-              <a:buFont typeface="Arial" panose="020B0604020202020204" pitchFamily="34" charset="0"/>
-              <a:buChar char="•"/>
-            </a:pPr>
-            <a:r>
-              <a:rPr lang="en-US" dirty="0" smtClean="0"/>
-              <a:t> There should be an option to change the default Shipping Address for each product of the Customer Order</a:t>
-            </a:r>
-            <a:endParaRPr lang="en-IN" dirty="0"/>
-          </a:p>
-        </p:txBody>
-      </p:sp>
-      <p:sp>
-        <p:nvSpPr>
-          <p:cNvPr id="10" name="Rectangle 9"/>
-          <p:cNvSpPr/>
-          <p:nvPr/>
-        </p:nvSpPr>
-        <p:spPr>
-          <a:xfrm>
-            <a:off x="3962215" y="4977135"/>
-            <a:ext cx="3621569" cy="369332"/>
-          </a:xfrm>
-          <a:prstGeom prst="rect">
-            <a:avLst/>
-          </a:prstGeom>
-        </p:spPr>
-        <p:txBody>
-          <a:bodyPr wrap="none">
-            <a:spAutoFit/>
-          </a:bodyPr>
-          <a:lstStyle/>
-          <a:p>
-            <a:r>
-              <a:rPr lang="en-IN" b="1" dirty="0" smtClean="0"/>
-              <a:t>Maintain Customer Addresses List</a:t>
-            </a:r>
-            <a:endParaRPr lang="en-IN" b="1" dirty="0"/>
-          </a:p>
-        </p:txBody>
-      </p:sp>
-      <p:sp>
-        <p:nvSpPr>
-          <p:cNvPr id="11" name="Rectangle 10"/>
-          <p:cNvSpPr/>
-          <p:nvPr/>
-        </p:nvSpPr>
-        <p:spPr>
-          <a:xfrm>
-            <a:off x="655090" y="5371485"/>
-            <a:ext cx="10658904" cy="923330"/>
-          </a:xfrm>
-          <a:prstGeom prst="rect">
-            <a:avLst/>
-          </a:prstGeom>
-        </p:spPr>
-        <p:txBody>
-          <a:bodyPr wrap="square">
-            <a:spAutoFit/>
-          </a:bodyPr>
-          <a:lstStyle/>
-          <a:p>
-            <a:pPr marL="285750" indent="-285750">
-              <a:buFont typeface="Arial" panose="020B0604020202020204" pitchFamily="34" charset="0"/>
-              <a:buChar char="•"/>
-            </a:pPr>
-            <a:r>
-              <a:rPr lang="en-US" dirty="0" smtClean="0"/>
-              <a:t>There should be an option to define more than one shipping addresses at Customer level so that customer can pick up the right shipping address for each product while ordering.</a:t>
-            </a:r>
-          </a:p>
-          <a:p>
-            <a:pPr marL="285750" indent="-285750">
-              <a:buFont typeface="Arial" panose="020B0604020202020204" pitchFamily="34" charset="0"/>
-              <a:buChar char="•"/>
-            </a:pPr>
-            <a:r>
-              <a:rPr lang="en-US" dirty="0" smtClean="0"/>
-              <a:t> Customer should be able to create a new address.</a:t>
-            </a:r>
-            <a:endParaRPr lang="en-IN" dirty="0"/>
-          </a:p>
-        </p:txBody>
-      </p:sp>
-    </p:spTree>
-    <p:extLst>
-      <p:ext uri="{BB962C8B-B14F-4D97-AF65-F5344CB8AC3E}">
-        <p14:creationId xmlns:p14="http://schemas.microsoft.com/office/powerpoint/2010/main" val="802427699"/>
-      </p:ext>
-    </p:extLst>
-  </p:cSld>
-  <p:clrMapOvr>
-    <a:masterClrMapping/>
-  </p:clrMapOvr>
-</p:sld>
-</file>
-
-<file path=ppt/slides/slide5.xml><?xml version="1.0" encoding="utf-8"?>
-<p:sld xmlns:a="http://schemas.openxmlformats.org/drawingml/2006/main" xmlns:r="http://schemas.openxmlformats.org/officeDocument/2006/relationships" xmlns:p="http://schemas.openxmlformats.org/presentationml/2006/main">
-  <p:cSld>
-    <p:spTree>
-      <p:nvGrpSpPr>
-        <p:cNvPr id="1" name=""/>
-        <p:cNvGrpSpPr/>
-        <p:nvPr/>
-      </p:nvGrpSpPr>
-      <p:grpSpPr>
-        <a:xfrm>
-          <a:off x="0" y="0"/>
-          <a:ext cx="0" cy="0"/>
-          <a:chOff x="0" y="0"/>
-          <a:chExt cx="0" cy="0"/>
-        </a:xfrm>
-      </p:grpSpPr>
-      <p:sp>
-        <p:nvSpPr>
-          <p:cNvPr id="2" name="TextBox 1"/>
-          <p:cNvSpPr txBox="1"/>
-          <p:nvPr/>
-        </p:nvSpPr>
-        <p:spPr>
-          <a:xfrm>
-            <a:off x="874507" y="462554"/>
-            <a:ext cx="4586068" cy="646331"/>
-          </a:xfrm>
-          <a:prstGeom prst="rect">
-            <a:avLst/>
-          </a:prstGeom>
-          <a:noFill/>
-        </p:spPr>
-        <p:txBody>
-          <a:bodyPr wrap="square" rtlCol="0">
-            <a:spAutoFit/>
-          </a:bodyPr>
-          <a:lstStyle/>
-          <a:p>
-            <a:r>
-              <a:rPr lang="en-US" sz="3600" b="1" dirty="0" smtClean="0"/>
-              <a:t>Product Categories</a:t>
-            </a:r>
-            <a:endParaRPr lang="en-IN" sz="3600" b="1" dirty="0"/>
-          </a:p>
-        </p:txBody>
-      </p:sp>
-      <p:sp>
-        <p:nvSpPr>
-          <p:cNvPr id="3" name="TextBox 2"/>
-          <p:cNvSpPr txBox="1"/>
-          <p:nvPr/>
-        </p:nvSpPr>
-        <p:spPr>
-          <a:xfrm>
-            <a:off x="1111347" y="1786597"/>
-            <a:ext cx="6845298" cy="3139321"/>
-          </a:xfrm>
-          <a:prstGeom prst="rect">
-            <a:avLst/>
-          </a:prstGeom>
-          <a:noFill/>
-        </p:spPr>
-        <p:txBody>
-          <a:bodyPr wrap="square" rtlCol="0">
-            <a:spAutoFit/>
-          </a:bodyPr>
-          <a:lstStyle/>
-          <a:p>
-            <a:r>
-              <a:rPr lang="en-US" dirty="0" smtClean="0"/>
-              <a:t>Great Outdoors primarily deal with 5 product categories :-</a:t>
-            </a:r>
-          </a:p>
-          <a:p>
-            <a:endParaRPr lang="en-US" dirty="0" smtClean="0"/>
-          </a:p>
-          <a:p>
-            <a:pPr marL="285750" indent="-285750">
-              <a:buFont typeface="Arial" panose="020B0604020202020204" pitchFamily="34" charset="0"/>
-              <a:buChar char="•"/>
-            </a:pPr>
-            <a:r>
-              <a:rPr lang="en-US" dirty="0" smtClean="0"/>
-              <a:t>Camping Equipment</a:t>
-            </a:r>
-          </a:p>
-          <a:p>
-            <a:pPr marL="285750" indent="-285750">
-              <a:buFont typeface="Arial" panose="020B0604020202020204" pitchFamily="34" charset="0"/>
-              <a:buChar char="•"/>
-            </a:pPr>
-            <a:endParaRPr lang="en-US" dirty="0" smtClean="0"/>
-          </a:p>
-          <a:p>
-            <a:pPr marL="285750" indent="-285750">
-              <a:buFont typeface="Arial" panose="020B0604020202020204" pitchFamily="34" charset="0"/>
-              <a:buChar char="•"/>
-            </a:pPr>
-            <a:r>
-              <a:rPr lang="en-US" dirty="0" smtClean="0"/>
-              <a:t>Golf Equipment</a:t>
-            </a:r>
-          </a:p>
-          <a:p>
-            <a:pPr marL="285750" indent="-285750">
-              <a:buFont typeface="Arial" panose="020B0604020202020204" pitchFamily="34" charset="0"/>
-              <a:buChar char="•"/>
-            </a:pPr>
-            <a:endParaRPr lang="en-US" dirty="0" smtClean="0"/>
-          </a:p>
-          <a:p>
-            <a:pPr marL="285750" indent="-285750">
-              <a:buFont typeface="Arial" panose="020B0604020202020204" pitchFamily="34" charset="0"/>
-              <a:buChar char="•"/>
-            </a:pPr>
-            <a:r>
-              <a:rPr lang="en-IN" dirty="0" smtClean="0"/>
-              <a:t>Mountaineering Equipment </a:t>
-            </a:r>
-          </a:p>
-          <a:p>
-            <a:pPr marL="285750" indent="-285750">
-              <a:buFont typeface="Arial" panose="020B0604020202020204" pitchFamily="34" charset="0"/>
-              <a:buChar char="•"/>
-            </a:pPr>
-            <a:endParaRPr lang="en-IN" dirty="0" smtClean="0"/>
-          </a:p>
-          <a:p>
-            <a:pPr marL="285750" indent="-285750">
-              <a:buFont typeface="Arial" panose="020B0604020202020204" pitchFamily="34" charset="0"/>
-              <a:buChar char="•"/>
-            </a:pPr>
-            <a:r>
-              <a:rPr lang="en-US" dirty="0" smtClean="0"/>
-              <a:t>Outdoor Protection</a:t>
-            </a:r>
-          </a:p>
-          <a:p>
-            <a:pPr marL="285750" indent="-285750">
-              <a:buFont typeface="Arial" panose="020B0604020202020204" pitchFamily="34" charset="0"/>
-              <a:buChar char="•"/>
-            </a:pPr>
-            <a:endParaRPr lang="en-US" dirty="0" smtClean="0"/>
-          </a:p>
-          <a:p>
-            <a:pPr marL="285750" indent="-285750">
-              <a:buFont typeface="Arial" panose="020B0604020202020204" pitchFamily="34" charset="0"/>
-              <a:buChar char="•"/>
-            </a:pPr>
-            <a:r>
-              <a:rPr lang="en-US" dirty="0" smtClean="0"/>
-              <a:t>Personal Accessories</a:t>
-            </a:r>
-            <a:endParaRPr lang="en-IN" dirty="0"/>
-          </a:p>
-        </p:txBody>
-      </p:sp>
-    </p:spTree>
-    <p:extLst>
-      <p:ext uri="{BB962C8B-B14F-4D97-AF65-F5344CB8AC3E}">
-        <p14:creationId xmlns:p14="http://schemas.microsoft.com/office/powerpoint/2010/main" val="633608460"/>
-      </p:ext>
-    </p:extLst>
-  </p:cSld>
-  <p:clrMapOvr>
-    <a:masterClrMapping/>
-  </p:clrMapOvr>
-</p:sld>
-</file>
-
-<file path=ppt/slides/slide6.xml><?xml version="1.0" encoding="utf-8"?>
-<p:sld xmlns:a="http://schemas.openxmlformats.org/drawingml/2006/main" xmlns:r="http://schemas.openxmlformats.org/officeDocument/2006/relationships" xmlns:p="http://schemas.openxmlformats.org/presentationml/2006/main">
-  <p:cSld>
-    <p:spTree>
-      <p:nvGrpSpPr>
-        <p:cNvPr id="1" name=""/>
-        <p:cNvGrpSpPr/>
-        <p:nvPr/>
-      </p:nvGrpSpPr>
-      <p:grpSpPr>
-        <a:xfrm>
-          <a:off x="0" y="0"/>
-          <a:ext cx="0" cy="0"/>
-          <a:chOff x="0" y="0"/>
-          <a:chExt cx="0" cy="0"/>
-        </a:xfrm>
-      </p:grpSpPr>
-      <p:sp>
-        <p:nvSpPr>
-          <p:cNvPr id="2" name="Rectangle 1"/>
-          <p:cNvSpPr/>
-          <p:nvPr/>
-        </p:nvSpPr>
-        <p:spPr>
-          <a:xfrm>
-            <a:off x="973540" y="1272990"/>
-            <a:ext cx="9521587" cy="3139321"/>
-          </a:xfrm>
-          <a:prstGeom prst="rect">
-            <a:avLst/>
-          </a:prstGeom>
-        </p:spPr>
-        <p:txBody>
-          <a:bodyPr wrap="square">
-            <a:spAutoFit/>
-          </a:bodyPr>
-          <a:lstStyle/>
-          <a:p>
-            <a:r>
-              <a:rPr lang="en-US" dirty="0" smtClean="0"/>
-              <a:t>It seems that “Returns” has been increasing over the years. Returns can be due to multiple reasons:</a:t>
-            </a:r>
-          </a:p>
-          <a:p>
-            <a:endParaRPr lang="en-US" dirty="0" smtClean="0"/>
-          </a:p>
-          <a:p>
-            <a:pPr marL="285750" indent="-285750">
-              <a:buFont typeface="Arial" panose="020B0604020202020204" pitchFamily="34" charset="0"/>
-              <a:buChar char="•"/>
-            </a:pPr>
-            <a:r>
-              <a:rPr lang="en-US" dirty="0" smtClean="0"/>
-              <a:t> Unsatisfactory product </a:t>
-            </a:r>
-          </a:p>
-          <a:p>
-            <a:pPr marL="285750" indent="-285750">
-              <a:buFont typeface="Arial" panose="020B0604020202020204" pitchFamily="34" charset="0"/>
-              <a:buChar char="•"/>
-            </a:pPr>
-            <a:endParaRPr lang="en-US" dirty="0" smtClean="0"/>
-          </a:p>
-          <a:p>
-            <a:pPr marL="285750" indent="-285750">
-              <a:buFont typeface="Arial" panose="020B0604020202020204" pitchFamily="34" charset="0"/>
-              <a:buChar char="•"/>
-            </a:pPr>
-            <a:r>
-              <a:rPr lang="en-US" dirty="0" smtClean="0"/>
-              <a:t> Defective product </a:t>
-            </a:r>
-          </a:p>
-          <a:p>
-            <a:pPr marL="285750" indent="-285750">
-              <a:buFont typeface="Arial" panose="020B0604020202020204" pitchFamily="34" charset="0"/>
-              <a:buChar char="•"/>
-            </a:pPr>
-            <a:endParaRPr lang="en-US" dirty="0" smtClean="0"/>
-          </a:p>
-          <a:p>
-            <a:pPr marL="285750" indent="-285750">
-              <a:buFont typeface="Arial" panose="020B0604020202020204" pitchFamily="34" charset="0"/>
-              <a:buChar char="•"/>
-            </a:pPr>
-            <a:r>
-              <a:rPr lang="en-US" dirty="0" smtClean="0"/>
-              <a:t> Incomplete product </a:t>
-            </a:r>
-          </a:p>
-          <a:p>
-            <a:pPr marL="285750" indent="-285750">
-              <a:buFont typeface="Arial" panose="020B0604020202020204" pitchFamily="34" charset="0"/>
-              <a:buChar char="•"/>
-            </a:pPr>
-            <a:endParaRPr lang="en-US" dirty="0" smtClean="0"/>
-          </a:p>
-          <a:p>
-            <a:pPr marL="285750" indent="-285750">
-              <a:buFont typeface="Arial" panose="020B0604020202020204" pitchFamily="34" charset="0"/>
-              <a:buChar char="•"/>
-            </a:pPr>
-            <a:r>
-              <a:rPr lang="en-US" dirty="0" smtClean="0"/>
-              <a:t> Wrong product ordered </a:t>
-            </a:r>
-          </a:p>
-          <a:p>
-            <a:pPr marL="285750" indent="-285750">
-              <a:buFont typeface="Arial" panose="020B0604020202020204" pitchFamily="34" charset="0"/>
-              <a:buChar char="•"/>
-            </a:pPr>
-            <a:endParaRPr lang="en-US" dirty="0" smtClean="0"/>
-          </a:p>
-          <a:p>
-            <a:pPr marL="285750" indent="-285750">
-              <a:buFont typeface="Arial" panose="020B0604020202020204" pitchFamily="34" charset="0"/>
-              <a:buChar char="•"/>
-            </a:pPr>
-            <a:r>
-              <a:rPr lang="en-US" dirty="0" smtClean="0"/>
-              <a:t> Wrong product shipped</a:t>
-            </a:r>
-            <a:endParaRPr lang="en-IN" dirty="0"/>
-          </a:p>
-        </p:txBody>
-      </p:sp>
-      <p:sp>
-        <p:nvSpPr>
-          <p:cNvPr id="3" name="TextBox 2"/>
-          <p:cNvSpPr txBox="1"/>
-          <p:nvPr/>
-        </p:nvSpPr>
-        <p:spPr>
-          <a:xfrm>
-            <a:off x="973540" y="339759"/>
-            <a:ext cx="4586068" cy="646331"/>
-          </a:xfrm>
-          <a:prstGeom prst="rect">
-            <a:avLst/>
-          </a:prstGeom>
-          <a:noFill/>
-        </p:spPr>
-        <p:txBody>
-          <a:bodyPr wrap="square" rtlCol="0">
-            <a:spAutoFit/>
-          </a:bodyPr>
-          <a:lstStyle/>
-          <a:p>
-            <a:r>
-              <a:rPr lang="en-US" sz="3600" b="1" dirty="0" smtClean="0"/>
-              <a:t>Returns Management</a:t>
-            </a:r>
-            <a:endParaRPr lang="en-IN" sz="3600" b="1" dirty="0"/>
-          </a:p>
-        </p:txBody>
-      </p:sp>
-      <p:sp>
-        <p:nvSpPr>
-          <p:cNvPr id="4" name="TextBox 3"/>
-          <p:cNvSpPr txBox="1"/>
-          <p:nvPr/>
-        </p:nvSpPr>
-        <p:spPr>
-          <a:xfrm>
-            <a:off x="805217" y="5022376"/>
-            <a:ext cx="10317708" cy="646331"/>
-          </a:xfrm>
-          <a:prstGeom prst="rect">
-            <a:avLst/>
-          </a:prstGeom>
-          <a:noFill/>
-        </p:spPr>
-        <p:txBody>
-          <a:bodyPr wrap="square" rtlCol="0">
-            <a:spAutoFit/>
-          </a:bodyPr>
-          <a:lstStyle/>
-          <a:p>
-            <a:r>
-              <a:rPr lang="en-US" dirty="0" smtClean="0"/>
-              <a:t>Returns have a great impact over profit and revenue. So it is necessary to develop a Returns management system.</a:t>
-            </a:r>
-            <a:endParaRPr lang="en-IN" dirty="0"/>
-          </a:p>
-        </p:txBody>
-      </p:sp>
-    </p:spTree>
-    <p:extLst>
-      <p:ext uri="{BB962C8B-B14F-4D97-AF65-F5344CB8AC3E}">
-        <p14:creationId xmlns:p14="http://schemas.microsoft.com/office/powerpoint/2010/main" val="300980813"/>
-      </p:ext>
-    </p:extLst>
-  </p:cSld>
-  <p:clrMapOvr>
-    <a:masterClrMapping/>
-  </p:clrMapOvr>
-</p:sld>
-</file>
-
-<file path=ppt/slides/slide7.xml><?xml version="1.0" encoding="utf-8"?>
-<p:sld xmlns:a="http://schemas.openxmlformats.org/drawingml/2006/main" xmlns:r="http://schemas.openxmlformats.org/officeDocument/2006/relationships" xmlns:p="http://schemas.openxmlformats.org/presentationml/2006/main">
-  <p:cSld>
-    <p:spTree>
-      <p:nvGrpSpPr>
-        <p:cNvPr id="1" name=""/>
-        <p:cNvGrpSpPr/>
-        <p:nvPr/>
-      </p:nvGrpSpPr>
-      <p:grpSpPr>
-        <a:xfrm>
-          <a:off x="0" y="0"/>
-          <a:ext cx="0" cy="0"/>
-          <a:chOff x="0" y="0"/>
-          <a:chExt cx="0" cy="0"/>
-        </a:xfrm>
-      </p:grpSpPr>
-      <p:sp>
-        <p:nvSpPr>
-          <p:cNvPr id="2" name="TextBox 1"/>
-          <p:cNvSpPr txBox="1"/>
-          <p:nvPr/>
-        </p:nvSpPr>
-        <p:spPr>
-          <a:xfrm>
-            <a:off x="676087" y="421610"/>
-            <a:ext cx="8829053" cy="646331"/>
-          </a:xfrm>
-          <a:prstGeom prst="rect">
-            <a:avLst/>
-          </a:prstGeom>
-          <a:noFill/>
-        </p:spPr>
-        <p:txBody>
-          <a:bodyPr wrap="square" rtlCol="0">
-            <a:spAutoFit/>
-          </a:bodyPr>
-          <a:lstStyle/>
-          <a:p>
-            <a:r>
-              <a:rPr lang="en-IN" sz="3600" b="1" dirty="0" smtClean="0"/>
-              <a:t>Current Strategy &amp; Implementation</a:t>
-            </a:r>
-            <a:endParaRPr lang="en-IN" sz="3600" b="1" dirty="0"/>
-          </a:p>
-        </p:txBody>
-      </p:sp>
-      <p:sp>
-        <p:nvSpPr>
-          <p:cNvPr id="3" name="TextBox 2"/>
-          <p:cNvSpPr txBox="1"/>
-          <p:nvPr/>
-        </p:nvSpPr>
-        <p:spPr>
-          <a:xfrm>
-            <a:off x="976338" y="1760561"/>
-            <a:ext cx="11320295" cy="2031325"/>
-          </a:xfrm>
-          <a:prstGeom prst="rect">
-            <a:avLst/>
-          </a:prstGeom>
-          <a:noFill/>
-        </p:spPr>
-        <p:txBody>
-          <a:bodyPr wrap="square" rtlCol="0">
-            <a:spAutoFit/>
-          </a:bodyPr>
-          <a:lstStyle/>
-          <a:p>
-            <a:pPr marL="285750" indent="-285750">
-              <a:buFont typeface="Arial" panose="020B0604020202020204" pitchFamily="34" charset="0"/>
-              <a:buChar char="•"/>
-            </a:pPr>
-            <a:r>
-              <a:rPr lang="en-IN" dirty="0" smtClean="0"/>
-              <a:t>Enhance Profitability.</a:t>
-            </a:r>
-          </a:p>
-          <a:p>
-            <a:pPr marL="285750" indent="-285750">
-              <a:buFont typeface="Arial" panose="020B0604020202020204" pitchFamily="34" charset="0"/>
-              <a:buChar char="•"/>
-            </a:pPr>
-            <a:endParaRPr lang="en-IN" dirty="0" smtClean="0"/>
-          </a:p>
-          <a:p>
-            <a:pPr marL="285750" indent="-285750">
-              <a:buFont typeface="Arial" panose="020B0604020202020204" pitchFamily="34" charset="0"/>
-              <a:buChar char="•"/>
-            </a:pPr>
-            <a:r>
-              <a:rPr lang="en-US" dirty="0" smtClean="0"/>
-              <a:t>Maintain the Revenue growth at current rates.</a:t>
-            </a:r>
-          </a:p>
-          <a:p>
-            <a:pPr marL="285750" indent="-285750">
-              <a:buFont typeface="Arial" panose="020B0604020202020204" pitchFamily="34" charset="0"/>
-              <a:buChar char="•"/>
-            </a:pPr>
-            <a:endParaRPr lang="en-US" dirty="0"/>
-          </a:p>
-          <a:p>
-            <a:pPr marL="285750" indent="-285750">
-              <a:buFont typeface="Arial" panose="020B0604020202020204" pitchFamily="34" charset="0"/>
-              <a:buChar char="•"/>
-            </a:pPr>
-            <a:r>
-              <a:rPr lang="en-US" dirty="0" smtClean="0"/>
-              <a:t>GO does not have much legacy and most IT systems are quite new. So it is an immediate necessity to develop a good quality online system for all kinds of users.</a:t>
-            </a:r>
-          </a:p>
-          <a:p>
-            <a:endParaRPr lang="en-US" dirty="0"/>
-          </a:p>
-        </p:txBody>
-      </p:sp>
-    </p:spTree>
-    <p:extLst>
-      <p:ext uri="{BB962C8B-B14F-4D97-AF65-F5344CB8AC3E}">
-        <p14:creationId xmlns:p14="http://schemas.microsoft.com/office/powerpoint/2010/main" val="759631845"/>
-      </p:ext>
-    </p:extLst>
-  </p:cSld>
-  <p:clrMapOvr>
-    <a:masterClrMapping/>
-  </p:clrMapOvr>
-</p:sld>
-</file>
-
-<file path=ppt/slides/slide8.xml><?xml version="1.0" encoding="utf-8"?>
+<file path=ppt/slides/slide10.xml><?xml version="1.0" encoding="utf-8"?>
 <p:sld xmlns:a="http://schemas.openxmlformats.org/drawingml/2006/main" xmlns:r="http://schemas.openxmlformats.org/officeDocument/2006/relationships" xmlns:p="http://schemas.openxmlformats.org/presentationml/2006/main">
   <p:cSld>
     <p:spTree>
@@ -5294,7 +9413,7 @@
 </p:sld>
 </file>
 
-<file path=ppt/slides/slide9.xml><?xml version="1.0" encoding="utf-8"?>
+<file path=ppt/slides/slide11.xml><?xml version="1.0" encoding="utf-8"?>
 <p:sld xmlns:a="http://schemas.openxmlformats.org/drawingml/2006/main" xmlns:r="http://schemas.openxmlformats.org/officeDocument/2006/relationships" xmlns:p="http://schemas.openxmlformats.org/presentationml/2006/main">
   <p:cSld>
     <p:spTree>
@@ -5345,6 +9464,1600 @@
     <p:extLst>
       <p:ext uri="{BB962C8B-B14F-4D97-AF65-F5344CB8AC3E}">
         <p14:creationId xmlns:p14="http://schemas.microsoft.com/office/powerpoint/2010/main" val="3258842921"/>
+      </p:ext>
+    </p:extLst>
+  </p:cSld>
+  <p:clrMapOvr>
+    <a:masterClrMapping/>
+  </p:clrMapOvr>
+</p:sld>
+</file>
+
+<file path=ppt/slides/slide2.xml><?xml version="1.0" encoding="utf-8"?>
+<p:sld xmlns:a="http://schemas.openxmlformats.org/drawingml/2006/main" xmlns:r="http://schemas.openxmlformats.org/officeDocument/2006/relationships" xmlns:p="http://schemas.openxmlformats.org/presentationml/2006/main">
+  <p:cSld>
+    <p:spTree>
+      <p:nvGrpSpPr>
+        <p:cNvPr id="1" name=""/>
+        <p:cNvGrpSpPr/>
+        <p:nvPr/>
+      </p:nvGrpSpPr>
+      <p:grpSpPr>
+        <a:xfrm>
+          <a:off x="0" y="0"/>
+          <a:ext cx="0" cy="0"/>
+          <a:chOff x="0" y="0"/>
+          <a:chExt cx="0" cy="0"/>
+        </a:xfrm>
+      </p:grpSpPr>
+      <p:sp>
+        <p:nvSpPr>
+          <p:cNvPr id="2" name="Title 1"/>
+          <p:cNvSpPr>
+            <a:spLocks noGrp="1"/>
+          </p:cNvSpPr>
+          <p:nvPr>
+            <p:ph type="title"/>
+          </p:nvPr>
+        </p:nvSpPr>
+        <p:spPr/>
+        <p:txBody>
+          <a:bodyPr/>
+          <a:lstStyle/>
+          <a:p>
+            <a:r>
+              <a:rPr lang="en-US" dirty="0" smtClean="0"/>
+              <a:t>Members</a:t>
+            </a:r>
+            <a:endParaRPr lang="en-IN" dirty="0"/>
+          </a:p>
+        </p:txBody>
+      </p:sp>
+      <p:sp>
+        <p:nvSpPr>
+          <p:cNvPr id="3" name="Content Placeholder 2"/>
+          <p:cNvSpPr>
+            <a:spLocks noGrp="1"/>
+          </p:cNvSpPr>
+          <p:nvPr>
+            <p:ph idx="1"/>
+          </p:nvPr>
+        </p:nvSpPr>
+        <p:spPr>
+          <a:xfrm>
+            <a:off x="5943602" y="1581940"/>
+            <a:ext cx="6248398" cy="5655156"/>
+          </a:xfrm>
+        </p:spPr>
+        <p:txBody>
+          <a:bodyPr/>
+          <a:lstStyle/>
+          <a:p>
+            <a:r>
+              <a:rPr lang="en-US" dirty="0"/>
+              <a:t>Madhuri Vemulapaty</a:t>
+            </a:r>
+          </a:p>
+          <a:p>
+            <a:r>
+              <a:rPr lang="en-US" dirty="0"/>
+              <a:t>Ankush Agrawal</a:t>
+            </a:r>
+          </a:p>
+          <a:p>
+            <a:r>
+              <a:rPr lang="en-US" dirty="0"/>
+              <a:t>Shreyash Pandey</a:t>
+            </a:r>
+          </a:p>
+          <a:p>
+            <a:r>
+              <a:rPr lang="en-US" dirty="0"/>
+              <a:t>Sourav Maji</a:t>
+            </a:r>
+          </a:p>
+          <a:p>
+            <a:r>
+              <a:rPr lang="en-US" dirty="0"/>
+              <a:t>Sarthak Lav</a:t>
+            </a:r>
+            <a:endParaRPr lang="en-IN" dirty="0"/>
+          </a:p>
+        </p:txBody>
+      </p:sp>
+    </p:spTree>
+    <p:extLst>
+      <p:ext uri="{BB962C8B-B14F-4D97-AF65-F5344CB8AC3E}">
+        <p14:creationId xmlns:p14="http://schemas.microsoft.com/office/powerpoint/2010/main" val="1496239150"/>
+      </p:ext>
+    </p:extLst>
+  </p:cSld>
+  <p:clrMapOvr>
+    <a:masterClrMapping/>
+  </p:clrMapOvr>
+</p:sld>
+</file>
+
+<file path=ppt/slides/slide3.xml><?xml version="1.0" encoding="utf-8"?>
+<p:sld xmlns:a="http://schemas.openxmlformats.org/drawingml/2006/main" xmlns:r="http://schemas.openxmlformats.org/officeDocument/2006/relationships" xmlns:p="http://schemas.openxmlformats.org/presentationml/2006/main">
+  <p:cSld>
+    <p:spTree>
+      <p:nvGrpSpPr>
+        <p:cNvPr id="1" name=""/>
+        <p:cNvGrpSpPr/>
+        <p:nvPr/>
+      </p:nvGrpSpPr>
+      <p:grpSpPr>
+        <a:xfrm>
+          <a:off x="0" y="0"/>
+          <a:ext cx="0" cy="0"/>
+          <a:chOff x="0" y="0"/>
+          <a:chExt cx="0" cy="0"/>
+        </a:xfrm>
+      </p:grpSpPr>
+      <p:sp>
+        <p:nvSpPr>
+          <p:cNvPr id="2" name="TextBox 1"/>
+          <p:cNvSpPr txBox="1"/>
+          <p:nvPr/>
+        </p:nvSpPr>
+        <p:spPr>
+          <a:xfrm>
+            <a:off x="888154" y="476201"/>
+            <a:ext cx="4966735" cy="646331"/>
+          </a:xfrm>
+          <a:prstGeom prst="rect">
+            <a:avLst/>
+          </a:prstGeom>
+          <a:noFill/>
+        </p:spPr>
+        <p:txBody>
+          <a:bodyPr wrap="square" rtlCol="0">
+            <a:spAutoFit/>
+          </a:bodyPr>
+          <a:lstStyle/>
+          <a:p>
+            <a:r>
+              <a:rPr lang="en-US" sz="3600" b="1" dirty="0" smtClean="0"/>
+              <a:t>Company Overview</a:t>
+            </a:r>
+            <a:endParaRPr lang="en-IN" sz="3600" b="1" dirty="0"/>
+          </a:p>
+        </p:txBody>
+      </p:sp>
+      <p:sp>
+        <p:nvSpPr>
+          <p:cNvPr id="3" name="TextBox 2"/>
+          <p:cNvSpPr txBox="1"/>
+          <p:nvPr/>
+        </p:nvSpPr>
+        <p:spPr>
+          <a:xfrm>
+            <a:off x="998806" y="1955409"/>
+            <a:ext cx="9031459" cy="2862322"/>
+          </a:xfrm>
+          <a:prstGeom prst="rect">
+            <a:avLst/>
+          </a:prstGeom>
+          <a:noFill/>
+        </p:spPr>
+        <p:txBody>
+          <a:bodyPr wrap="square" rtlCol="0">
+            <a:spAutoFit/>
+          </a:bodyPr>
+          <a:lstStyle/>
+          <a:p>
+            <a:pPr marL="285750" indent="-285750">
+              <a:buFont typeface="Arial" panose="020B0604020202020204" pitchFamily="34" charset="0"/>
+              <a:buChar char="•"/>
+            </a:pPr>
+            <a:r>
+              <a:rPr lang="en-US" dirty="0" smtClean="0"/>
+              <a:t>Great Outdoors (GO) is an electronic distributor of outdoor products. GO sources the products from various manufacturers and supplies it to Retailers.</a:t>
+            </a:r>
+          </a:p>
+          <a:p>
+            <a:pPr marL="285750" indent="-285750">
+              <a:buFont typeface="Arial" panose="020B0604020202020204" pitchFamily="34" charset="0"/>
+              <a:buChar char="•"/>
+            </a:pPr>
+            <a:endParaRPr lang="en-US" dirty="0"/>
+          </a:p>
+          <a:p>
+            <a:pPr marL="285750" indent="-285750">
+              <a:buFont typeface="Arial" panose="020B0604020202020204" pitchFamily="34" charset="0"/>
+              <a:buChar char="•"/>
+            </a:pPr>
+            <a:r>
+              <a:rPr lang="en-US" dirty="0" smtClean="0"/>
+              <a:t>GO’s gross profit is quite healthy. However, they continue to make investments into the business to drive growth as a result of which their net profit margins are very thin. So, there is a constant pressure to optimize on costs and enhance profitability. GO is always looking at opportunities for cost optimization in order to enhance profitability.</a:t>
+            </a:r>
+          </a:p>
+          <a:p>
+            <a:pPr marL="285750" indent="-285750">
+              <a:buFont typeface="Arial" panose="020B0604020202020204" pitchFamily="34" charset="0"/>
+              <a:buChar char="•"/>
+            </a:pPr>
+            <a:endParaRPr lang="en-US" dirty="0" smtClean="0"/>
+          </a:p>
+          <a:p>
+            <a:pPr marL="285750" indent="-285750">
+              <a:buFont typeface="Arial" panose="020B0604020202020204" pitchFamily="34" charset="0"/>
+              <a:buChar char="•"/>
+            </a:pPr>
+            <a:r>
+              <a:rPr lang="en-US" dirty="0" smtClean="0"/>
+              <a:t>For  cost optimization, Great Outdoors has to develop an improved online shopping system so that the number of offline order reduces and online order increases.</a:t>
+            </a:r>
+            <a:endParaRPr lang="en-IN" dirty="0"/>
+          </a:p>
+        </p:txBody>
+      </p:sp>
+    </p:spTree>
+    <p:extLst>
+      <p:ext uri="{BB962C8B-B14F-4D97-AF65-F5344CB8AC3E}">
+        <p14:creationId xmlns:p14="http://schemas.microsoft.com/office/powerpoint/2010/main" val="661224406"/>
+      </p:ext>
+    </p:extLst>
+  </p:cSld>
+  <p:clrMapOvr>
+    <a:masterClrMapping/>
+  </p:clrMapOvr>
+</p:sld>
+</file>
+
+<file path=ppt/slides/slide4.xml><?xml version="1.0" encoding="utf-8"?>
+<p:sld xmlns:a="http://schemas.openxmlformats.org/drawingml/2006/main" xmlns:r="http://schemas.openxmlformats.org/officeDocument/2006/relationships" xmlns:p="http://schemas.openxmlformats.org/presentationml/2006/main">
+  <p:cSld>
+    <p:spTree>
+      <p:nvGrpSpPr>
+        <p:cNvPr id="1" name=""/>
+        <p:cNvGrpSpPr/>
+        <p:nvPr/>
+      </p:nvGrpSpPr>
+      <p:grpSpPr>
+        <a:xfrm>
+          <a:off x="0" y="0"/>
+          <a:ext cx="0" cy="0"/>
+          <a:chOff x="0" y="0"/>
+          <a:chExt cx="0" cy="0"/>
+        </a:xfrm>
+      </p:grpSpPr>
+      <p:sp>
+        <p:nvSpPr>
+          <p:cNvPr id="2" name="Title 1"/>
+          <p:cNvSpPr txBox="1">
+            <a:spLocks/>
+          </p:cNvSpPr>
+          <p:nvPr/>
+        </p:nvSpPr>
+        <p:spPr>
+          <a:xfrm>
+            <a:off x="762000" y="559678"/>
+            <a:ext cx="3833906" cy="4952492"/>
+          </a:xfrm>
+          <a:prstGeom prst="rect">
+            <a:avLst/>
+          </a:prstGeom>
+        </p:spPr>
+        <p:txBody>
+          <a:bodyPr/>
+          <a:lstStyle>
+            <a:lvl1pPr algn="l" defTabSz="914400" rtl="0" eaLnBrk="1" latinLnBrk="0" hangingPunct="1">
+              <a:lnSpc>
+                <a:spcPct val="89000"/>
+              </a:lnSpc>
+              <a:spcBef>
+                <a:spcPct val="0"/>
+              </a:spcBef>
+              <a:buNone/>
+              <a:defRPr sz="4400" kern="1200" baseline="0">
+                <a:solidFill>
+                  <a:schemeClr val="tx2"/>
+                </a:solidFill>
+                <a:latin typeface="+mj-lt"/>
+                <a:ea typeface="+mj-ea"/>
+                <a:cs typeface="+mj-cs"/>
+              </a:defRPr>
+            </a:lvl1pPr>
+          </a:lstStyle>
+          <a:p>
+            <a:r>
+              <a:rPr lang="en-US" smtClean="0"/>
+              <a:t>Target Audience</a:t>
+            </a:r>
+            <a:endParaRPr lang="en-IN" dirty="0"/>
+          </a:p>
+        </p:txBody>
+      </p:sp>
+      <p:graphicFrame>
+        <p:nvGraphicFramePr>
+          <p:cNvPr id="3" name="Diagram 2"/>
+          <p:cNvGraphicFramePr/>
+          <p:nvPr>
+            <p:extLst>
+              <p:ext uri="{D42A27DB-BD31-4B8C-83A1-F6EECF244321}">
+                <p14:modId xmlns:p14="http://schemas.microsoft.com/office/powerpoint/2010/main" val="1678340394"/>
+              </p:ext>
+            </p:extLst>
+          </p:nvPr>
+        </p:nvGraphicFramePr>
+        <p:xfrm>
+          <a:off x="4749422" y="559678"/>
+          <a:ext cx="5691115" cy="3288991"/>
+        </p:xfrm>
+        <a:graphic>
+          <a:graphicData uri="http://schemas.openxmlformats.org/drawingml/2006/diagram">
+            <dgm:relIds xmlns:dgm="http://schemas.openxmlformats.org/drawingml/2006/diagram" xmlns:r="http://schemas.openxmlformats.org/officeDocument/2006/relationships" r:dm="rId2" r:lo="rId3" r:qs="rId4" r:cs="rId5"/>
+          </a:graphicData>
+        </a:graphic>
+      </p:graphicFrame>
+      <p:graphicFrame>
+        <p:nvGraphicFramePr>
+          <p:cNvPr id="4" name="Diagram 3"/>
+          <p:cNvGraphicFramePr/>
+          <p:nvPr>
+            <p:extLst>
+              <p:ext uri="{D42A27DB-BD31-4B8C-83A1-F6EECF244321}">
+                <p14:modId xmlns:p14="http://schemas.microsoft.com/office/powerpoint/2010/main" val="1529578740"/>
+              </p:ext>
+            </p:extLst>
+          </p:nvPr>
+        </p:nvGraphicFramePr>
+        <p:xfrm>
+          <a:off x="5744192" y="4380931"/>
+          <a:ext cx="3686412" cy="2210937"/>
+        </p:xfrm>
+        <a:graphic>
+          <a:graphicData uri="http://schemas.openxmlformats.org/drawingml/2006/diagram">
+            <dgm:relIds xmlns:dgm="http://schemas.openxmlformats.org/drawingml/2006/diagram" xmlns:r="http://schemas.openxmlformats.org/officeDocument/2006/relationships" r:dm="rId7" r:lo="rId8" r:qs="rId9" r:cs="rId10"/>
+          </a:graphicData>
+        </a:graphic>
+      </p:graphicFrame>
+    </p:spTree>
+    <p:extLst>
+      <p:ext uri="{BB962C8B-B14F-4D97-AF65-F5344CB8AC3E}">
+        <p14:creationId xmlns:p14="http://schemas.microsoft.com/office/powerpoint/2010/main" val="182671442"/>
+      </p:ext>
+    </p:extLst>
+  </p:cSld>
+  <p:clrMapOvr>
+    <a:masterClrMapping/>
+  </p:clrMapOvr>
+</p:sld>
+</file>
+
+<file path=ppt/slides/slide5.xml><?xml version="1.0" encoding="utf-8"?>
+<p:sld xmlns:a="http://schemas.openxmlformats.org/drawingml/2006/main" xmlns:r="http://schemas.openxmlformats.org/officeDocument/2006/relationships" xmlns:p="http://schemas.openxmlformats.org/presentationml/2006/main">
+  <p:cSld>
+    <p:spTree>
+      <p:nvGrpSpPr>
+        <p:cNvPr id="1" name=""/>
+        <p:cNvGrpSpPr/>
+        <p:nvPr/>
+      </p:nvGrpSpPr>
+      <p:grpSpPr>
+        <a:xfrm>
+          <a:off x="0" y="0"/>
+          <a:ext cx="0" cy="0"/>
+          <a:chOff x="0" y="0"/>
+          <a:chExt cx="0" cy="0"/>
+        </a:xfrm>
+      </p:grpSpPr>
+      <p:sp>
+        <p:nvSpPr>
+          <p:cNvPr id="2" name="TextBox 1"/>
+          <p:cNvSpPr txBox="1"/>
+          <p:nvPr/>
+        </p:nvSpPr>
+        <p:spPr>
+          <a:xfrm>
+            <a:off x="955343" y="274557"/>
+            <a:ext cx="4626591" cy="646331"/>
+          </a:xfrm>
+          <a:prstGeom prst="rect">
+            <a:avLst/>
+          </a:prstGeom>
+          <a:noFill/>
+        </p:spPr>
+        <p:txBody>
+          <a:bodyPr wrap="square" rtlCol="0">
+            <a:spAutoFit/>
+          </a:bodyPr>
+          <a:lstStyle/>
+          <a:p>
+            <a:r>
+              <a:rPr lang="en-US" sz="3600" b="1" dirty="0" smtClean="0"/>
+              <a:t>Key Requirements</a:t>
+            </a:r>
+            <a:endParaRPr lang="en-IN" sz="3600" b="1" dirty="0"/>
+          </a:p>
+        </p:txBody>
+      </p:sp>
+      <p:sp>
+        <p:nvSpPr>
+          <p:cNvPr id="3" name="TextBox 2"/>
+          <p:cNvSpPr txBox="1"/>
+          <p:nvPr/>
+        </p:nvSpPr>
+        <p:spPr>
+          <a:xfrm>
+            <a:off x="5431809" y="1132599"/>
+            <a:ext cx="3343702" cy="369332"/>
+          </a:xfrm>
+          <a:prstGeom prst="rect">
+            <a:avLst/>
+          </a:prstGeom>
+          <a:noFill/>
+        </p:spPr>
+        <p:txBody>
+          <a:bodyPr wrap="square" rtlCol="0">
+            <a:spAutoFit/>
+          </a:bodyPr>
+          <a:lstStyle/>
+          <a:p>
+            <a:r>
+              <a:rPr lang="en-US" b="1" dirty="0" smtClean="0"/>
+              <a:t>Login</a:t>
+            </a:r>
+            <a:endParaRPr lang="en-IN" b="1" dirty="0"/>
+          </a:p>
+        </p:txBody>
+      </p:sp>
+      <p:sp>
+        <p:nvSpPr>
+          <p:cNvPr id="4" name="TextBox 3"/>
+          <p:cNvSpPr txBox="1"/>
+          <p:nvPr/>
+        </p:nvSpPr>
+        <p:spPr>
+          <a:xfrm>
+            <a:off x="655090" y="1595146"/>
+            <a:ext cx="10235821" cy="923330"/>
+          </a:xfrm>
+          <a:prstGeom prst="rect">
+            <a:avLst/>
+          </a:prstGeom>
+          <a:noFill/>
+        </p:spPr>
+        <p:txBody>
+          <a:bodyPr wrap="square" rtlCol="0">
+            <a:spAutoFit/>
+          </a:bodyPr>
+          <a:lstStyle/>
+          <a:p>
+            <a:pPr marL="285750" indent="-285750">
+              <a:buFont typeface="Arial" panose="020B0604020202020204" pitchFamily="34" charset="0"/>
+              <a:buChar char="•"/>
+            </a:pPr>
+            <a:r>
+              <a:rPr lang="en-US" dirty="0" smtClean="0"/>
+              <a:t>All three users, namely Admin, Salespersons and Retailers, should be able to login and view/edit their profile and execute their available functionalities.</a:t>
+            </a:r>
+          </a:p>
+          <a:p>
+            <a:endParaRPr lang="en-IN" dirty="0"/>
+          </a:p>
+        </p:txBody>
+      </p:sp>
+      <p:sp>
+        <p:nvSpPr>
+          <p:cNvPr id="5" name="TextBox 4"/>
+          <p:cNvSpPr txBox="1"/>
+          <p:nvPr/>
+        </p:nvSpPr>
+        <p:spPr>
+          <a:xfrm>
+            <a:off x="4913193" y="2183116"/>
+            <a:ext cx="3343702" cy="369332"/>
+          </a:xfrm>
+          <a:prstGeom prst="rect">
+            <a:avLst/>
+          </a:prstGeom>
+          <a:noFill/>
+        </p:spPr>
+        <p:txBody>
+          <a:bodyPr wrap="square" rtlCol="0">
+            <a:spAutoFit/>
+          </a:bodyPr>
+          <a:lstStyle/>
+          <a:p>
+            <a:r>
+              <a:rPr lang="en-US" b="1" dirty="0" smtClean="0"/>
+              <a:t>Product Master</a:t>
+            </a:r>
+            <a:endParaRPr lang="en-IN" b="1" dirty="0"/>
+          </a:p>
+        </p:txBody>
+      </p:sp>
+      <p:sp>
+        <p:nvSpPr>
+          <p:cNvPr id="6" name="TextBox 5"/>
+          <p:cNvSpPr txBox="1"/>
+          <p:nvPr/>
+        </p:nvSpPr>
+        <p:spPr>
+          <a:xfrm>
+            <a:off x="655091" y="2586419"/>
+            <a:ext cx="10235821" cy="1200329"/>
+          </a:xfrm>
+          <a:prstGeom prst="rect">
+            <a:avLst/>
+          </a:prstGeom>
+          <a:noFill/>
+        </p:spPr>
+        <p:txBody>
+          <a:bodyPr wrap="square" rtlCol="0">
+            <a:spAutoFit/>
+          </a:bodyPr>
+          <a:lstStyle/>
+          <a:p>
+            <a:pPr marL="285750" indent="-285750">
+              <a:buFont typeface="Arial" panose="020B0604020202020204" pitchFamily="34" charset="0"/>
+              <a:buChar char="•"/>
+            </a:pPr>
+            <a:r>
+              <a:rPr lang="en-US" dirty="0" smtClean="0"/>
+              <a:t>Build product master with product details, technical specifications along with product sample images.</a:t>
+            </a:r>
+          </a:p>
+          <a:p>
+            <a:pPr marL="285750" indent="-285750">
+              <a:buFont typeface="Arial" panose="020B0604020202020204" pitchFamily="34" charset="0"/>
+              <a:buChar char="•"/>
+            </a:pPr>
+            <a:r>
+              <a:rPr lang="en-US" dirty="0" smtClean="0"/>
+              <a:t>Customer should be able to view all the product details, technical specifications and selected product images, color and product dimensions while ordering. </a:t>
+            </a:r>
+          </a:p>
+          <a:p>
+            <a:endParaRPr lang="en-IN" dirty="0"/>
+          </a:p>
+        </p:txBody>
+      </p:sp>
+      <p:sp>
+        <p:nvSpPr>
+          <p:cNvPr id="7" name="TextBox 6"/>
+          <p:cNvSpPr txBox="1"/>
+          <p:nvPr/>
+        </p:nvSpPr>
+        <p:spPr>
+          <a:xfrm>
+            <a:off x="3740622" y="3670025"/>
+            <a:ext cx="4378657" cy="369332"/>
+          </a:xfrm>
+          <a:prstGeom prst="rect">
+            <a:avLst/>
+          </a:prstGeom>
+          <a:noFill/>
+        </p:spPr>
+        <p:txBody>
+          <a:bodyPr wrap="square" rtlCol="0">
+            <a:spAutoFit/>
+          </a:bodyPr>
+          <a:lstStyle/>
+          <a:p>
+            <a:r>
+              <a:rPr lang="en-IN" b="1" dirty="0" smtClean="0"/>
+              <a:t>Manage Product Shipping Addresses</a:t>
+            </a:r>
+            <a:endParaRPr lang="en-IN" b="1" dirty="0"/>
+          </a:p>
+        </p:txBody>
+      </p:sp>
+      <p:sp>
+        <p:nvSpPr>
+          <p:cNvPr id="9" name="Rectangle 8"/>
+          <p:cNvSpPr/>
+          <p:nvPr/>
+        </p:nvSpPr>
+        <p:spPr>
+          <a:xfrm>
+            <a:off x="655091" y="4058776"/>
+            <a:ext cx="10549720" cy="646331"/>
+          </a:xfrm>
+          <a:prstGeom prst="rect">
+            <a:avLst/>
+          </a:prstGeom>
+        </p:spPr>
+        <p:txBody>
+          <a:bodyPr wrap="square">
+            <a:spAutoFit/>
+          </a:bodyPr>
+          <a:lstStyle/>
+          <a:p>
+            <a:pPr marL="285750" indent="-285750">
+              <a:buFont typeface="Arial" panose="020B0604020202020204" pitchFamily="34" charset="0"/>
+              <a:buChar char="•"/>
+            </a:pPr>
+            <a:r>
+              <a:rPr lang="en-US" dirty="0" smtClean="0"/>
+              <a:t>Shipping Address selection should be made available for each product in the Customer Order.</a:t>
+            </a:r>
+          </a:p>
+          <a:p>
+            <a:pPr marL="285750" indent="-285750">
+              <a:buFont typeface="Arial" panose="020B0604020202020204" pitchFamily="34" charset="0"/>
+              <a:buChar char="•"/>
+            </a:pPr>
+            <a:r>
+              <a:rPr lang="en-US" dirty="0" smtClean="0"/>
+              <a:t> There should be an option to change the default Shipping Address for each product of the Customer Order</a:t>
+            </a:r>
+            <a:endParaRPr lang="en-IN" dirty="0"/>
+          </a:p>
+        </p:txBody>
+      </p:sp>
+      <p:sp>
+        <p:nvSpPr>
+          <p:cNvPr id="10" name="Rectangle 9"/>
+          <p:cNvSpPr/>
+          <p:nvPr/>
+        </p:nvSpPr>
+        <p:spPr>
+          <a:xfrm>
+            <a:off x="3962215" y="4977135"/>
+            <a:ext cx="3621569" cy="369332"/>
+          </a:xfrm>
+          <a:prstGeom prst="rect">
+            <a:avLst/>
+          </a:prstGeom>
+        </p:spPr>
+        <p:txBody>
+          <a:bodyPr wrap="none">
+            <a:spAutoFit/>
+          </a:bodyPr>
+          <a:lstStyle/>
+          <a:p>
+            <a:r>
+              <a:rPr lang="en-IN" b="1" dirty="0" smtClean="0"/>
+              <a:t>Maintain Customer Addresses List</a:t>
+            </a:r>
+            <a:endParaRPr lang="en-IN" b="1" dirty="0"/>
+          </a:p>
+        </p:txBody>
+      </p:sp>
+      <p:sp>
+        <p:nvSpPr>
+          <p:cNvPr id="11" name="Rectangle 10"/>
+          <p:cNvSpPr/>
+          <p:nvPr/>
+        </p:nvSpPr>
+        <p:spPr>
+          <a:xfrm>
+            <a:off x="655090" y="5371485"/>
+            <a:ext cx="10658904" cy="923330"/>
+          </a:xfrm>
+          <a:prstGeom prst="rect">
+            <a:avLst/>
+          </a:prstGeom>
+        </p:spPr>
+        <p:txBody>
+          <a:bodyPr wrap="square">
+            <a:spAutoFit/>
+          </a:bodyPr>
+          <a:lstStyle/>
+          <a:p>
+            <a:pPr marL="285750" indent="-285750">
+              <a:buFont typeface="Arial" panose="020B0604020202020204" pitchFamily="34" charset="0"/>
+              <a:buChar char="•"/>
+            </a:pPr>
+            <a:r>
+              <a:rPr lang="en-US" dirty="0" smtClean="0"/>
+              <a:t>There should be an option to define more than one shipping addresses at Customer level so that customer can pick up the right shipping address for each product while ordering.</a:t>
+            </a:r>
+          </a:p>
+          <a:p>
+            <a:pPr marL="285750" indent="-285750">
+              <a:buFont typeface="Arial" panose="020B0604020202020204" pitchFamily="34" charset="0"/>
+              <a:buChar char="•"/>
+            </a:pPr>
+            <a:r>
+              <a:rPr lang="en-US" dirty="0" smtClean="0"/>
+              <a:t> Customer should be able to create a new address.</a:t>
+            </a:r>
+            <a:endParaRPr lang="en-IN" dirty="0"/>
+          </a:p>
+        </p:txBody>
+      </p:sp>
+    </p:spTree>
+    <p:extLst>
+      <p:ext uri="{BB962C8B-B14F-4D97-AF65-F5344CB8AC3E}">
+        <p14:creationId xmlns:p14="http://schemas.microsoft.com/office/powerpoint/2010/main" val="802427699"/>
+      </p:ext>
+    </p:extLst>
+  </p:cSld>
+  <p:clrMapOvr>
+    <a:masterClrMapping/>
+  </p:clrMapOvr>
+</p:sld>
+</file>
+
+<file path=ppt/slides/slide6.xml><?xml version="1.0" encoding="utf-8"?>
+<p:sld xmlns:a="http://schemas.openxmlformats.org/drawingml/2006/main" xmlns:r="http://schemas.openxmlformats.org/officeDocument/2006/relationships" xmlns:p="http://schemas.openxmlformats.org/presentationml/2006/main">
+  <p:cSld>
+    <p:spTree>
+      <p:nvGrpSpPr>
+        <p:cNvPr id="1" name=""/>
+        <p:cNvGrpSpPr/>
+        <p:nvPr/>
+      </p:nvGrpSpPr>
+      <p:grpSpPr>
+        <a:xfrm>
+          <a:off x="0" y="0"/>
+          <a:ext cx="0" cy="0"/>
+          <a:chOff x="0" y="0"/>
+          <a:chExt cx="0" cy="0"/>
+        </a:xfrm>
+      </p:grpSpPr>
+      <p:sp>
+        <p:nvSpPr>
+          <p:cNvPr id="2" name="Title 3"/>
+          <p:cNvSpPr txBox="1">
+            <a:spLocks/>
+          </p:cNvSpPr>
+          <p:nvPr/>
+        </p:nvSpPr>
+        <p:spPr>
+          <a:xfrm>
+            <a:off x="762000" y="559678"/>
+            <a:ext cx="3833906" cy="4952492"/>
+          </a:xfrm>
+          <a:prstGeom prst="rect">
+            <a:avLst/>
+          </a:prstGeom>
+        </p:spPr>
+        <p:txBody>
+          <a:bodyPr/>
+          <a:lstStyle>
+            <a:lvl1pPr algn="l" defTabSz="914400" rtl="0" eaLnBrk="1" latinLnBrk="0" hangingPunct="1">
+              <a:lnSpc>
+                <a:spcPct val="89000"/>
+              </a:lnSpc>
+              <a:spcBef>
+                <a:spcPct val="0"/>
+              </a:spcBef>
+              <a:buNone/>
+              <a:defRPr sz="4400" kern="1200" baseline="0">
+                <a:solidFill>
+                  <a:schemeClr val="tx2"/>
+                </a:solidFill>
+                <a:latin typeface="+mj-lt"/>
+                <a:ea typeface="+mj-ea"/>
+                <a:cs typeface="+mj-cs"/>
+              </a:defRPr>
+            </a:lvl1pPr>
+          </a:lstStyle>
+          <a:p>
+            <a:r>
+              <a:rPr lang="en-US" smtClean="0"/>
+              <a:t>Site Map</a:t>
+            </a:r>
+            <a:endParaRPr lang="en-IN" dirty="0"/>
+          </a:p>
+        </p:txBody>
+      </p:sp>
+      <p:sp>
+        <p:nvSpPr>
+          <p:cNvPr id="3" name="Content Placeholder 4"/>
+          <p:cNvSpPr txBox="1">
+            <a:spLocks/>
+          </p:cNvSpPr>
+          <p:nvPr/>
+        </p:nvSpPr>
+        <p:spPr>
+          <a:xfrm>
+            <a:off x="5181600" y="569066"/>
+            <a:ext cx="6248398" cy="5655156"/>
+          </a:xfrm>
+          <a:prstGeom prst="rect">
+            <a:avLst/>
+          </a:prstGeom>
+        </p:spPr>
+        <p:txBody>
+          <a:bodyPr/>
+          <a:lstStyle>
+            <a:lvl1pPr marL="384048" indent="-384048" algn="l" defTabSz="914400" rtl="0" eaLnBrk="1" latinLnBrk="0" hangingPunct="1">
+              <a:lnSpc>
+                <a:spcPct val="94000"/>
+              </a:lnSpc>
+              <a:spcBef>
+                <a:spcPts val="1000"/>
+              </a:spcBef>
+              <a:spcAft>
+                <a:spcPts val="200"/>
+              </a:spcAft>
+              <a:buFont typeface="Franklin Gothic Book" panose="020B0503020102020204" pitchFamily="34" charset="0"/>
+              <a:buChar char="■"/>
+              <a:defRPr sz="2000" kern="1200" baseline="0">
+                <a:solidFill>
+                  <a:schemeClr val="tx2"/>
+                </a:solidFill>
+                <a:latin typeface="+mn-lt"/>
+                <a:ea typeface="+mn-ea"/>
+                <a:cs typeface="+mn-cs"/>
+              </a:defRPr>
+            </a:lvl1pPr>
+            <a:lvl2pPr marL="914400" indent="-384048" algn="l" defTabSz="914400" rtl="0" eaLnBrk="1" latinLnBrk="0" hangingPunct="1">
+              <a:lnSpc>
+                <a:spcPct val="94000"/>
+              </a:lnSpc>
+              <a:spcBef>
+                <a:spcPts val="500"/>
+              </a:spcBef>
+              <a:spcAft>
+                <a:spcPts val="200"/>
+              </a:spcAft>
+              <a:buFont typeface="Franklin Gothic Book" panose="020B0503020102020204" pitchFamily="34" charset="0"/>
+              <a:buChar char="–"/>
+              <a:defRPr sz="2000" i="1" kern="1200" baseline="0">
+                <a:solidFill>
+                  <a:schemeClr val="tx2"/>
+                </a:solidFill>
+                <a:latin typeface="+mn-lt"/>
+                <a:ea typeface="+mn-ea"/>
+                <a:cs typeface="+mn-cs"/>
+              </a:defRPr>
+            </a:lvl2pPr>
+            <a:lvl3pPr marL="1371600" indent="-384048" algn="l" defTabSz="914400" rtl="0" eaLnBrk="1" latinLnBrk="0" hangingPunct="1">
+              <a:lnSpc>
+                <a:spcPct val="94000"/>
+              </a:lnSpc>
+              <a:spcBef>
+                <a:spcPts val="500"/>
+              </a:spcBef>
+              <a:spcAft>
+                <a:spcPts val="200"/>
+              </a:spcAft>
+              <a:buFont typeface="Franklin Gothic Book" panose="020B0503020102020204" pitchFamily="34" charset="0"/>
+              <a:buChar char="■"/>
+              <a:defRPr sz="1800" kern="1200" baseline="0">
+                <a:solidFill>
+                  <a:schemeClr val="tx2"/>
+                </a:solidFill>
+                <a:latin typeface="+mn-lt"/>
+                <a:ea typeface="+mn-ea"/>
+                <a:cs typeface="+mn-cs"/>
+              </a:defRPr>
+            </a:lvl3pPr>
+            <a:lvl4pPr marL="1828800" indent="-384048" algn="l" defTabSz="914400" rtl="0" eaLnBrk="1" latinLnBrk="0" hangingPunct="1">
+              <a:lnSpc>
+                <a:spcPct val="94000"/>
+              </a:lnSpc>
+              <a:spcBef>
+                <a:spcPts val="500"/>
+              </a:spcBef>
+              <a:spcAft>
+                <a:spcPts val="200"/>
+              </a:spcAft>
+              <a:buFont typeface="Franklin Gothic Book" panose="020B0503020102020204" pitchFamily="34" charset="0"/>
+              <a:buChar char="–"/>
+              <a:defRPr sz="1800" i="1" kern="1200" baseline="0">
+                <a:solidFill>
+                  <a:schemeClr val="tx2"/>
+                </a:solidFill>
+                <a:latin typeface="+mn-lt"/>
+                <a:ea typeface="+mn-ea"/>
+                <a:cs typeface="+mn-cs"/>
+              </a:defRPr>
+            </a:lvl4pPr>
+            <a:lvl5pPr marL="2286000" indent="-384048" algn="l" defTabSz="914400" rtl="0" eaLnBrk="1" latinLnBrk="0" hangingPunct="1">
+              <a:lnSpc>
+                <a:spcPct val="94000"/>
+              </a:lnSpc>
+              <a:spcBef>
+                <a:spcPts val="500"/>
+              </a:spcBef>
+              <a:spcAft>
+                <a:spcPts val="200"/>
+              </a:spcAft>
+              <a:buFont typeface="Franklin Gothic Book" panose="020B0503020102020204" pitchFamily="34" charset="0"/>
+              <a:buChar char="■"/>
+              <a:defRPr sz="1600" kern="1200" baseline="0">
+                <a:solidFill>
+                  <a:schemeClr val="tx2"/>
+                </a:solidFill>
+                <a:latin typeface="+mn-lt"/>
+                <a:ea typeface="+mn-ea"/>
+                <a:cs typeface="+mn-cs"/>
+              </a:defRPr>
+            </a:lvl5pPr>
+            <a:lvl6pPr marL="2743200" indent="-384048" algn="l" defTabSz="914400" rtl="0" eaLnBrk="1" latinLnBrk="0" hangingPunct="1">
+              <a:lnSpc>
+                <a:spcPct val="94000"/>
+              </a:lnSpc>
+              <a:spcBef>
+                <a:spcPts val="500"/>
+              </a:spcBef>
+              <a:spcAft>
+                <a:spcPts val="200"/>
+              </a:spcAft>
+              <a:buFont typeface="Franklin Gothic Book" panose="020B0503020102020204" pitchFamily="34" charset="0"/>
+              <a:buChar char="–"/>
+              <a:defRPr sz="1600" i="1" kern="1200" baseline="0">
+                <a:solidFill>
+                  <a:schemeClr val="tx2"/>
+                </a:solidFill>
+                <a:latin typeface="+mn-lt"/>
+                <a:ea typeface="+mn-ea"/>
+                <a:cs typeface="+mn-cs"/>
+              </a:defRPr>
+            </a:lvl6pPr>
+            <a:lvl7pPr marL="3200400" indent="-384048" algn="l" defTabSz="914400" rtl="0" eaLnBrk="1" latinLnBrk="0" hangingPunct="1">
+              <a:lnSpc>
+                <a:spcPct val="94000"/>
+              </a:lnSpc>
+              <a:spcBef>
+                <a:spcPts val="500"/>
+              </a:spcBef>
+              <a:spcAft>
+                <a:spcPts val="200"/>
+              </a:spcAft>
+              <a:buFont typeface="Franklin Gothic Book" panose="020B0503020102020204" pitchFamily="34" charset="0"/>
+              <a:buChar char="■"/>
+              <a:defRPr sz="1400" kern="1200" baseline="0">
+                <a:solidFill>
+                  <a:schemeClr val="tx2"/>
+                </a:solidFill>
+                <a:latin typeface="+mn-lt"/>
+                <a:ea typeface="+mn-ea"/>
+                <a:cs typeface="+mn-cs"/>
+              </a:defRPr>
+            </a:lvl7pPr>
+            <a:lvl8pPr marL="3657600" indent="-384048" algn="l" defTabSz="914400" rtl="0" eaLnBrk="1" latinLnBrk="0" hangingPunct="1">
+              <a:lnSpc>
+                <a:spcPct val="94000"/>
+              </a:lnSpc>
+              <a:spcBef>
+                <a:spcPts val="500"/>
+              </a:spcBef>
+              <a:spcAft>
+                <a:spcPts val="200"/>
+              </a:spcAft>
+              <a:buFont typeface="Franklin Gothic Book" panose="020B0503020102020204" pitchFamily="34" charset="0"/>
+              <a:buChar char="–"/>
+              <a:defRPr sz="1400" i="1" kern="1200" baseline="0">
+                <a:solidFill>
+                  <a:schemeClr val="tx2"/>
+                </a:solidFill>
+                <a:latin typeface="+mn-lt"/>
+                <a:ea typeface="+mn-ea"/>
+                <a:cs typeface="+mn-cs"/>
+              </a:defRPr>
+            </a:lvl8pPr>
+            <a:lvl9pPr marL="4114800" indent="-384048" algn="l" defTabSz="914400" rtl="0" eaLnBrk="1" latinLnBrk="0" hangingPunct="1">
+              <a:lnSpc>
+                <a:spcPct val="94000"/>
+              </a:lnSpc>
+              <a:spcBef>
+                <a:spcPts val="500"/>
+              </a:spcBef>
+              <a:spcAft>
+                <a:spcPts val="200"/>
+              </a:spcAft>
+              <a:buFont typeface="Franklin Gothic Book" panose="020B0503020102020204" pitchFamily="34" charset="0"/>
+              <a:buChar char="■"/>
+              <a:defRPr sz="1400" kern="1200" baseline="0">
+                <a:solidFill>
+                  <a:schemeClr val="tx2"/>
+                </a:solidFill>
+                <a:latin typeface="+mn-lt"/>
+                <a:ea typeface="+mn-ea"/>
+                <a:cs typeface="+mn-cs"/>
+              </a:defRPr>
+            </a:lvl9pPr>
+          </a:lstStyle>
+          <a:p>
+            <a:r>
+              <a:rPr lang="en-US" b="1" smtClean="0"/>
+              <a:t>Login Page </a:t>
+            </a:r>
+            <a:r>
+              <a:rPr lang="en-US" smtClean="0"/>
+              <a:t>– The three users  - Admin, Retailer and Sales Person can login from this page.</a:t>
+            </a:r>
+          </a:p>
+          <a:p>
+            <a:r>
+              <a:rPr lang="en-US" b="1" smtClean="0"/>
+              <a:t>Admin Home </a:t>
+            </a:r>
+            <a:r>
+              <a:rPr lang="en-US" smtClean="0"/>
+              <a:t>– Profile of Admin</a:t>
+            </a:r>
+          </a:p>
+          <a:p>
+            <a:r>
+              <a:rPr lang="en-US" b="1" smtClean="0"/>
+              <a:t>Admin</a:t>
+            </a:r>
+            <a:r>
+              <a:rPr lang="en-US" smtClean="0"/>
+              <a:t> - Products Index Page</a:t>
+            </a:r>
+          </a:p>
+          <a:p>
+            <a:r>
+              <a:rPr lang="en-US" b="1" smtClean="0"/>
+              <a:t>Admin</a:t>
+            </a:r>
+            <a:r>
+              <a:rPr lang="en-US" smtClean="0"/>
+              <a:t> - Sales persons Index Page</a:t>
+            </a:r>
+          </a:p>
+          <a:p>
+            <a:r>
+              <a:rPr lang="en-US" b="1" smtClean="0"/>
+              <a:t>Sales Person Home </a:t>
+            </a:r>
+            <a:r>
+              <a:rPr lang="en-US" smtClean="0"/>
+              <a:t>– Profile of Sales Person</a:t>
+            </a:r>
+          </a:p>
+          <a:p>
+            <a:r>
+              <a:rPr lang="en-US" b="1" smtClean="0"/>
+              <a:t>Sales Person </a:t>
+            </a:r>
+            <a:r>
+              <a:rPr lang="en-US" smtClean="0"/>
+              <a:t>– View Sales History &amp; manage return/cancel</a:t>
+            </a:r>
+          </a:p>
+          <a:p>
+            <a:r>
+              <a:rPr lang="en-US" b="1" smtClean="0"/>
+              <a:t>Retailer Home </a:t>
+            </a:r>
+            <a:r>
+              <a:rPr lang="en-US" smtClean="0"/>
+              <a:t>– Profile of Retailer</a:t>
+            </a:r>
+          </a:p>
+          <a:p>
+            <a:r>
+              <a:rPr lang="en-US" b="1" smtClean="0"/>
+              <a:t>Retailer </a:t>
+            </a:r>
+            <a:r>
+              <a:rPr lang="en-US" smtClean="0"/>
+              <a:t>– Place order online</a:t>
+            </a:r>
+          </a:p>
+          <a:p>
+            <a:r>
+              <a:rPr lang="en-US" b="1" smtClean="0"/>
+              <a:t>Retailer</a:t>
+            </a:r>
+            <a:r>
+              <a:rPr lang="en-US" smtClean="0"/>
+              <a:t> – View order history &amp; manage return/cancel</a:t>
+            </a:r>
+          </a:p>
+          <a:p>
+            <a:r>
+              <a:rPr lang="en-US" b="1" smtClean="0"/>
+              <a:t>Retailer</a:t>
+            </a:r>
+            <a:r>
+              <a:rPr lang="en-US" smtClean="0"/>
+              <a:t> – Manage addresses</a:t>
+            </a:r>
+          </a:p>
+          <a:p>
+            <a:endParaRPr lang="en-IN" dirty="0"/>
+          </a:p>
+        </p:txBody>
+      </p:sp>
+    </p:spTree>
+    <p:extLst>
+      <p:ext uri="{BB962C8B-B14F-4D97-AF65-F5344CB8AC3E}">
+        <p14:creationId xmlns:p14="http://schemas.microsoft.com/office/powerpoint/2010/main" val="4161445746"/>
+      </p:ext>
+    </p:extLst>
+  </p:cSld>
+  <p:clrMapOvr>
+    <a:masterClrMapping/>
+  </p:clrMapOvr>
+</p:sld>
+</file>
+
+<file path=ppt/slides/slide7.xml><?xml version="1.0" encoding="utf-8"?>
+<p:sld xmlns:a="http://schemas.openxmlformats.org/drawingml/2006/main" xmlns:r="http://schemas.openxmlformats.org/officeDocument/2006/relationships" xmlns:p="http://schemas.openxmlformats.org/presentationml/2006/main">
+  <p:cSld>
+    <p:spTree>
+      <p:nvGrpSpPr>
+        <p:cNvPr id="1" name=""/>
+        <p:cNvGrpSpPr/>
+        <p:nvPr/>
+      </p:nvGrpSpPr>
+      <p:grpSpPr>
+        <a:xfrm>
+          <a:off x="0" y="0"/>
+          <a:ext cx="0" cy="0"/>
+          <a:chOff x="0" y="0"/>
+          <a:chExt cx="0" cy="0"/>
+        </a:xfrm>
+      </p:grpSpPr>
+      <p:sp>
+        <p:nvSpPr>
+          <p:cNvPr id="2" name="TextBox 1"/>
+          <p:cNvSpPr txBox="1"/>
+          <p:nvPr/>
+        </p:nvSpPr>
+        <p:spPr>
+          <a:xfrm>
+            <a:off x="874507" y="462554"/>
+            <a:ext cx="4586068" cy="646331"/>
+          </a:xfrm>
+          <a:prstGeom prst="rect">
+            <a:avLst/>
+          </a:prstGeom>
+          <a:noFill/>
+        </p:spPr>
+        <p:txBody>
+          <a:bodyPr wrap="square" rtlCol="0">
+            <a:spAutoFit/>
+          </a:bodyPr>
+          <a:lstStyle/>
+          <a:p>
+            <a:r>
+              <a:rPr lang="en-US" sz="3600" b="1" dirty="0" smtClean="0"/>
+              <a:t>Product Categories</a:t>
+            </a:r>
+            <a:endParaRPr lang="en-IN" sz="3600" b="1" dirty="0"/>
+          </a:p>
+        </p:txBody>
+      </p:sp>
+      <p:sp>
+        <p:nvSpPr>
+          <p:cNvPr id="3" name="TextBox 2"/>
+          <p:cNvSpPr txBox="1"/>
+          <p:nvPr/>
+        </p:nvSpPr>
+        <p:spPr>
+          <a:xfrm>
+            <a:off x="1111347" y="1786597"/>
+            <a:ext cx="6845298" cy="3139321"/>
+          </a:xfrm>
+          <a:prstGeom prst="rect">
+            <a:avLst/>
+          </a:prstGeom>
+          <a:noFill/>
+        </p:spPr>
+        <p:txBody>
+          <a:bodyPr wrap="square" rtlCol="0">
+            <a:spAutoFit/>
+          </a:bodyPr>
+          <a:lstStyle/>
+          <a:p>
+            <a:r>
+              <a:rPr lang="en-US" dirty="0" smtClean="0"/>
+              <a:t>Great Outdoors primarily deal with 5 product categories :-</a:t>
+            </a:r>
+          </a:p>
+          <a:p>
+            <a:endParaRPr lang="en-US" dirty="0" smtClean="0"/>
+          </a:p>
+          <a:p>
+            <a:pPr marL="285750" indent="-285750">
+              <a:buFont typeface="Arial" panose="020B0604020202020204" pitchFamily="34" charset="0"/>
+              <a:buChar char="•"/>
+            </a:pPr>
+            <a:r>
+              <a:rPr lang="en-US" dirty="0" smtClean="0"/>
+              <a:t>Camping Equipment</a:t>
+            </a:r>
+          </a:p>
+          <a:p>
+            <a:pPr marL="285750" indent="-285750">
+              <a:buFont typeface="Arial" panose="020B0604020202020204" pitchFamily="34" charset="0"/>
+              <a:buChar char="•"/>
+            </a:pPr>
+            <a:endParaRPr lang="en-US" dirty="0" smtClean="0"/>
+          </a:p>
+          <a:p>
+            <a:pPr marL="285750" indent="-285750">
+              <a:buFont typeface="Arial" panose="020B0604020202020204" pitchFamily="34" charset="0"/>
+              <a:buChar char="•"/>
+            </a:pPr>
+            <a:r>
+              <a:rPr lang="en-US" dirty="0" smtClean="0"/>
+              <a:t>Golf Equipment</a:t>
+            </a:r>
+          </a:p>
+          <a:p>
+            <a:pPr marL="285750" indent="-285750">
+              <a:buFont typeface="Arial" panose="020B0604020202020204" pitchFamily="34" charset="0"/>
+              <a:buChar char="•"/>
+            </a:pPr>
+            <a:endParaRPr lang="en-US" dirty="0" smtClean="0"/>
+          </a:p>
+          <a:p>
+            <a:pPr marL="285750" indent="-285750">
+              <a:buFont typeface="Arial" panose="020B0604020202020204" pitchFamily="34" charset="0"/>
+              <a:buChar char="•"/>
+            </a:pPr>
+            <a:r>
+              <a:rPr lang="en-IN" dirty="0" smtClean="0"/>
+              <a:t>Mountaineering Equipment </a:t>
+            </a:r>
+          </a:p>
+          <a:p>
+            <a:pPr marL="285750" indent="-285750">
+              <a:buFont typeface="Arial" panose="020B0604020202020204" pitchFamily="34" charset="0"/>
+              <a:buChar char="•"/>
+            </a:pPr>
+            <a:endParaRPr lang="en-IN" dirty="0" smtClean="0"/>
+          </a:p>
+          <a:p>
+            <a:pPr marL="285750" indent="-285750">
+              <a:buFont typeface="Arial" panose="020B0604020202020204" pitchFamily="34" charset="0"/>
+              <a:buChar char="•"/>
+            </a:pPr>
+            <a:r>
+              <a:rPr lang="en-US" dirty="0" smtClean="0"/>
+              <a:t>Outdoor Protection</a:t>
+            </a:r>
+          </a:p>
+          <a:p>
+            <a:pPr marL="285750" indent="-285750">
+              <a:buFont typeface="Arial" panose="020B0604020202020204" pitchFamily="34" charset="0"/>
+              <a:buChar char="•"/>
+            </a:pPr>
+            <a:endParaRPr lang="en-US" dirty="0" smtClean="0"/>
+          </a:p>
+          <a:p>
+            <a:pPr marL="285750" indent="-285750">
+              <a:buFont typeface="Arial" panose="020B0604020202020204" pitchFamily="34" charset="0"/>
+              <a:buChar char="•"/>
+            </a:pPr>
+            <a:r>
+              <a:rPr lang="en-US" dirty="0" smtClean="0"/>
+              <a:t>Personal Accessories</a:t>
+            </a:r>
+            <a:endParaRPr lang="en-IN" dirty="0"/>
+          </a:p>
+        </p:txBody>
+      </p:sp>
+    </p:spTree>
+    <p:extLst>
+      <p:ext uri="{BB962C8B-B14F-4D97-AF65-F5344CB8AC3E}">
+        <p14:creationId xmlns:p14="http://schemas.microsoft.com/office/powerpoint/2010/main" val="633608460"/>
+      </p:ext>
+    </p:extLst>
+  </p:cSld>
+  <p:clrMapOvr>
+    <a:masterClrMapping/>
+  </p:clrMapOvr>
+</p:sld>
+</file>
+
+<file path=ppt/slides/slide8.xml><?xml version="1.0" encoding="utf-8"?>
+<p:sld xmlns:a="http://schemas.openxmlformats.org/drawingml/2006/main" xmlns:r="http://schemas.openxmlformats.org/officeDocument/2006/relationships" xmlns:p="http://schemas.openxmlformats.org/presentationml/2006/main">
+  <p:cSld>
+    <p:spTree>
+      <p:nvGrpSpPr>
+        <p:cNvPr id="1" name=""/>
+        <p:cNvGrpSpPr/>
+        <p:nvPr/>
+      </p:nvGrpSpPr>
+      <p:grpSpPr>
+        <a:xfrm>
+          <a:off x="0" y="0"/>
+          <a:ext cx="0" cy="0"/>
+          <a:chOff x="0" y="0"/>
+          <a:chExt cx="0" cy="0"/>
+        </a:xfrm>
+      </p:grpSpPr>
+      <p:sp>
+        <p:nvSpPr>
+          <p:cNvPr id="2" name="Rectangle 1"/>
+          <p:cNvSpPr/>
+          <p:nvPr/>
+        </p:nvSpPr>
+        <p:spPr>
+          <a:xfrm>
+            <a:off x="973540" y="1272990"/>
+            <a:ext cx="9521587" cy="3139321"/>
+          </a:xfrm>
+          <a:prstGeom prst="rect">
+            <a:avLst/>
+          </a:prstGeom>
+        </p:spPr>
+        <p:txBody>
+          <a:bodyPr wrap="square">
+            <a:spAutoFit/>
+          </a:bodyPr>
+          <a:lstStyle/>
+          <a:p>
+            <a:r>
+              <a:rPr lang="en-US" dirty="0" smtClean="0"/>
+              <a:t>It seems that “Returns” has been increasing over the years. Returns can be due to multiple reasons:</a:t>
+            </a:r>
+          </a:p>
+          <a:p>
+            <a:endParaRPr lang="en-US" dirty="0" smtClean="0"/>
+          </a:p>
+          <a:p>
+            <a:pPr marL="285750" indent="-285750">
+              <a:buFont typeface="Arial" panose="020B0604020202020204" pitchFamily="34" charset="0"/>
+              <a:buChar char="•"/>
+            </a:pPr>
+            <a:r>
+              <a:rPr lang="en-US" dirty="0" smtClean="0"/>
+              <a:t> Unsatisfactory product </a:t>
+            </a:r>
+          </a:p>
+          <a:p>
+            <a:pPr marL="285750" indent="-285750">
+              <a:buFont typeface="Arial" panose="020B0604020202020204" pitchFamily="34" charset="0"/>
+              <a:buChar char="•"/>
+            </a:pPr>
+            <a:endParaRPr lang="en-US" dirty="0" smtClean="0"/>
+          </a:p>
+          <a:p>
+            <a:pPr marL="285750" indent="-285750">
+              <a:buFont typeface="Arial" panose="020B0604020202020204" pitchFamily="34" charset="0"/>
+              <a:buChar char="•"/>
+            </a:pPr>
+            <a:r>
+              <a:rPr lang="en-US" dirty="0" smtClean="0"/>
+              <a:t> Defective product </a:t>
+            </a:r>
+          </a:p>
+          <a:p>
+            <a:pPr marL="285750" indent="-285750">
+              <a:buFont typeface="Arial" panose="020B0604020202020204" pitchFamily="34" charset="0"/>
+              <a:buChar char="•"/>
+            </a:pPr>
+            <a:endParaRPr lang="en-US" dirty="0" smtClean="0"/>
+          </a:p>
+          <a:p>
+            <a:pPr marL="285750" indent="-285750">
+              <a:buFont typeface="Arial" panose="020B0604020202020204" pitchFamily="34" charset="0"/>
+              <a:buChar char="•"/>
+            </a:pPr>
+            <a:r>
+              <a:rPr lang="en-US" dirty="0" smtClean="0"/>
+              <a:t> Incomplete product </a:t>
+            </a:r>
+          </a:p>
+          <a:p>
+            <a:pPr marL="285750" indent="-285750">
+              <a:buFont typeface="Arial" panose="020B0604020202020204" pitchFamily="34" charset="0"/>
+              <a:buChar char="•"/>
+            </a:pPr>
+            <a:endParaRPr lang="en-US" dirty="0" smtClean="0"/>
+          </a:p>
+          <a:p>
+            <a:pPr marL="285750" indent="-285750">
+              <a:buFont typeface="Arial" panose="020B0604020202020204" pitchFamily="34" charset="0"/>
+              <a:buChar char="•"/>
+            </a:pPr>
+            <a:r>
+              <a:rPr lang="en-US" dirty="0" smtClean="0"/>
+              <a:t> Wrong product ordered </a:t>
+            </a:r>
+          </a:p>
+          <a:p>
+            <a:pPr marL="285750" indent="-285750">
+              <a:buFont typeface="Arial" panose="020B0604020202020204" pitchFamily="34" charset="0"/>
+              <a:buChar char="•"/>
+            </a:pPr>
+            <a:endParaRPr lang="en-US" dirty="0" smtClean="0"/>
+          </a:p>
+          <a:p>
+            <a:pPr marL="285750" indent="-285750">
+              <a:buFont typeface="Arial" panose="020B0604020202020204" pitchFamily="34" charset="0"/>
+              <a:buChar char="•"/>
+            </a:pPr>
+            <a:r>
+              <a:rPr lang="en-US" dirty="0" smtClean="0"/>
+              <a:t> Wrong product shipped</a:t>
+            </a:r>
+            <a:endParaRPr lang="en-IN" dirty="0"/>
+          </a:p>
+        </p:txBody>
+      </p:sp>
+      <p:sp>
+        <p:nvSpPr>
+          <p:cNvPr id="3" name="TextBox 2"/>
+          <p:cNvSpPr txBox="1"/>
+          <p:nvPr/>
+        </p:nvSpPr>
+        <p:spPr>
+          <a:xfrm>
+            <a:off x="973540" y="339759"/>
+            <a:ext cx="4586068" cy="646331"/>
+          </a:xfrm>
+          <a:prstGeom prst="rect">
+            <a:avLst/>
+          </a:prstGeom>
+          <a:noFill/>
+        </p:spPr>
+        <p:txBody>
+          <a:bodyPr wrap="square" rtlCol="0">
+            <a:spAutoFit/>
+          </a:bodyPr>
+          <a:lstStyle/>
+          <a:p>
+            <a:r>
+              <a:rPr lang="en-US" sz="3600" b="1" dirty="0" smtClean="0"/>
+              <a:t>Returns Management</a:t>
+            </a:r>
+            <a:endParaRPr lang="en-IN" sz="3600" b="1" dirty="0"/>
+          </a:p>
+        </p:txBody>
+      </p:sp>
+      <p:sp>
+        <p:nvSpPr>
+          <p:cNvPr id="4" name="TextBox 3"/>
+          <p:cNvSpPr txBox="1"/>
+          <p:nvPr/>
+        </p:nvSpPr>
+        <p:spPr>
+          <a:xfrm>
+            <a:off x="805217" y="5022376"/>
+            <a:ext cx="10317708" cy="646331"/>
+          </a:xfrm>
+          <a:prstGeom prst="rect">
+            <a:avLst/>
+          </a:prstGeom>
+          <a:noFill/>
+        </p:spPr>
+        <p:txBody>
+          <a:bodyPr wrap="square" rtlCol="0">
+            <a:spAutoFit/>
+          </a:bodyPr>
+          <a:lstStyle/>
+          <a:p>
+            <a:r>
+              <a:rPr lang="en-US" dirty="0" smtClean="0"/>
+              <a:t>Returns have a great impact over profit and revenue. So it is necessary to develop a Returns management system.</a:t>
+            </a:r>
+            <a:endParaRPr lang="en-IN" dirty="0"/>
+          </a:p>
+        </p:txBody>
+      </p:sp>
+    </p:spTree>
+    <p:extLst>
+      <p:ext uri="{BB962C8B-B14F-4D97-AF65-F5344CB8AC3E}">
+        <p14:creationId xmlns:p14="http://schemas.microsoft.com/office/powerpoint/2010/main" val="300980813"/>
+      </p:ext>
+    </p:extLst>
+  </p:cSld>
+  <p:clrMapOvr>
+    <a:masterClrMapping/>
+  </p:clrMapOvr>
+</p:sld>
+</file>
+
+<file path=ppt/slides/slide9.xml><?xml version="1.0" encoding="utf-8"?>
+<p:sld xmlns:a="http://schemas.openxmlformats.org/drawingml/2006/main" xmlns:r="http://schemas.openxmlformats.org/officeDocument/2006/relationships" xmlns:p="http://schemas.openxmlformats.org/presentationml/2006/main">
+  <p:cSld>
+    <p:spTree>
+      <p:nvGrpSpPr>
+        <p:cNvPr id="1" name=""/>
+        <p:cNvGrpSpPr/>
+        <p:nvPr/>
+      </p:nvGrpSpPr>
+      <p:grpSpPr>
+        <a:xfrm>
+          <a:off x="0" y="0"/>
+          <a:ext cx="0" cy="0"/>
+          <a:chOff x="0" y="0"/>
+          <a:chExt cx="0" cy="0"/>
+        </a:xfrm>
+      </p:grpSpPr>
+      <p:sp>
+        <p:nvSpPr>
+          <p:cNvPr id="2" name="TextBox 1"/>
+          <p:cNvSpPr txBox="1"/>
+          <p:nvPr/>
+        </p:nvSpPr>
+        <p:spPr>
+          <a:xfrm>
+            <a:off x="676087" y="421610"/>
+            <a:ext cx="8829053" cy="646331"/>
+          </a:xfrm>
+          <a:prstGeom prst="rect">
+            <a:avLst/>
+          </a:prstGeom>
+          <a:noFill/>
+        </p:spPr>
+        <p:txBody>
+          <a:bodyPr wrap="square" rtlCol="0">
+            <a:spAutoFit/>
+          </a:bodyPr>
+          <a:lstStyle/>
+          <a:p>
+            <a:r>
+              <a:rPr lang="en-IN" sz="3600" b="1" dirty="0" smtClean="0"/>
+              <a:t>Current Strategy &amp; Implementation</a:t>
+            </a:r>
+            <a:endParaRPr lang="en-IN" sz="3600" b="1" dirty="0"/>
+          </a:p>
+        </p:txBody>
+      </p:sp>
+      <p:sp>
+        <p:nvSpPr>
+          <p:cNvPr id="3" name="TextBox 2"/>
+          <p:cNvSpPr txBox="1"/>
+          <p:nvPr/>
+        </p:nvSpPr>
+        <p:spPr>
+          <a:xfrm>
+            <a:off x="976338" y="1760561"/>
+            <a:ext cx="11320295" cy="2031325"/>
+          </a:xfrm>
+          <a:prstGeom prst="rect">
+            <a:avLst/>
+          </a:prstGeom>
+          <a:noFill/>
+        </p:spPr>
+        <p:txBody>
+          <a:bodyPr wrap="square" rtlCol="0">
+            <a:spAutoFit/>
+          </a:bodyPr>
+          <a:lstStyle/>
+          <a:p>
+            <a:pPr marL="285750" indent="-285750">
+              <a:buFont typeface="Arial" panose="020B0604020202020204" pitchFamily="34" charset="0"/>
+              <a:buChar char="•"/>
+            </a:pPr>
+            <a:r>
+              <a:rPr lang="en-IN" dirty="0" smtClean="0"/>
+              <a:t>Enhance Profitability.</a:t>
+            </a:r>
+          </a:p>
+          <a:p>
+            <a:pPr marL="285750" indent="-285750">
+              <a:buFont typeface="Arial" panose="020B0604020202020204" pitchFamily="34" charset="0"/>
+              <a:buChar char="•"/>
+            </a:pPr>
+            <a:endParaRPr lang="en-IN" dirty="0" smtClean="0"/>
+          </a:p>
+          <a:p>
+            <a:pPr marL="285750" indent="-285750">
+              <a:buFont typeface="Arial" panose="020B0604020202020204" pitchFamily="34" charset="0"/>
+              <a:buChar char="•"/>
+            </a:pPr>
+            <a:r>
+              <a:rPr lang="en-US" dirty="0" smtClean="0"/>
+              <a:t>Maintain the Revenue growth at current rates.</a:t>
+            </a:r>
+          </a:p>
+          <a:p>
+            <a:pPr marL="285750" indent="-285750">
+              <a:buFont typeface="Arial" panose="020B0604020202020204" pitchFamily="34" charset="0"/>
+              <a:buChar char="•"/>
+            </a:pPr>
+            <a:endParaRPr lang="en-US" dirty="0"/>
+          </a:p>
+          <a:p>
+            <a:pPr marL="285750" indent="-285750">
+              <a:buFont typeface="Arial" panose="020B0604020202020204" pitchFamily="34" charset="0"/>
+              <a:buChar char="•"/>
+            </a:pPr>
+            <a:r>
+              <a:rPr lang="en-US" dirty="0" smtClean="0"/>
+              <a:t>GO does not have much legacy and most IT systems are quite new. So it is an immediate necessity to develop a good quality online system for all kinds of users.</a:t>
+            </a:r>
+          </a:p>
+          <a:p>
+            <a:endParaRPr lang="en-US" dirty="0"/>
+          </a:p>
+        </p:txBody>
+      </p:sp>
+    </p:spTree>
+    <p:extLst>
+      <p:ext uri="{BB962C8B-B14F-4D97-AF65-F5344CB8AC3E}">
+        <p14:creationId xmlns:p14="http://schemas.microsoft.com/office/powerpoint/2010/main" val="759631845"/>
       </p:ext>
     </p:extLst>
   </p:cSld>
